--- a/Essential_EA/Practice on Essential Enterprise Architecture Tool.pptx
+++ b/Essential_EA/Practice on Essential Enterprise Architecture Tool.pptx
@@ -5,19 +5,20 @@
     <p:sldMasterId id="2147483648" r:id="rId1"/>
   </p:sldMasterIdLst>
   <p:notesMasterIdLst>
-    <p:notesMasterId r:id="rId4"/>
+    <p:notesMasterId r:id="rId5"/>
   </p:notesMasterIdLst>
   <p:handoutMasterIdLst>
-    <p:handoutMasterId r:id="rId5"/>
+    <p:handoutMasterId r:id="rId6"/>
   </p:handoutMasterIdLst>
   <p:sldIdLst>
     <p:sldId id="265" r:id="rId2"/>
     <p:sldId id="320" r:id="rId3"/>
+    <p:sldId id="321" r:id="rId4"/>
   </p:sldIdLst>
   <p:sldSz cx="12188825" cy="6858000"/>
   <p:notesSz cx="6858000" cy="9144000"/>
   <p:custDataLst>
-    <p:tags r:id="rId6"/>
+    <p:tags r:id="rId7"/>
   </p:custDataLst>
   <p:defaultTextStyle>
     <a:defPPr>
@@ -218,7 +219,7 @@
           <a:p>
             <a:fld id="{59088EAF-6ECA-4616-85EF-35AA19C641F3}" type="datetimeFigureOut">
               <a:rPr lang="en-US"/>
-              <a:t>1/2/2024</a:t>
+              <a:t>1/3/2024</a:t>
             </a:fld>
             <a:endParaRPr/>
           </a:p>
@@ -4227,6 +4228,208 @@
     <p:extLst>
       <p:ext uri="{BB962C8B-B14F-4D97-AF65-F5344CB8AC3E}">
         <p14:creationId xmlns:p14="http://schemas.microsoft.com/office/powerpoint/2010/main" val="2216462666"/>
+      </p:ext>
+    </p:extLst>
+  </p:cSld>
+  <p:clrMapOvr>
+    <a:masterClrMapping/>
+  </p:clrMapOvr>
+  <mc:AlternateContent xmlns:mc="http://schemas.openxmlformats.org/markup-compatibility/2006" xmlns:p14="http://schemas.microsoft.com/office/powerpoint/2010/main">
+    <mc:Choice Requires="p14">
+      <p:transition spd="med" p14:dur="700">
+        <p:fade/>
+      </p:transition>
+    </mc:Choice>
+    <mc:Fallback xmlns="">
+      <p:transition spd="med">
+        <p:fade/>
+      </p:transition>
+    </mc:Fallback>
+  </mc:AlternateContent>
+</p:sld>
+</file>
+
+<file path=ppt/slides/slide3.xml><?xml version="1.0" encoding="utf-8"?>
+<p:sld xmlns:a="http://schemas.openxmlformats.org/drawingml/2006/main" xmlns:r="http://schemas.openxmlformats.org/officeDocument/2006/relationships" xmlns:p="http://schemas.openxmlformats.org/presentationml/2006/main">
+  <p:cSld>
+    <p:spTree>
+      <p:nvGrpSpPr>
+        <p:cNvPr id="1" name=""/>
+        <p:cNvGrpSpPr/>
+        <p:nvPr/>
+      </p:nvGrpSpPr>
+      <p:grpSpPr>
+        <a:xfrm>
+          <a:off x="0" y="0"/>
+          <a:ext cx="0" cy="0"/>
+          <a:chOff x="0" y="0"/>
+          <a:chExt cx="0" cy="0"/>
+        </a:xfrm>
+      </p:grpSpPr>
+      <p:sp>
+        <p:nvSpPr>
+          <p:cNvPr id="5" name="Title 4">
+            <a:extLst>
+              <a:ext uri="{FF2B5EF4-FFF2-40B4-BE49-F238E27FC236}">
+                <a16:creationId xmlns:a16="http://schemas.microsoft.com/office/drawing/2014/main" id="{DF5E2C21-BD5B-5531-A5DC-4B02AEBFA3B2}"/>
+              </a:ext>
+            </a:extLst>
+          </p:cNvPr>
+          <p:cNvSpPr>
+            <a:spLocks noGrp="1"/>
+          </p:cNvSpPr>
+          <p:nvPr>
+            <p:ph type="ctrTitle"/>
+          </p:nvPr>
+        </p:nvSpPr>
+        <p:spPr/>
+        <p:txBody>
+          <a:bodyPr>
+            <a:normAutofit fontScale="90000"/>
+          </a:bodyPr>
+          <a:lstStyle/>
+          <a:p>
+            <a:r>
+              <a:rPr lang="en-US" dirty="0"/>
+              <a:t>Essential Open-Source Packages Download and Installation</a:t>
+            </a:r>
+          </a:p>
+        </p:txBody>
+      </p:sp>
+      <p:sp>
+        <p:nvSpPr>
+          <p:cNvPr id="6" name="Subtitle 5">
+            <a:extLst>
+              <a:ext uri="{FF2B5EF4-FFF2-40B4-BE49-F238E27FC236}">
+                <a16:creationId xmlns:a16="http://schemas.microsoft.com/office/drawing/2014/main" id="{B350C1A0-00B0-9ADD-1DCD-B3FB66BD32B4}"/>
+              </a:ext>
+            </a:extLst>
+          </p:cNvPr>
+          <p:cNvSpPr>
+            <a:spLocks noGrp="1"/>
+          </p:cNvSpPr>
+          <p:nvPr>
+            <p:ph type="subTitle" idx="1"/>
+          </p:nvPr>
+        </p:nvSpPr>
+        <p:spPr>
+          <a:xfrm>
+            <a:off x="1065213" y="4800600"/>
+            <a:ext cx="4669159" cy="1219200"/>
+          </a:xfrm>
+        </p:spPr>
+        <p:txBody>
+          <a:bodyPr>
+            <a:normAutofit fontScale="85000" lnSpcReduction="10000"/>
+          </a:bodyPr>
+          <a:lstStyle/>
+          <a:p>
+            <a:pPr>
+              <a:lnSpc>
+                <a:spcPct val="120000"/>
+              </a:lnSpc>
+            </a:pPr>
+            <a:r>
+              <a:rPr lang="en-US" dirty="0">
+                <a:hlinkClick r:id="rId2"/>
+              </a:rPr>
+              <a:t>https://enterprise-architecture.org/products/essential-open-source/essential-os-download/</a:t>
+            </a:r>
+            <a:endParaRPr lang="en-US" dirty="0"/>
+          </a:p>
+        </p:txBody>
+      </p:sp>
+      <p:sp>
+        <p:nvSpPr>
+          <p:cNvPr id="4" name="TextBox 3">
+            <a:extLst>
+              <a:ext uri="{FF2B5EF4-FFF2-40B4-BE49-F238E27FC236}">
+                <a16:creationId xmlns:a16="http://schemas.microsoft.com/office/drawing/2014/main" id="{9FC838CE-870E-50F7-BB55-400826529519}"/>
+              </a:ext>
+            </a:extLst>
+          </p:cNvPr>
+          <p:cNvSpPr txBox="1"/>
+          <p:nvPr/>
+        </p:nvSpPr>
+        <p:spPr>
+          <a:xfrm>
+            <a:off x="363721" y="484257"/>
+            <a:ext cx="1564852" cy="1015663"/>
+          </a:xfrm>
+          <a:prstGeom prst="rect">
+            <a:avLst/>
+          </a:prstGeom>
+          <a:noFill/>
+        </p:spPr>
+        <p:txBody>
+          <a:bodyPr wrap="none" rtlCol="0">
+            <a:spAutoFit/>
+          </a:bodyPr>
+          <a:lstStyle/>
+          <a:p>
+            <a:pPr algn="ctr"/>
+            <a:r>
+              <a:rPr lang="en-US" sz="6000" b="1" dirty="0">
+                <a:effectLst>
+                  <a:outerShdw blurRad="38100" dist="38100" dir="2700000" algn="tl">
+                    <a:srgbClr val="000000">
+                      <a:alpha val="43137"/>
+                    </a:srgbClr>
+                  </a:outerShdw>
+                </a:effectLst>
+                <a:latin typeface="ADLaM Display" panose="02010000000000000000" pitchFamily="2" charset="0"/>
+                <a:ea typeface="ADLaM Display" panose="02010000000000000000" pitchFamily="2" charset="0"/>
+                <a:cs typeface="ADLaM Display" panose="02010000000000000000" pitchFamily="2" charset="0"/>
+              </a:rPr>
+              <a:t>002</a:t>
+            </a:r>
+          </a:p>
+        </p:txBody>
+      </p:sp>
+      <p:pic>
+        <p:nvPicPr>
+          <p:cNvPr id="8" name="Picture 7">
+            <a:extLst>
+              <a:ext uri="{FF2B5EF4-FFF2-40B4-BE49-F238E27FC236}">
+                <a16:creationId xmlns:a16="http://schemas.microsoft.com/office/drawing/2014/main" id="{D138DEF7-2F80-F003-9893-AC3597113208}"/>
+              </a:ext>
+            </a:extLst>
+          </p:cNvPr>
+          <p:cNvPicPr>
+            <a:picLocks noChangeAspect="1"/>
+          </p:cNvPicPr>
+          <p:nvPr/>
+        </p:nvPicPr>
+        <p:blipFill>
+          <a:blip r:embed="rId3"/>
+          <a:stretch>
+            <a:fillRect/>
+          </a:stretch>
+        </p:blipFill>
+        <p:spPr>
+          <a:xfrm>
+            <a:off x="5878388" y="3901896"/>
+            <a:ext cx="5556321" cy="2302768"/>
+          </a:xfrm>
+          <a:prstGeom prst="rect">
+            <a:avLst/>
+          </a:prstGeom>
+          <a:ln>
+            <a:noFill/>
+          </a:ln>
+          <a:effectLst>
+            <a:outerShdw blurRad="292100" dist="139700" dir="2700000" algn="tl" rotWithShape="0">
+              <a:srgbClr val="333333">
+                <a:alpha val="65000"/>
+              </a:srgbClr>
+            </a:outerShdw>
+          </a:effectLst>
+        </p:spPr>
+      </p:pic>
+    </p:spTree>
+    <p:extLst>
+      <p:ext uri="{BB962C8B-B14F-4D97-AF65-F5344CB8AC3E}">
+        <p14:creationId xmlns:p14="http://schemas.microsoft.com/office/powerpoint/2010/main" val="463351251"/>
       </p:ext>
     </p:extLst>
   </p:cSld>

--- a/Essential_EA/Practice on Essential Enterprise Architecture Tool.pptx
+++ b/Essential_EA/Practice on Essential Enterprise Architecture Tool.pptx
@@ -5,20 +5,24 @@
     <p:sldMasterId id="2147483648" r:id="rId1"/>
   </p:sldMasterIdLst>
   <p:notesMasterIdLst>
-    <p:notesMasterId r:id="rId5"/>
+    <p:notesMasterId r:id="rId9"/>
   </p:notesMasterIdLst>
   <p:handoutMasterIdLst>
-    <p:handoutMasterId r:id="rId6"/>
+    <p:handoutMasterId r:id="rId10"/>
   </p:handoutMasterIdLst>
   <p:sldIdLst>
     <p:sldId id="265" r:id="rId2"/>
     <p:sldId id="320" r:id="rId3"/>
     <p:sldId id="321" r:id="rId4"/>
+    <p:sldId id="322" r:id="rId5"/>
+    <p:sldId id="323" r:id="rId6"/>
+    <p:sldId id="324" r:id="rId7"/>
+    <p:sldId id="325" r:id="rId8"/>
   </p:sldIdLst>
   <p:sldSz cx="12188825" cy="6858000"/>
   <p:notesSz cx="6858000" cy="9144000"/>
   <p:custDataLst>
-    <p:tags r:id="rId7"/>
+    <p:tags r:id="rId11"/>
   </p:custDataLst>
   <p:defaultTextStyle>
     <a:defPPr>
@@ -135,6 +139,3719 @@
     </p:ext>
   </p:extLst>
 </p:presentation>
+</file>
+
+<file path=ppt/diagrams/colors1.xml><?xml version="1.0" encoding="utf-8"?>
+<dgm:colorsDef xmlns:dgm="http://schemas.openxmlformats.org/drawingml/2006/diagram" xmlns:a="http://schemas.openxmlformats.org/drawingml/2006/main" uniqueId="urn:microsoft.com/office/officeart/2005/8/colors/accent1_2">
+  <dgm:title val=""/>
+  <dgm:desc val=""/>
+  <dgm:catLst>
+    <dgm:cat type="accent1" pri="11200"/>
+  </dgm:catLst>
+  <dgm:styleLbl name="node0">
+    <dgm:fillClrLst meth="repeat">
+      <a:schemeClr val="accent1"/>
+    </dgm:fillClrLst>
+    <dgm:linClrLst meth="repeat">
+      <a:schemeClr val="lt1"/>
+    </dgm:linClrLst>
+    <dgm:effectClrLst/>
+    <dgm:txLinClrLst/>
+    <dgm:txFillClrLst/>
+    <dgm:txEffectClrLst/>
+  </dgm:styleLbl>
+  <dgm:styleLbl name="alignNode1">
+    <dgm:fillClrLst meth="repeat">
+      <a:schemeClr val="accent1"/>
+    </dgm:fillClrLst>
+    <dgm:linClrLst meth="repeat">
+      <a:schemeClr val="accent1"/>
+    </dgm:linClrLst>
+    <dgm:effectClrLst/>
+    <dgm:txLinClrLst/>
+    <dgm:txFillClrLst/>
+    <dgm:txEffectClrLst/>
+  </dgm:styleLbl>
+  <dgm:styleLbl name="node1">
+    <dgm:fillClrLst meth="repeat">
+      <a:schemeClr val="accent1"/>
+    </dgm:fillClrLst>
+    <dgm:linClrLst meth="repeat">
+      <a:schemeClr val="lt1"/>
+    </dgm:linClrLst>
+    <dgm:effectClrLst/>
+    <dgm:txLinClrLst/>
+    <dgm:txFillClrLst/>
+    <dgm:txEffectClrLst/>
+  </dgm:styleLbl>
+  <dgm:styleLbl name="lnNode1">
+    <dgm:fillClrLst meth="repeat">
+      <a:schemeClr val="accent1"/>
+    </dgm:fillClrLst>
+    <dgm:linClrLst meth="repeat">
+      <a:schemeClr val="lt1"/>
+    </dgm:linClrLst>
+    <dgm:effectClrLst/>
+    <dgm:txLinClrLst/>
+    <dgm:txFillClrLst/>
+    <dgm:txEffectClrLst/>
+  </dgm:styleLbl>
+  <dgm:styleLbl name="vennNode1">
+    <dgm:fillClrLst meth="repeat">
+      <a:schemeClr val="accent1">
+        <a:alpha val="50000"/>
+      </a:schemeClr>
+    </dgm:fillClrLst>
+    <dgm:linClrLst meth="repeat">
+      <a:schemeClr val="lt1"/>
+    </dgm:linClrLst>
+    <dgm:effectClrLst/>
+    <dgm:txLinClrLst/>
+    <dgm:txFillClrLst/>
+    <dgm:txEffectClrLst/>
+  </dgm:styleLbl>
+  <dgm:styleLbl name="node2">
+    <dgm:fillClrLst meth="repeat">
+      <a:schemeClr val="accent1"/>
+    </dgm:fillClrLst>
+    <dgm:linClrLst meth="repeat">
+      <a:schemeClr val="lt1"/>
+    </dgm:linClrLst>
+    <dgm:effectClrLst/>
+    <dgm:txLinClrLst/>
+    <dgm:txFillClrLst/>
+    <dgm:txEffectClrLst/>
+  </dgm:styleLbl>
+  <dgm:styleLbl name="node3">
+    <dgm:fillClrLst meth="repeat">
+      <a:schemeClr val="accent1"/>
+    </dgm:fillClrLst>
+    <dgm:linClrLst meth="repeat">
+      <a:schemeClr val="lt1"/>
+    </dgm:linClrLst>
+    <dgm:effectClrLst/>
+    <dgm:txLinClrLst/>
+    <dgm:txFillClrLst/>
+    <dgm:txEffectClrLst/>
+  </dgm:styleLbl>
+  <dgm:styleLbl name="node4">
+    <dgm:fillClrLst meth="repeat">
+      <a:schemeClr val="accent1"/>
+    </dgm:fillClrLst>
+    <dgm:linClrLst meth="repeat">
+      <a:schemeClr val="lt1"/>
+    </dgm:linClrLst>
+    <dgm:effectClrLst/>
+    <dgm:txLinClrLst/>
+    <dgm:txFillClrLst/>
+    <dgm:txEffectClrLst/>
+  </dgm:styleLbl>
+  <dgm:styleLbl name="fgImgPlace1">
+    <dgm:fillClrLst meth="repeat">
+      <a:schemeClr val="accent1">
+        <a:tint val="50000"/>
+      </a:schemeClr>
+    </dgm:fillClrLst>
+    <dgm:linClrLst meth="repeat">
+      <a:schemeClr val="lt1"/>
+    </dgm:linClrLst>
+    <dgm:effectClrLst/>
+    <dgm:txLinClrLst/>
+    <dgm:txFillClrLst meth="repeat">
+      <a:schemeClr val="lt1"/>
+    </dgm:txFillClrLst>
+    <dgm:txEffectClrLst/>
+  </dgm:styleLbl>
+  <dgm:styleLbl name="alignImgPlace1">
+    <dgm:fillClrLst meth="repeat">
+      <a:schemeClr val="accent1">
+        <a:tint val="50000"/>
+      </a:schemeClr>
+    </dgm:fillClrLst>
+    <dgm:linClrLst meth="repeat">
+      <a:schemeClr val="lt1"/>
+    </dgm:linClrLst>
+    <dgm:effectClrLst/>
+    <dgm:txLinClrLst/>
+    <dgm:txFillClrLst meth="repeat">
+      <a:schemeClr val="lt1"/>
+    </dgm:txFillClrLst>
+    <dgm:txEffectClrLst/>
+  </dgm:styleLbl>
+  <dgm:styleLbl name="bgImgPlace1">
+    <dgm:fillClrLst meth="repeat">
+      <a:schemeClr val="accent1">
+        <a:tint val="50000"/>
+      </a:schemeClr>
+    </dgm:fillClrLst>
+    <dgm:linClrLst meth="repeat">
+      <a:schemeClr val="lt1"/>
+    </dgm:linClrLst>
+    <dgm:effectClrLst/>
+    <dgm:txLinClrLst/>
+    <dgm:txFillClrLst meth="repeat">
+      <a:schemeClr val="lt1"/>
+    </dgm:txFillClrLst>
+    <dgm:txEffectClrLst/>
+  </dgm:styleLbl>
+  <dgm:styleLbl name="sibTrans2D1">
+    <dgm:fillClrLst meth="repeat">
+      <a:schemeClr val="accent1">
+        <a:tint val="60000"/>
+      </a:schemeClr>
+    </dgm:fillClrLst>
+    <dgm:linClrLst meth="repeat">
+      <a:schemeClr val="accent1">
+        <a:tint val="60000"/>
+      </a:schemeClr>
+    </dgm:linClrLst>
+    <dgm:effectClrLst/>
+    <dgm:txLinClrLst/>
+    <dgm:txFillClrLst/>
+    <dgm:txEffectClrLst/>
+  </dgm:styleLbl>
+  <dgm:styleLbl name="fgSibTrans2D1">
+    <dgm:fillClrLst meth="repeat">
+      <a:schemeClr val="accent1">
+        <a:tint val="60000"/>
+      </a:schemeClr>
+    </dgm:fillClrLst>
+    <dgm:linClrLst meth="repeat">
+      <a:schemeClr val="accent1">
+        <a:tint val="60000"/>
+      </a:schemeClr>
+    </dgm:linClrLst>
+    <dgm:effectClrLst/>
+    <dgm:txLinClrLst/>
+    <dgm:txFillClrLst/>
+    <dgm:txEffectClrLst/>
+  </dgm:styleLbl>
+  <dgm:styleLbl name="bgSibTrans2D1">
+    <dgm:fillClrLst meth="repeat">
+      <a:schemeClr val="accent1">
+        <a:tint val="60000"/>
+      </a:schemeClr>
+    </dgm:fillClrLst>
+    <dgm:linClrLst meth="repeat">
+      <a:schemeClr val="accent1">
+        <a:tint val="60000"/>
+      </a:schemeClr>
+    </dgm:linClrLst>
+    <dgm:effectClrLst/>
+    <dgm:txLinClrLst/>
+    <dgm:txFillClrLst/>
+    <dgm:txEffectClrLst/>
+  </dgm:styleLbl>
+  <dgm:styleLbl name="sibTrans1D1">
+    <dgm:fillClrLst meth="repeat">
+      <a:schemeClr val="accent1"/>
+    </dgm:fillClrLst>
+    <dgm:linClrLst meth="repeat">
+      <a:schemeClr val="accent1"/>
+    </dgm:linClrLst>
+    <dgm:effectClrLst/>
+    <dgm:txLinClrLst/>
+    <dgm:txFillClrLst meth="repeat">
+      <a:schemeClr val="tx1"/>
+    </dgm:txFillClrLst>
+    <dgm:txEffectClrLst/>
+  </dgm:styleLbl>
+  <dgm:styleLbl name="callout">
+    <dgm:fillClrLst meth="repeat">
+      <a:schemeClr val="accent1"/>
+    </dgm:fillClrLst>
+    <dgm:linClrLst meth="repeat">
+      <a:schemeClr val="accent1">
+        <a:tint val="50000"/>
+      </a:schemeClr>
+    </dgm:linClrLst>
+    <dgm:effectClrLst/>
+    <dgm:txLinClrLst/>
+    <dgm:txFillClrLst meth="repeat">
+      <a:schemeClr val="tx1"/>
+    </dgm:txFillClrLst>
+    <dgm:txEffectClrLst/>
+  </dgm:styleLbl>
+  <dgm:styleLbl name="asst0">
+    <dgm:fillClrLst meth="repeat">
+      <a:schemeClr val="accent1"/>
+    </dgm:fillClrLst>
+    <dgm:linClrLst meth="repeat">
+      <a:schemeClr val="lt1"/>
+    </dgm:linClrLst>
+    <dgm:effectClrLst/>
+    <dgm:txLinClrLst/>
+    <dgm:txFillClrLst/>
+    <dgm:txEffectClrLst/>
+  </dgm:styleLbl>
+  <dgm:styleLbl name="asst1">
+    <dgm:fillClrLst meth="repeat">
+      <a:schemeClr val="accent1"/>
+    </dgm:fillClrLst>
+    <dgm:linClrLst meth="repeat">
+      <a:schemeClr val="lt1"/>
+    </dgm:linClrLst>
+    <dgm:effectClrLst/>
+    <dgm:txLinClrLst/>
+    <dgm:txFillClrLst/>
+    <dgm:txEffectClrLst/>
+  </dgm:styleLbl>
+  <dgm:styleLbl name="asst2">
+    <dgm:fillClrLst meth="repeat">
+      <a:schemeClr val="accent1"/>
+    </dgm:fillClrLst>
+    <dgm:linClrLst meth="repeat">
+      <a:schemeClr val="lt1"/>
+    </dgm:linClrLst>
+    <dgm:effectClrLst/>
+    <dgm:txLinClrLst/>
+    <dgm:txFillClrLst/>
+    <dgm:txEffectClrLst/>
+  </dgm:styleLbl>
+  <dgm:styleLbl name="asst3">
+    <dgm:fillClrLst meth="repeat">
+      <a:schemeClr val="accent1"/>
+    </dgm:fillClrLst>
+    <dgm:linClrLst meth="repeat">
+      <a:schemeClr val="lt1"/>
+    </dgm:linClrLst>
+    <dgm:effectClrLst/>
+    <dgm:txLinClrLst/>
+    <dgm:txFillClrLst/>
+    <dgm:txEffectClrLst/>
+  </dgm:styleLbl>
+  <dgm:styleLbl name="asst4">
+    <dgm:fillClrLst meth="repeat">
+      <a:schemeClr val="accent1"/>
+    </dgm:fillClrLst>
+    <dgm:linClrLst meth="repeat">
+      <a:schemeClr val="lt1"/>
+    </dgm:linClrLst>
+    <dgm:effectClrLst/>
+    <dgm:txLinClrLst/>
+    <dgm:txFillClrLst/>
+    <dgm:txEffectClrLst/>
+  </dgm:styleLbl>
+  <dgm:styleLbl name="parChTrans2D1">
+    <dgm:fillClrLst meth="repeat">
+      <a:schemeClr val="accent1">
+        <a:tint val="60000"/>
+      </a:schemeClr>
+    </dgm:fillClrLst>
+    <dgm:linClrLst meth="repeat">
+      <a:schemeClr val="accent1">
+        <a:tint val="60000"/>
+      </a:schemeClr>
+    </dgm:linClrLst>
+    <dgm:effectClrLst/>
+    <dgm:txLinClrLst/>
+    <dgm:txFillClrLst meth="repeat">
+      <a:schemeClr val="lt1"/>
+    </dgm:txFillClrLst>
+    <dgm:txEffectClrLst/>
+  </dgm:styleLbl>
+  <dgm:styleLbl name="parChTrans2D2">
+    <dgm:fillClrLst meth="repeat">
+      <a:schemeClr val="accent1"/>
+    </dgm:fillClrLst>
+    <dgm:linClrLst meth="repeat">
+      <a:schemeClr val="accent1"/>
+    </dgm:linClrLst>
+    <dgm:effectClrLst/>
+    <dgm:txLinClrLst/>
+    <dgm:txFillClrLst meth="repeat">
+      <a:schemeClr val="lt1"/>
+    </dgm:txFillClrLst>
+    <dgm:txEffectClrLst/>
+  </dgm:styleLbl>
+  <dgm:styleLbl name="parChTrans2D3">
+    <dgm:fillClrLst meth="repeat">
+      <a:schemeClr val="accent1"/>
+    </dgm:fillClrLst>
+    <dgm:linClrLst meth="repeat">
+      <a:schemeClr val="accent1"/>
+    </dgm:linClrLst>
+    <dgm:effectClrLst/>
+    <dgm:txLinClrLst/>
+    <dgm:txFillClrLst meth="repeat">
+      <a:schemeClr val="lt1"/>
+    </dgm:txFillClrLst>
+    <dgm:txEffectClrLst/>
+  </dgm:styleLbl>
+  <dgm:styleLbl name="parChTrans2D4">
+    <dgm:fillClrLst meth="repeat">
+      <a:schemeClr val="accent1"/>
+    </dgm:fillClrLst>
+    <dgm:linClrLst meth="repeat">
+      <a:schemeClr val="accent1"/>
+    </dgm:linClrLst>
+    <dgm:effectClrLst/>
+    <dgm:txLinClrLst/>
+    <dgm:txFillClrLst meth="repeat">
+      <a:schemeClr val="lt1"/>
+    </dgm:txFillClrLst>
+    <dgm:txEffectClrLst/>
+  </dgm:styleLbl>
+  <dgm:styleLbl name="parChTrans1D1">
+    <dgm:fillClrLst meth="repeat">
+      <a:schemeClr val="accent1"/>
+    </dgm:fillClrLst>
+    <dgm:linClrLst meth="repeat">
+      <a:schemeClr val="accent1">
+        <a:shade val="60000"/>
+      </a:schemeClr>
+    </dgm:linClrLst>
+    <dgm:effectClrLst/>
+    <dgm:txLinClrLst/>
+    <dgm:txFillClrLst meth="repeat">
+      <a:schemeClr val="tx1"/>
+    </dgm:txFillClrLst>
+    <dgm:txEffectClrLst/>
+  </dgm:styleLbl>
+  <dgm:styleLbl name="parChTrans1D2">
+    <dgm:fillClrLst meth="repeat">
+      <a:schemeClr val="accent1"/>
+    </dgm:fillClrLst>
+    <dgm:linClrLst meth="repeat">
+      <a:schemeClr val="accent1">
+        <a:shade val="60000"/>
+      </a:schemeClr>
+    </dgm:linClrLst>
+    <dgm:effectClrLst/>
+    <dgm:txLinClrLst/>
+    <dgm:txFillClrLst meth="repeat">
+      <a:schemeClr val="tx1"/>
+    </dgm:txFillClrLst>
+    <dgm:txEffectClrLst/>
+  </dgm:styleLbl>
+  <dgm:styleLbl name="parChTrans1D3">
+    <dgm:fillClrLst meth="repeat">
+      <a:schemeClr val="accent1"/>
+    </dgm:fillClrLst>
+    <dgm:linClrLst meth="repeat">
+      <a:schemeClr val="accent1">
+        <a:shade val="80000"/>
+      </a:schemeClr>
+    </dgm:linClrLst>
+    <dgm:effectClrLst/>
+    <dgm:txLinClrLst/>
+    <dgm:txFillClrLst meth="repeat">
+      <a:schemeClr val="tx1"/>
+    </dgm:txFillClrLst>
+    <dgm:txEffectClrLst/>
+  </dgm:styleLbl>
+  <dgm:styleLbl name="parChTrans1D4">
+    <dgm:fillClrLst meth="repeat">
+      <a:schemeClr val="accent1"/>
+    </dgm:fillClrLst>
+    <dgm:linClrLst meth="repeat">
+      <a:schemeClr val="accent1">
+        <a:shade val="80000"/>
+      </a:schemeClr>
+    </dgm:linClrLst>
+    <dgm:effectClrLst/>
+    <dgm:txLinClrLst/>
+    <dgm:txFillClrLst meth="repeat">
+      <a:schemeClr val="tx1"/>
+    </dgm:txFillClrLst>
+    <dgm:txEffectClrLst/>
+  </dgm:styleLbl>
+  <dgm:styleLbl name="fgAcc1">
+    <dgm:fillClrLst meth="repeat">
+      <a:schemeClr val="lt1">
+        <a:alpha val="90000"/>
+      </a:schemeClr>
+    </dgm:fillClrLst>
+    <dgm:linClrLst meth="repeat">
+      <a:schemeClr val="accent1"/>
+    </dgm:linClrLst>
+    <dgm:effectClrLst/>
+    <dgm:txLinClrLst/>
+    <dgm:txFillClrLst meth="repeat">
+      <a:schemeClr val="dk1"/>
+    </dgm:txFillClrLst>
+    <dgm:txEffectClrLst/>
+  </dgm:styleLbl>
+  <dgm:styleLbl name="conFgAcc1">
+    <dgm:fillClrLst meth="repeat">
+      <a:schemeClr val="lt1">
+        <a:alpha val="90000"/>
+      </a:schemeClr>
+    </dgm:fillClrLst>
+    <dgm:linClrLst meth="repeat">
+      <a:schemeClr val="accent1"/>
+    </dgm:linClrLst>
+    <dgm:effectClrLst/>
+    <dgm:txLinClrLst/>
+    <dgm:txFillClrLst meth="repeat">
+      <a:schemeClr val="dk1"/>
+    </dgm:txFillClrLst>
+    <dgm:txEffectClrLst/>
+  </dgm:styleLbl>
+  <dgm:styleLbl name="alignAcc1">
+    <dgm:fillClrLst meth="repeat">
+      <a:schemeClr val="lt1">
+        <a:alpha val="90000"/>
+      </a:schemeClr>
+    </dgm:fillClrLst>
+    <dgm:linClrLst meth="repeat">
+      <a:schemeClr val="accent1"/>
+    </dgm:linClrLst>
+    <dgm:effectClrLst/>
+    <dgm:txLinClrLst/>
+    <dgm:txFillClrLst meth="repeat">
+      <a:schemeClr val="dk1"/>
+    </dgm:txFillClrLst>
+    <dgm:txEffectClrLst/>
+  </dgm:styleLbl>
+  <dgm:styleLbl name="trAlignAcc1">
+    <dgm:fillClrLst meth="repeat">
+      <a:schemeClr val="lt1">
+        <a:alpha val="40000"/>
+      </a:schemeClr>
+    </dgm:fillClrLst>
+    <dgm:linClrLst meth="repeat">
+      <a:schemeClr val="accent1"/>
+    </dgm:linClrLst>
+    <dgm:effectClrLst/>
+    <dgm:txLinClrLst/>
+    <dgm:txFillClrLst meth="repeat">
+      <a:schemeClr val="dk1"/>
+    </dgm:txFillClrLst>
+    <dgm:txEffectClrLst/>
+  </dgm:styleLbl>
+  <dgm:styleLbl name="bgAcc1">
+    <dgm:fillClrLst meth="repeat">
+      <a:schemeClr val="lt1">
+        <a:alpha val="90000"/>
+      </a:schemeClr>
+    </dgm:fillClrLst>
+    <dgm:linClrLst meth="repeat">
+      <a:schemeClr val="accent1"/>
+    </dgm:linClrLst>
+    <dgm:effectClrLst/>
+    <dgm:txLinClrLst/>
+    <dgm:txFillClrLst meth="repeat">
+      <a:schemeClr val="dk1"/>
+    </dgm:txFillClrLst>
+    <dgm:txEffectClrLst/>
+  </dgm:styleLbl>
+  <dgm:styleLbl name="solidFgAcc1">
+    <dgm:fillClrLst meth="repeat">
+      <a:schemeClr val="lt1"/>
+    </dgm:fillClrLst>
+    <dgm:linClrLst meth="repeat">
+      <a:schemeClr val="accent1"/>
+    </dgm:linClrLst>
+    <dgm:effectClrLst/>
+    <dgm:txLinClrLst/>
+    <dgm:txFillClrLst meth="repeat">
+      <a:schemeClr val="dk1"/>
+    </dgm:txFillClrLst>
+    <dgm:txEffectClrLst/>
+  </dgm:styleLbl>
+  <dgm:styleLbl name="solidAlignAcc1">
+    <dgm:fillClrLst meth="repeat">
+      <a:schemeClr val="lt1"/>
+    </dgm:fillClrLst>
+    <dgm:linClrLst meth="repeat">
+      <a:schemeClr val="accent1"/>
+    </dgm:linClrLst>
+    <dgm:effectClrLst/>
+    <dgm:txLinClrLst/>
+    <dgm:txFillClrLst meth="repeat">
+      <a:schemeClr val="dk1"/>
+    </dgm:txFillClrLst>
+    <dgm:txEffectClrLst/>
+  </dgm:styleLbl>
+  <dgm:styleLbl name="solidBgAcc1">
+    <dgm:fillClrLst meth="repeat">
+      <a:schemeClr val="lt1"/>
+    </dgm:fillClrLst>
+    <dgm:linClrLst meth="repeat">
+      <a:schemeClr val="accent1"/>
+    </dgm:linClrLst>
+    <dgm:effectClrLst/>
+    <dgm:txLinClrLst/>
+    <dgm:txFillClrLst meth="repeat">
+      <a:schemeClr val="dk1"/>
+    </dgm:txFillClrLst>
+    <dgm:txEffectClrLst/>
+  </dgm:styleLbl>
+  <dgm:styleLbl name="fgAccFollowNode1">
+    <dgm:fillClrLst meth="repeat">
+      <a:schemeClr val="accent1">
+        <a:alpha val="90000"/>
+        <a:tint val="40000"/>
+      </a:schemeClr>
+    </dgm:fillClrLst>
+    <dgm:linClrLst meth="repeat">
+      <a:schemeClr val="accent1">
+        <a:alpha val="90000"/>
+        <a:tint val="40000"/>
+      </a:schemeClr>
+    </dgm:linClrLst>
+    <dgm:effectClrLst/>
+    <dgm:txLinClrLst/>
+    <dgm:txFillClrLst meth="repeat">
+      <a:schemeClr val="dk1"/>
+    </dgm:txFillClrLst>
+    <dgm:txEffectClrLst/>
+  </dgm:styleLbl>
+  <dgm:styleLbl name="alignAccFollowNode1">
+    <dgm:fillClrLst meth="repeat">
+      <a:schemeClr val="accent1">
+        <a:alpha val="90000"/>
+        <a:tint val="40000"/>
+      </a:schemeClr>
+    </dgm:fillClrLst>
+    <dgm:linClrLst meth="repeat">
+      <a:schemeClr val="accent1">
+        <a:alpha val="90000"/>
+        <a:tint val="40000"/>
+      </a:schemeClr>
+    </dgm:linClrLst>
+    <dgm:effectClrLst/>
+    <dgm:txLinClrLst/>
+    <dgm:txFillClrLst meth="repeat">
+      <a:schemeClr val="dk1"/>
+    </dgm:txFillClrLst>
+    <dgm:txEffectClrLst/>
+  </dgm:styleLbl>
+  <dgm:styleLbl name="bgAccFollowNode1">
+    <dgm:fillClrLst meth="repeat">
+      <a:schemeClr val="accent1">
+        <a:alpha val="90000"/>
+        <a:tint val="40000"/>
+      </a:schemeClr>
+    </dgm:fillClrLst>
+    <dgm:linClrLst meth="repeat">
+      <a:schemeClr val="accent1">
+        <a:alpha val="90000"/>
+        <a:tint val="40000"/>
+      </a:schemeClr>
+    </dgm:linClrLst>
+    <dgm:effectClrLst/>
+    <dgm:txLinClrLst/>
+    <dgm:txFillClrLst meth="repeat">
+      <a:schemeClr val="dk1"/>
+    </dgm:txFillClrLst>
+    <dgm:txEffectClrLst/>
+  </dgm:styleLbl>
+  <dgm:styleLbl name="fgAcc0">
+    <dgm:fillClrLst meth="repeat">
+      <a:schemeClr val="lt1">
+        <a:alpha val="90000"/>
+      </a:schemeClr>
+    </dgm:fillClrLst>
+    <dgm:linClrLst meth="repeat">
+      <a:schemeClr val="accent1"/>
+    </dgm:linClrLst>
+    <dgm:effectClrLst/>
+    <dgm:txLinClrLst/>
+    <dgm:txFillClrLst meth="repeat">
+      <a:schemeClr val="dk1"/>
+    </dgm:txFillClrLst>
+    <dgm:txEffectClrLst/>
+  </dgm:styleLbl>
+  <dgm:styleLbl name="fgAcc2">
+    <dgm:fillClrLst meth="repeat">
+      <a:schemeClr val="lt1">
+        <a:alpha val="90000"/>
+      </a:schemeClr>
+    </dgm:fillClrLst>
+    <dgm:linClrLst meth="repeat">
+      <a:schemeClr val="accent1"/>
+    </dgm:linClrLst>
+    <dgm:effectClrLst/>
+    <dgm:txLinClrLst/>
+    <dgm:txFillClrLst meth="repeat">
+      <a:schemeClr val="dk1"/>
+    </dgm:txFillClrLst>
+    <dgm:txEffectClrLst/>
+  </dgm:styleLbl>
+  <dgm:styleLbl name="fgAcc3">
+    <dgm:fillClrLst meth="repeat">
+      <a:schemeClr val="lt1">
+        <a:alpha val="90000"/>
+      </a:schemeClr>
+    </dgm:fillClrLst>
+    <dgm:linClrLst meth="repeat">
+      <a:schemeClr val="accent1"/>
+    </dgm:linClrLst>
+    <dgm:effectClrLst/>
+    <dgm:txLinClrLst/>
+    <dgm:txFillClrLst meth="repeat">
+      <a:schemeClr val="dk1"/>
+    </dgm:txFillClrLst>
+    <dgm:txEffectClrLst/>
+  </dgm:styleLbl>
+  <dgm:styleLbl name="fgAcc4">
+    <dgm:fillClrLst meth="repeat">
+      <a:schemeClr val="lt1">
+        <a:alpha val="90000"/>
+      </a:schemeClr>
+    </dgm:fillClrLst>
+    <dgm:linClrLst meth="repeat">
+      <a:schemeClr val="accent1"/>
+    </dgm:linClrLst>
+    <dgm:effectClrLst/>
+    <dgm:txLinClrLst/>
+    <dgm:txFillClrLst meth="repeat">
+      <a:schemeClr val="dk1"/>
+    </dgm:txFillClrLst>
+    <dgm:txEffectClrLst/>
+  </dgm:styleLbl>
+  <dgm:styleLbl name="bgShp">
+    <dgm:fillClrLst meth="repeat">
+      <a:schemeClr val="accent1">
+        <a:tint val="40000"/>
+      </a:schemeClr>
+    </dgm:fillClrLst>
+    <dgm:linClrLst meth="repeat">
+      <a:schemeClr val="accent1"/>
+    </dgm:linClrLst>
+    <dgm:effectClrLst/>
+    <dgm:txLinClrLst/>
+    <dgm:txFillClrLst meth="repeat">
+      <a:schemeClr val="dk1"/>
+    </dgm:txFillClrLst>
+    <dgm:txEffectClrLst/>
+  </dgm:styleLbl>
+  <dgm:styleLbl name="dkBgShp">
+    <dgm:fillClrLst meth="repeat">
+      <a:schemeClr val="accent1">
+        <a:shade val="80000"/>
+      </a:schemeClr>
+    </dgm:fillClrLst>
+    <dgm:linClrLst meth="repeat">
+      <a:schemeClr val="accent1"/>
+    </dgm:linClrLst>
+    <dgm:effectClrLst/>
+    <dgm:txLinClrLst/>
+    <dgm:txFillClrLst meth="repeat">
+      <a:schemeClr val="lt1"/>
+    </dgm:txFillClrLst>
+    <dgm:txEffectClrLst/>
+  </dgm:styleLbl>
+  <dgm:styleLbl name="trBgShp">
+    <dgm:fillClrLst meth="repeat">
+      <a:schemeClr val="accent1">
+        <a:tint val="50000"/>
+        <a:alpha val="40000"/>
+      </a:schemeClr>
+    </dgm:fillClrLst>
+    <dgm:linClrLst meth="repeat">
+      <a:schemeClr val="accent1"/>
+    </dgm:linClrLst>
+    <dgm:effectClrLst/>
+    <dgm:txLinClrLst/>
+    <dgm:txFillClrLst meth="repeat">
+      <a:schemeClr val="lt1"/>
+    </dgm:txFillClrLst>
+    <dgm:txEffectClrLst/>
+  </dgm:styleLbl>
+  <dgm:styleLbl name="fgShp">
+    <dgm:fillClrLst meth="repeat">
+      <a:schemeClr val="accent1">
+        <a:tint val="60000"/>
+      </a:schemeClr>
+    </dgm:fillClrLst>
+    <dgm:linClrLst meth="repeat">
+      <a:schemeClr val="lt1"/>
+    </dgm:linClrLst>
+    <dgm:effectClrLst/>
+    <dgm:txLinClrLst/>
+    <dgm:txFillClrLst meth="repeat">
+      <a:schemeClr val="dk1"/>
+    </dgm:txFillClrLst>
+    <dgm:txEffectClrLst/>
+  </dgm:styleLbl>
+  <dgm:styleLbl name="revTx">
+    <dgm:fillClrLst meth="repeat">
+      <a:schemeClr val="lt1">
+        <a:alpha val="0"/>
+      </a:schemeClr>
+    </dgm:fillClrLst>
+    <dgm:linClrLst meth="repeat">
+      <a:schemeClr val="dk1">
+        <a:alpha val="0"/>
+      </a:schemeClr>
+    </dgm:linClrLst>
+    <dgm:effectClrLst/>
+    <dgm:txLinClrLst/>
+    <dgm:txFillClrLst meth="repeat">
+      <a:schemeClr val="tx1"/>
+    </dgm:txFillClrLst>
+    <dgm:txEffectClrLst/>
+  </dgm:styleLbl>
+</dgm:colorsDef>
+</file>
+
+<file path=ppt/diagrams/data1.xml><?xml version="1.0" encoding="utf-8"?>
+<dgm:dataModel xmlns:dgm="http://schemas.openxmlformats.org/drawingml/2006/diagram" xmlns:a="http://schemas.openxmlformats.org/drawingml/2006/main">
+  <dgm:ptLst>
+    <dgm:pt modelId="{29B36A57-D7BA-40AA-9BB7-0CD434A96A93}" type="doc">
+      <dgm:prSet loTypeId="urn:microsoft.com/office/officeart/2005/8/layout/cycle3" loCatId="cycle" qsTypeId="urn:microsoft.com/office/officeart/2005/8/quickstyle/3d7" qsCatId="3D" csTypeId="urn:microsoft.com/office/officeart/2005/8/colors/accent1_2" csCatId="accent1" phldr="1"/>
+      <dgm:spPr/>
+      <dgm:t>
+        <a:bodyPr/>
+        <a:lstStyle/>
+        <a:p>
+          <a:endParaRPr lang="en-US"/>
+        </a:p>
+      </dgm:t>
+    </dgm:pt>
+    <dgm:pt modelId="{619BA77D-98D6-420C-B73C-0EC76A38B719}">
+      <dgm:prSet phldrT="[Text]" custT="1"/>
+      <dgm:spPr/>
+      <dgm:t>
+        <a:bodyPr/>
+        <a:lstStyle/>
+        <a:p>
+          <a:r>
+            <a:rPr lang="en-US" sz="1000" dirty="0"/>
+            <a:t>Identify stakeholders and concerns</a:t>
+          </a:r>
+        </a:p>
+      </dgm:t>
+    </dgm:pt>
+    <dgm:pt modelId="{908C2793-D7DC-4E7F-B0FC-DBA8690709B7}" type="parTrans" cxnId="{A07770F8-7226-48C5-ABC9-FC0F452535F4}">
+      <dgm:prSet/>
+      <dgm:spPr/>
+      <dgm:t>
+        <a:bodyPr/>
+        <a:lstStyle/>
+        <a:p>
+          <a:endParaRPr lang="en-US" sz="3600"/>
+        </a:p>
+      </dgm:t>
+    </dgm:pt>
+    <dgm:pt modelId="{FF243EBD-308E-4E82-AE8B-C1C8C55DA3EC}" type="sibTrans" cxnId="{A07770F8-7226-48C5-ABC9-FC0F452535F4}">
+      <dgm:prSet/>
+      <dgm:spPr/>
+      <dgm:t>
+        <a:bodyPr/>
+        <a:lstStyle/>
+        <a:p>
+          <a:endParaRPr lang="en-US" sz="3600"/>
+        </a:p>
+      </dgm:t>
+    </dgm:pt>
+    <dgm:pt modelId="{744BD274-6A67-4FA9-A05A-5AF8C0C6D6C4}">
+      <dgm:prSet phldrT="[Text]" custT="1"/>
+      <dgm:spPr/>
+      <dgm:t>
+        <a:bodyPr/>
+        <a:lstStyle/>
+        <a:p>
+          <a:r>
+            <a:rPr lang="en-US" sz="1000" dirty="0"/>
+            <a:t>Prioritize delivery</a:t>
+          </a:r>
+        </a:p>
+      </dgm:t>
+    </dgm:pt>
+    <dgm:pt modelId="{28C4779F-F66F-4D05-A2C6-E09C6A36CFBB}" type="parTrans" cxnId="{A2EC5C31-7510-401A-85A1-75AEB73BCCB8}">
+      <dgm:prSet/>
+      <dgm:spPr/>
+      <dgm:t>
+        <a:bodyPr/>
+        <a:lstStyle/>
+        <a:p>
+          <a:endParaRPr lang="en-US" sz="3600"/>
+        </a:p>
+      </dgm:t>
+    </dgm:pt>
+    <dgm:pt modelId="{B019D68B-C4A3-4615-9BE4-418CFBE59D9F}" type="sibTrans" cxnId="{A2EC5C31-7510-401A-85A1-75AEB73BCCB8}">
+      <dgm:prSet/>
+      <dgm:spPr/>
+      <dgm:t>
+        <a:bodyPr/>
+        <a:lstStyle/>
+        <a:p>
+          <a:endParaRPr lang="en-US" sz="3600"/>
+        </a:p>
+      </dgm:t>
+    </dgm:pt>
+    <dgm:pt modelId="{2E44EDC4-32F3-42A8-8341-EA8142ED3F29}">
+      <dgm:prSet phldrT="[Text]" custT="1"/>
+      <dgm:spPr/>
+      <dgm:t>
+        <a:bodyPr/>
+        <a:lstStyle/>
+        <a:p>
+          <a:r>
+            <a:rPr lang="en-US" sz="1000" dirty="0"/>
+            <a:t>Identify/define the views that will support delivery</a:t>
+          </a:r>
+        </a:p>
+      </dgm:t>
+    </dgm:pt>
+    <dgm:pt modelId="{B1110801-F8E5-4C3B-B850-F2FACB79B956}" type="parTrans" cxnId="{97D6FA8D-F6DC-42C4-926B-2CF01B49D762}">
+      <dgm:prSet/>
+      <dgm:spPr/>
+      <dgm:t>
+        <a:bodyPr/>
+        <a:lstStyle/>
+        <a:p>
+          <a:endParaRPr lang="en-US" sz="3600"/>
+        </a:p>
+      </dgm:t>
+    </dgm:pt>
+    <dgm:pt modelId="{1F3AF1C2-DB17-44D2-8BA3-6B6E52814375}" type="sibTrans" cxnId="{97D6FA8D-F6DC-42C4-926B-2CF01B49D762}">
+      <dgm:prSet/>
+      <dgm:spPr/>
+      <dgm:t>
+        <a:bodyPr/>
+        <a:lstStyle/>
+        <a:p>
+          <a:endParaRPr lang="en-US" sz="3600"/>
+        </a:p>
+      </dgm:t>
+    </dgm:pt>
+    <dgm:pt modelId="{84569A08-56A9-438E-B912-1E9540D37289}">
+      <dgm:prSet phldrT="[Text]" custT="1"/>
+      <dgm:spPr/>
+      <dgm:t>
+        <a:bodyPr/>
+        <a:lstStyle/>
+        <a:p>
+          <a:r>
+            <a:rPr lang="en-US" sz="1000" dirty="0"/>
+            <a:t>(Optional) Identify any meta-model extensions required and the impact on views</a:t>
+          </a:r>
+        </a:p>
+      </dgm:t>
+    </dgm:pt>
+    <dgm:pt modelId="{EF7784FC-DBE5-40CB-AD18-C087523C9B6B}" type="parTrans" cxnId="{7AB4C621-D147-4AC3-ACA7-CED8613FC206}">
+      <dgm:prSet/>
+      <dgm:spPr/>
+      <dgm:t>
+        <a:bodyPr/>
+        <a:lstStyle/>
+        <a:p>
+          <a:endParaRPr lang="en-US" sz="3600"/>
+        </a:p>
+      </dgm:t>
+    </dgm:pt>
+    <dgm:pt modelId="{D8588F63-CB7B-47D4-BDA2-5003C54E5789}" type="sibTrans" cxnId="{7AB4C621-D147-4AC3-ACA7-CED8613FC206}">
+      <dgm:prSet/>
+      <dgm:spPr/>
+      <dgm:t>
+        <a:bodyPr/>
+        <a:lstStyle/>
+        <a:p>
+          <a:endParaRPr lang="en-US" sz="3600"/>
+        </a:p>
+      </dgm:t>
+    </dgm:pt>
+    <dgm:pt modelId="{2AA8E900-58D1-497E-9506-31989CE7545C}">
+      <dgm:prSet phldrT="[Text]" custT="1"/>
+      <dgm:spPr/>
+      <dgm:t>
+        <a:bodyPr/>
+        <a:lstStyle/>
+        <a:p>
+          <a:r>
+            <a:rPr lang="en-US" sz="1000" dirty="0"/>
+            <a:t>Identify the data required, data sources and population method</a:t>
+          </a:r>
+        </a:p>
+      </dgm:t>
+    </dgm:pt>
+    <dgm:pt modelId="{250B1F20-0A20-4EE8-8090-56237877B6B6}" type="parTrans" cxnId="{8A4C01D0-9258-410C-8562-006DFCD224EA}">
+      <dgm:prSet/>
+      <dgm:spPr/>
+      <dgm:t>
+        <a:bodyPr/>
+        <a:lstStyle/>
+        <a:p>
+          <a:endParaRPr lang="en-US" sz="3600"/>
+        </a:p>
+      </dgm:t>
+    </dgm:pt>
+    <dgm:pt modelId="{8FF4434A-6011-4593-9407-437183885720}" type="sibTrans" cxnId="{8A4C01D0-9258-410C-8562-006DFCD224EA}">
+      <dgm:prSet/>
+      <dgm:spPr/>
+      <dgm:t>
+        <a:bodyPr/>
+        <a:lstStyle/>
+        <a:p>
+          <a:endParaRPr lang="en-US" sz="3600"/>
+        </a:p>
+      </dgm:t>
+    </dgm:pt>
+    <dgm:pt modelId="{CC74DF1B-92C1-4DDE-8FBC-586185DDF6AB}">
+      <dgm:prSet phldrT="[Text]" custT="1"/>
+      <dgm:spPr/>
+      <dgm:t>
+        <a:bodyPr/>
+        <a:lstStyle/>
+        <a:p>
+          <a:r>
+            <a:rPr lang="en-US" sz="1000" dirty="0"/>
+            <a:t>Plan Training / Consultancy</a:t>
+          </a:r>
+        </a:p>
+      </dgm:t>
+    </dgm:pt>
+    <dgm:pt modelId="{2B9CDB42-680F-4D75-BEC7-E6BA64D54160}" type="parTrans" cxnId="{CF39CD4D-2E26-4A16-AE96-C71A4DBBB4CF}">
+      <dgm:prSet/>
+      <dgm:spPr/>
+      <dgm:t>
+        <a:bodyPr/>
+        <a:lstStyle/>
+        <a:p>
+          <a:endParaRPr lang="en-US" sz="3600"/>
+        </a:p>
+      </dgm:t>
+    </dgm:pt>
+    <dgm:pt modelId="{2FE8E169-87A1-49F4-BBBE-0CDCBA500F8D}" type="sibTrans" cxnId="{CF39CD4D-2E26-4A16-AE96-C71A4DBBB4CF}">
+      <dgm:prSet/>
+      <dgm:spPr/>
+      <dgm:t>
+        <a:bodyPr/>
+        <a:lstStyle/>
+        <a:p>
+          <a:endParaRPr lang="en-US" sz="3600"/>
+        </a:p>
+      </dgm:t>
+    </dgm:pt>
+    <dgm:pt modelId="{02674AED-4A3D-4385-A581-4EA7546B296F}">
+      <dgm:prSet phldrT="[Text]" custT="1"/>
+      <dgm:spPr/>
+      <dgm:t>
+        <a:bodyPr/>
+        <a:lstStyle/>
+        <a:p>
+          <a:r>
+            <a:rPr lang="en-US" sz="1000" dirty="0"/>
+            <a:t>(Optional) Extend launchpad and build integrations and views as required</a:t>
+          </a:r>
+        </a:p>
+      </dgm:t>
+    </dgm:pt>
+    <dgm:pt modelId="{8F0EFDB5-C7FB-4A20-812A-95482FAEB9F8}" type="parTrans" cxnId="{07A31138-0ADE-418F-B239-28C810245479}">
+      <dgm:prSet/>
+      <dgm:spPr/>
+      <dgm:t>
+        <a:bodyPr/>
+        <a:lstStyle/>
+        <a:p>
+          <a:endParaRPr lang="en-US" sz="3600"/>
+        </a:p>
+      </dgm:t>
+    </dgm:pt>
+    <dgm:pt modelId="{27DA5CA3-2BF7-41F1-BB55-81F6585E0107}" type="sibTrans" cxnId="{07A31138-0ADE-418F-B239-28C810245479}">
+      <dgm:prSet/>
+      <dgm:spPr/>
+      <dgm:t>
+        <a:bodyPr/>
+        <a:lstStyle/>
+        <a:p>
+          <a:endParaRPr lang="en-US" sz="3600"/>
+        </a:p>
+      </dgm:t>
+    </dgm:pt>
+    <dgm:pt modelId="{9024B4C5-DD62-4923-8022-4A2E1E2E4F5A}">
+      <dgm:prSet phldrT="[Text]" custT="1"/>
+      <dgm:spPr/>
+      <dgm:t>
+        <a:bodyPr/>
+        <a:lstStyle/>
+        <a:p>
+          <a:r>
+            <a:rPr lang="en-US" sz="1000" dirty="0"/>
+            <a:t>Complete Portal and Repository set-up</a:t>
+          </a:r>
+        </a:p>
+      </dgm:t>
+    </dgm:pt>
+    <dgm:pt modelId="{C6B100F0-7B45-45A8-98CE-9EBE6F4F0B7F}" type="parTrans" cxnId="{B01DB45B-4D2F-49EB-AEDD-48B3D1392237}">
+      <dgm:prSet/>
+      <dgm:spPr/>
+      <dgm:t>
+        <a:bodyPr/>
+        <a:lstStyle/>
+        <a:p>
+          <a:endParaRPr lang="en-US" sz="3600"/>
+        </a:p>
+      </dgm:t>
+    </dgm:pt>
+    <dgm:pt modelId="{AB7D7886-6AFC-4F4C-96C2-AD86B195FEC2}" type="sibTrans" cxnId="{B01DB45B-4D2F-49EB-AEDD-48B3D1392237}">
+      <dgm:prSet/>
+      <dgm:spPr/>
+      <dgm:t>
+        <a:bodyPr/>
+        <a:lstStyle/>
+        <a:p>
+          <a:endParaRPr lang="en-US" sz="3600"/>
+        </a:p>
+      </dgm:t>
+    </dgm:pt>
+    <dgm:pt modelId="{5A572E0D-0AE1-4AD6-A9F5-03E140DF982D}">
+      <dgm:prSet phldrT="[Text]" custT="1"/>
+      <dgm:spPr/>
+      <dgm:t>
+        <a:bodyPr/>
+        <a:lstStyle/>
+        <a:p>
+          <a:r>
+            <a:rPr lang="en-US" sz="1000" dirty="0"/>
+            <a:t>Capture Data</a:t>
+          </a:r>
+        </a:p>
+      </dgm:t>
+    </dgm:pt>
+    <dgm:pt modelId="{4E66B100-CE96-4BFE-B59A-D8EADC90C40F}" type="parTrans" cxnId="{57DF3557-F18B-4710-A4A7-D89BEB1F9367}">
+      <dgm:prSet/>
+      <dgm:spPr/>
+      <dgm:t>
+        <a:bodyPr/>
+        <a:lstStyle/>
+        <a:p>
+          <a:endParaRPr lang="en-US" sz="3600"/>
+        </a:p>
+      </dgm:t>
+    </dgm:pt>
+    <dgm:pt modelId="{E02A0705-1F43-403D-ACA7-91B2FBFF318E}" type="sibTrans" cxnId="{57DF3557-F18B-4710-A4A7-D89BEB1F9367}">
+      <dgm:prSet/>
+      <dgm:spPr/>
+      <dgm:t>
+        <a:bodyPr/>
+        <a:lstStyle/>
+        <a:p>
+          <a:endParaRPr lang="en-US" sz="3600"/>
+        </a:p>
+      </dgm:t>
+    </dgm:pt>
+    <dgm:pt modelId="{58F8CA0E-1477-4E07-B0DC-F91D6864C7A9}">
+      <dgm:prSet phldrT="[Text]" custT="1"/>
+      <dgm:spPr/>
+      <dgm:t>
+        <a:bodyPr/>
+        <a:lstStyle/>
+        <a:p>
+          <a:r>
+            <a:rPr lang="en-US" sz="1000" dirty="0"/>
+            <a:t>Embed EA data management process to ensure data is maintained</a:t>
+          </a:r>
+        </a:p>
+      </dgm:t>
+    </dgm:pt>
+    <dgm:pt modelId="{D7062B61-152C-4152-9675-2D8097B3379E}" type="parTrans" cxnId="{1AAC61AA-4BC2-4253-84E6-BB75815354F7}">
+      <dgm:prSet/>
+      <dgm:spPr/>
+      <dgm:t>
+        <a:bodyPr/>
+        <a:lstStyle/>
+        <a:p>
+          <a:endParaRPr lang="en-US" sz="3600"/>
+        </a:p>
+      </dgm:t>
+    </dgm:pt>
+    <dgm:pt modelId="{5722D85C-AF4D-45EF-AB28-250DFCCED6A9}" type="sibTrans" cxnId="{1AAC61AA-4BC2-4253-84E6-BB75815354F7}">
+      <dgm:prSet/>
+      <dgm:spPr/>
+      <dgm:t>
+        <a:bodyPr/>
+        <a:lstStyle/>
+        <a:p>
+          <a:endParaRPr lang="en-US" sz="3600"/>
+        </a:p>
+      </dgm:t>
+    </dgm:pt>
+    <dgm:pt modelId="{8F559436-0B47-4ED9-A7AC-4C8CB77EDF0A}">
+      <dgm:prSet phldrT="[Text]" custT="1"/>
+      <dgm:spPr/>
+      <dgm:t>
+        <a:bodyPr/>
+        <a:lstStyle/>
+        <a:p>
+          <a:r>
+            <a:rPr lang="en-US" sz="1000" dirty="0"/>
+            <a:t>Measure value</a:t>
+          </a:r>
+        </a:p>
+      </dgm:t>
+    </dgm:pt>
+    <dgm:pt modelId="{FB6433E1-C4E2-40AA-80F2-B458838A3D08}" type="parTrans" cxnId="{47C23884-5FAA-4308-837D-C47CF21F4CBE}">
+      <dgm:prSet/>
+      <dgm:spPr/>
+      <dgm:t>
+        <a:bodyPr/>
+        <a:lstStyle/>
+        <a:p>
+          <a:endParaRPr lang="en-US" sz="3600"/>
+        </a:p>
+      </dgm:t>
+    </dgm:pt>
+    <dgm:pt modelId="{CC18802F-ECFA-4908-BFC7-70359BEFE83F}" type="sibTrans" cxnId="{47C23884-5FAA-4308-837D-C47CF21F4CBE}">
+      <dgm:prSet/>
+      <dgm:spPr/>
+      <dgm:t>
+        <a:bodyPr/>
+        <a:lstStyle/>
+        <a:p>
+          <a:endParaRPr lang="en-US" sz="3600"/>
+        </a:p>
+      </dgm:t>
+    </dgm:pt>
+    <dgm:pt modelId="{A07D3BC5-1522-49D1-BD7D-EEF0E5A64C14}" type="pres">
+      <dgm:prSet presAssocID="{29B36A57-D7BA-40AA-9BB7-0CD434A96A93}" presName="Name0" presStyleCnt="0">
+        <dgm:presLayoutVars>
+          <dgm:dir/>
+          <dgm:resizeHandles val="exact"/>
+        </dgm:presLayoutVars>
+      </dgm:prSet>
+      <dgm:spPr/>
+    </dgm:pt>
+    <dgm:pt modelId="{2AB66670-3995-439A-9563-8E5DEA7B745C}" type="pres">
+      <dgm:prSet presAssocID="{29B36A57-D7BA-40AA-9BB7-0CD434A96A93}" presName="cycle" presStyleCnt="0"/>
+      <dgm:spPr/>
+    </dgm:pt>
+    <dgm:pt modelId="{CACCD25A-E674-46A0-B4AB-F78A81ADEBE9}" type="pres">
+      <dgm:prSet presAssocID="{619BA77D-98D6-420C-B73C-0EC76A38B719}" presName="nodeFirstNode" presStyleLbl="node1" presStyleIdx="0" presStyleCnt="11">
+        <dgm:presLayoutVars>
+          <dgm:bulletEnabled val="1"/>
+        </dgm:presLayoutVars>
+      </dgm:prSet>
+      <dgm:spPr/>
+    </dgm:pt>
+    <dgm:pt modelId="{67771D30-8AF2-4198-B3A7-D531D84FB6A1}" type="pres">
+      <dgm:prSet presAssocID="{FF243EBD-308E-4E82-AE8B-C1C8C55DA3EC}" presName="sibTransFirstNode" presStyleLbl="bgShp" presStyleIdx="0" presStyleCnt="1"/>
+      <dgm:spPr/>
+    </dgm:pt>
+    <dgm:pt modelId="{5E7B9A59-B3E4-4AB1-A313-536B192BD3CD}" type="pres">
+      <dgm:prSet presAssocID="{744BD274-6A67-4FA9-A05A-5AF8C0C6D6C4}" presName="nodeFollowingNodes" presStyleLbl="node1" presStyleIdx="1" presStyleCnt="11">
+        <dgm:presLayoutVars>
+          <dgm:bulletEnabled val="1"/>
+        </dgm:presLayoutVars>
+      </dgm:prSet>
+      <dgm:spPr/>
+    </dgm:pt>
+    <dgm:pt modelId="{ED388618-C2E2-434B-B7E9-29818E267126}" type="pres">
+      <dgm:prSet presAssocID="{2E44EDC4-32F3-42A8-8341-EA8142ED3F29}" presName="nodeFollowingNodes" presStyleLbl="node1" presStyleIdx="2" presStyleCnt="11">
+        <dgm:presLayoutVars>
+          <dgm:bulletEnabled val="1"/>
+        </dgm:presLayoutVars>
+      </dgm:prSet>
+      <dgm:spPr/>
+    </dgm:pt>
+    <dgm:pt modelId="{6B4C8015-FEE9-4B5A-B5E2-EBD6982CE88C}" type="pres">
+      <dgm:prSet presAssocID="{84569A08-56A9-438E-B912-1E9540D37289}" presName="nodeFollowingNodes" presStyleLbl="node1" presStyleIdx="3" presStyleCnt="11">
+        <dgm:presLayoutVars>
+          <dgm:bulletEnabled val="1"/>
+        </dgm:presLayoutVars>
+      </dgm:prSet>
+      <dgm:spPr/>
+    </dgm:pt>
+    <dgm:pt modelId="{D15835AC-3E42-4428-A634-854F0923A987}" type="pres">
+      <dgm:prSet presAssocID="{2AA8E900-58D1-497E-9506-31989CE7545C}" presName="nodeFollowingNodes" presStyleLbl="node1" presStyleIdx="4" presStyleCnt="11">
+        <dgm:presLayoutVars>
+          <dgm:bulletEnabled val="1"/>
+        </dgm:presLayoutVars>
+      </dgm:prSet>
+      <dgm:spPr/>
+    </dgm:pt>
+    <dgm:pt modelId="{B35738D7-5A9B-4D9E-8BE5-3DC0668324DD}" type="pres">
+      <dgm:prSet presAssocID="{CC74DF1B-92C1-4DDE-8FBC-586185DDF6AB}" presName="nodeFollowingNodes" presStyleLbl="node1" presStyleIdx="5" presStyleCnt="11">
+        <dgm:presLayoutVars>
+          <dgm:bulletEnabled val="1"/>
+        </dgm:presLayoutVars>
+      </dgm:prSet>
+      <dgm:spPr/>
+    </dgm:pt>
+    <dgm:pt modelId="{F33C6FAF-4DE0-4E6E-BEB9-7630EE76E62F}" type="pres">
+      <dgm:prSet presAssocID="{02674AED-4A3D-4385-A581-4EA7546B296F}" presName="nodeFollowingNodes" presStyleLbl="node1" presStyleIdx="6" presStyleCnt="11">
+        <dgm:presLayoutVars>
+          <dgm:bulletEnabled val="1"/>
+        </dgm:presLayoutVars>
+      </dgm:prSet>
+      <dgm:spPr/>
+    </dgm:pt>
+    <dgm:pt modelId="{49EE4A7D-CCB2-42D2-A98C-5BF497610880}" type="pres">
+      <dgm:prSet presAssocID="{9024B4C5-DD62-4923-8022-4A2E1E2E4F5A}" presName="nodeFollowingNodes" presStyleLbl="node1" presStyleIdx="7" presStyleCnt="11">
+        <dgm:presLayoutVars>
+          <dgm:bulletEnabled val="1"/>
+        </dgm:presLayoutVars>
+      </dgm:prSet>
+      <dgm:spPr/>
+    </dgm:pt>
+    <dgm:pt modelId="{DCF67E6F-CF1B-4F84-85D1-09AB44F808F2}" type="pres">
+      <dgm:prSet presAssocID="{5A572E0D-0AE1-4AD6-A9F5-03E140DF982D}" presName="nodeFollowingNodes" presStyleLbl="node1" presStyleIdx="8" presStyleCnt="11">
+        <dgm:presLayoutVars>
+          <dgm:bulletEnabled val="1"/>
+        </dgm:presLayoutVars>
+      </dgm:prSet>
+      <dgm:spPr/>
+    </dgm:pt>
+    <dgm:pt modelId="{8D171C0A-C2C0-421B-BD77-F79243E72206}" type="pres">
+      <dgm:prSet presAssocID="{58F8CA0E-1477-4E07-B0DC-F91D6864C7A9}" presName="nodeFollowingNodes" presStyleLbl="node1" presStyleIdx="9" presStyleCnt="11">
+        <dgm:presLayoutVars>
+          <dgm:bulletEnabled val="1"/>
+        </dgm:presLayoutVars>
+      </dgm:prSet>
+      <dgm:spPr/>
+    </dgm:pt>
+    <dgm:pt modelId="{762CDA6D-602D-432A-B00C-96E0F4487BAB}" type="pres">
+      <dgm:prSet presAssocID="{8F559436-0B47-4ED9-A7AC-4C8CB77EDF0A}" presName="nodeFollowingNodes" presStyleLbl="node1" presStyleIdx="10" presStyleCnt="11">
+        <dgm:presLayoutVars>
+          <dgm:bulletEnabled val="1"/>
+        </dgm:presLayoutVars>
+      </dgm:prSet>
+      <dgm:spPr/>
+    </dgm:pt>
+  </dgm:ptLst>
+  <dgm:cxnLst>
+    <dgm:cxn modelId="{F8FD9D03-874C-487C-94BC-8337FABB1F48}" type="presOf" srcId="{8F559436-0B47-4ED9-A7AC-4C8CB77EDF0A}" destId="{762CDA6D-602D-432A-B00C-96E0F4487BAB}" srcOrd="0" destOrd="0" presId="urn:microsoft.com/office/officeart/2005/8/layout/cycle3"/>
+    <dgm:cxn modelId="{BB610A13-3D99-48BC-BBE0-9169FE1FF898}" type="presOf" srcId="{FF243EBD-308E-4E82-AE8B-C1C8C55DA3EC}" destId="{67771D30-8AF2-4198-B3A7-D531D84FB6A1}" srcOrd="0" destOrd="0" presId="urn:microsoft.com/office/officeart/2005/8/layout/cycle3"/>
+    <dgm:cxn modelId="{7AB4C621-D147-4AC3-ACA7-CED8613FC206}" srcId="{29B36A57-D7BA-40AA-9BB7-0CD434A96A93}" destId="{84569A08-56A9-438E-B912-1E9540D37289}" srcOrd="3" destOrd="0" parTransId="{EF7784FC-DBE5-40CB-AD18-C087523C9B6B}" sibTransId="{D8588F63-CB7B-47D4-BDA2-5003C54E5789}"/>
+    <dgm:cxn modelId="{A2EC5C31-7510-401A-85A1-75AEB73BCCB8}" srcId="{29B36A57-D7BA-40AA-9BB7-0CD434A96A93}" destId="{744BD274-6A67-4FA9-A05A-5AF8C0C6D6C4}" srcOrd="1" destOrd="0" parTransId="{28C4779F-F66F-4D05-A2C6-E09C6A36CFBB}" sibTransId="{B019D68B-C4A3-4615-9BE4-418CFBE59D9F}"/>
+    <dgm:cxn modelId="{07A31138-0ADE-418F-B239-28C810245479}" srcId="{29B36A57-D7BA-40AA-9BB7-0CD434A96A93}" destId="{02674AED-4A3D-4385-A581-4EA7546B296F}" srcOrd="6" destOrd="0" parTransId="{8F0EFDB5-C7FB-4A20-812A-95482FAEB9F8}" sibTransId="{27DA5CA3-2BF7-41F1-BB55-81F6585E0107}"/>
+    <dgm:cxn modelId="{B01DB45B-4D2F-49EB-AEDD-48B3D1392237}" srcId="{29B36A57-D7BA-40AA-9BB7-0CD434A96A93}" destId="{9024B4C5-DD62-4923-8022-4A2E1E2E4F5A}" srcOrd="7" destOrd="0" parTransId="{C6B100F0-7B45-45A8-98CE-9EBE6F4F0B7F}" sibTransId="{AB7D7886-6AFC-4F4C-96C2-AD86B195FEC2}"/>
+    <dgm:cxn modelId="{79E18E4B-0489-4AAF-9791-D5C6382066D0}" type="presOf" srcId="{2E44EDC4-32F3-42A8-8341-EA8142ED3F29}" destId="{ED388618-C2E2-434B-B7E9-29818E267126}" srcOrd="0" destOrd="0" presId="urn:microsoft.com/office/officeart/2005/8/layout/cycle3"/>
+    <dgm:cxn modelId="{CF39CD4D-2E26-4A16-AE96-C71A4DBBB4CF}" srcId="{29B36A57-D7BA-40AA-9BB7-0CD434A96A93}" destId="{CC74DF1B-92C1-4DDE-8FBC-586185DDF6AB}" srcOrd="5" destOrd="0" parTransId="{2B9CDB42-680F-4D75-BEC7-E6BA64D54160}" sibTransId="{2FE8E169-87A1-49F4-BBBE-0CDCBA500F8D}"/>
+    <dgm:cxn modelId="{76D06770-0B40-4F7E-880D-B79331FCA385}" type="presOf" srcId="{744BD274-6A67-4FA9-A05A-5AF8C0C6D6C4}" destId="{5E7B9A59-B3E4-4AB1-A313-536B192BD3CD}" srcOrd="0" destOrd="0" presId="urn:microsoft.com/office/officeart/2005/8/layout/cycle3"/>
+    <dgm:cxn modelId="{57DF3557-F18B-4710-A4A7-D89BEB1F9367}" srcId="{29B36A57-D7BA-40AA-9BB7-0CD434A96A93}" destId="{5A572E0D-0AE1-4AD6-A9F5-03E140DF982D}" srcOrd="8" destOrd="0" parTransId="{4E66B100-CE96-4BFE-B59A-D8EADC90C40F}" sibTransId="{E02A0705-1F43-403D-ACA7-91B2FBFF318E}"/>
+    <dgm:cxn modelId="{47C23884-5FAA-4308-837D-C47CF21F4CBE}" srcId="{29B36A57-D7BA-40AA-9BB7-0CD434A96A93}" destId="{8F559436-0B47-4ED9-A7AC-4C8CB77EDF0A}" srcOrd="10" destOrd="0" parTransId="{FB6433E1-C4E2-40AA-80F2-B458838A3D08}" sibTransId="{CC18802F-ECFA-4908-BFC7-70359BEFE83F}"/>
+    <dgm:cxn modelId="{E615EB8D-9B8C-453D-A359-6E3FE4BBA075}" type="presOf" srcId="{2AA8E900-58D1-497E-9506-31989CE7545C}" destId="{D15835AC-3E42-4428-A634-854F0923A987}" srcOrd="0" destOrd="0" presId="urn:microsoft.com/office/officeart/2005/8/layout/cycle3"/>
+    <dgm:cxn modelId="{97D6FA8D-F6DC-42C4-926B-2CF01B49D762}" srcId="{29B36A57-D7BA-40AA-9BB7-0CD434A96A93}" destId="{2E44EDC4-32F3-42A8-8341-EA8142ED3F29}" srcOrd="2" destOrd="0" parTransId="{B1110801-F8E5-4C3B-B850-F2FACB79B956}" sibTransId="{1F3AF1C2-DB17-44D2-8BA3-6B6E52814375}"/>
+    <dgm:cxn modelId="{9A32B092-B8F0-4BBC-A2C2-3899A9258EAC}" type="presOf" srcId="{CC74DF1B-92C1-4DDE-8FBC-586185DDF6AB}" destId="{B35738D7-5A9B-4D9E-8BE5-3DC0668324DD}" srcOrd="0" destOrd="0" presId="urn:microsoft.com/office/officeart/2005/8/layout/cycle3"/>
+    <dgm:cxn modelId="{C5457496-B51A-4A59-A2D8-BD5F0252316F}" type="presOf" srcId="{9024B4C5-DD62-4923-8022-4A2E1E2E4F5A}" destId="{49EE4A7D-CCB2-42D2-A98C-5BF497610880}" srcOrd="0" destOrd="0" presId="urn:microsoft.com/office/officeart/2005/8/layout/cycle3"/>
+    <dgm:cxn modelId="{4FE2A799-926B-4C02-95E6-192930DDCB3C}" type="presOf" srcId="{29B36A57-D7BA-40AA-9BB7-0CD434A96A93}" destId="{A07D3BC5-1522-49D1-BD7D-EEF0E5A64C14}" srcOrd="0" destOrd="0" presId="urn:microsoft.com/office/officeart/2005/8/layout/cycle3"/>
+    <dgm:cxn modelId="{1AAC61AA-4BC2-4253-84E6-BB75815354F7}" srcId="{29B36A57-D7BA-40AA-9BB7-0CD434A96A93}" destId="{58F8CA0E-1477-4E07-B0DC-F91D6864C7A9}" srcOrd="9" destOrd="0" parTransId="{D7062B61-152C-4152-9675-2D8097B3379E}" sibTransId="{5722D85C-AF4D-45EF-AB28-250DFCCED6A9}"/>
+    <dgm:cxn modelId="{3D9E38C2-20BA-47F7-B2BE-5677CA3B1A85}" type="presOf" srcId="{619BA77D-98D6-420C-B73C-0EC76A38B719}" destId="{CACCD25A-E674-46A0-B4AB-F78A81ADEBE9}" srcOrd="0" destOrd="0" presId="urn:microsoft.com/office/officeart/2005/8/layout/cycle3"/>
+    <dgm:cxn modelId="{8E3BD3C5-AE35-4A64-A056-EF3010A996B7}" type="presOf" srcId="{02674AED-4A3D-4385-A581-4EA7546B296F}" destId="{F33C6FAF-4DE0-4E6E-BEB9-7630EE76E62F}" srcOrd="0" destOrd="0" presId="urn:microsoft.com/office/officeart/2005/8/layout/cycle3"/>
+    <dgm:cxn modelId="{0469DEC5-7BF9-4275-9DFB-7679B2A03D70}" type="presOf" srcId="{58F8CA0E-1477-4E07-B0DC-F91D6864C7A9}" destId="{8D171C0A-C2C0-421B-BD77-F79243E72206}" srcOrd="0" destOrd="0" presId="urn:microsoft.com/office/officeart/2005/8/layout/cycle3"/>
+    <dgm:cxn modelId="{8A4C01D0-9258-410C-8562-006DFCD224EA}" srcId="{29B36A57-D7BA-40AA-9BB7-0CD434A96A93}" destId="{2AA8E900-58D1-497E-9506-31989CE7545C}" srcOrd="4" destOrd="0" parTransId="{250B1F20-0A20-4EE8-8090-56237877B6B6}" sibTransId="{8FF4434A-6011-4593-9407-437183885720}"/>
+    <dgm:cxn modelId="{D72B95D9-323A-4234-B997-D5DD01A21A4E}" type="presOf" srcId="{84569A08-56A9-438E-B912-1E9540D37289}" destId="{6B4C8015-FEE9-4B5A-B5E2-EBD6982CE88C}" srcOrd="0" destOrd="0" presId="urn:microsoft.com/office/officeart/2005/8/layout/cycle3"/>
+    <dgm:cxn modelId="{A09B23EA-1D00-4EA2-B827-8616A3E718D8}" type="presOf" srcId="{5A572E0D-0AE1-4AD6-A9F5-03E140DF982D}" destId="{DCF67E6F-CF1B-4F84-85D1-09AB44F808F2}" srcOrd="0" destOrd="0" presId="urn:microsoft.com/office/officeart/2005/8/layout/cycle3"/>
+    <dgm:cxn modelId="{A07770F8-7226-48C5-ABC9-FC0F452535F4}" srcId="{29B36A57-D7BA-40AA-9BB7-0CD434A96A93}" destId="{619BA77D-98D6-420C-B73C-0EC76A38B719}" srcOrd="0" destOrd="0" parTransId="{908C2793-D7DC-4E7F-B0FC-DBA8690709B7}" sibTransId="{FF243EBD-308E-4E82-AE8B-C1C8C55DA3EC}"/>
+    <dgm:cxn modelId="{D92A73E5-DF52-4BB0-803B-89390ABB99CD}" type="presParOf" srcId="{A07D3BC5-1522-49D1-BD7D-EEF0E5A64C14}" destId="{2AB66670-3995-439A-9563-8E5DEA7B745C}" srcOrd="0" destOrd="0" presId="urn:microsoft.com/office/officeart/2005/8/layout/cycle3"/>
+    <dgm:cxn modelId="{6683D338-D8BB-471A-A465-20F057FBB840}" type="presParOf" srcId="{2AB66670-3995-439A-9563-8E5DEA7B745C}" destId="{CACCD25A-E674-46A0-B4AB-F78A81ADEBE9}" srcOrd="0" destOrd="0" presId="urn:microsoft.com/office/officeart/2005/8/layout/cycle3"/>
+    <dgm:cxn modelId="{82AF1288-1BA9-41A8-BC77-D851FE63AD3B}" type="presParOf" srcId="{2AB66670-3995-439A-9563-8E5DEA7B745C}" destId="{67771D30-8AF2-4198-B3A7-D531D84FB6A1}" srcOrd="1" destOrd="0" presId="urn:microsoft.com/office/officeart/2005/8/layout/cycle3"/>
+    <dgm:cxn modelId="{8505840E-0EA7-44E2-A1FE-CA8CB3BF6B85}" type="presParOf" srcId="{2AB66670-3995-439A-9563-8E5DEA7B745C}" destId="{5E7B9A59-B3E4-4AB1-A313-536B192BD3CD}" srcOrd="2" destOrd="0" presId="urn:microsoft.com/office/officeart/2005/8/layout/cycle3"/>
+    <dgm:cxn modelId="{AC911290-3007-462D-88E7-DF9DDD4CED4C}" type="presParOf" srcId="{2AB66670-3995-439A-9563-8E5DEA7B745C}" destId="{ED388618-C2E2-434B-B7E9-29818E267126}" srcOrd="3" destOrd="0" presId="urn:microsoft.com/office/officeart/2005/8/layout/cycle3"/>
+    <dgm:cxn modelId="{049CD3DD-3995-458C-9004-BBB1BB2819B4}" type="presParOf" srcId="{2AB66670-3995-439A-9563-8E5DEA7B745C}" destId="{6B4C8015-FEE9-4B5A-B5E2-EBD6982CE88C}" srcOrd="4" destOrd="0" presId="urn:microsoft.com/office/officeart/2005/8/layout/cycle3"/>
+    <dgm:cxn modelId="{644AB130-0914-4434-A453-74CD0323E15B}" type="presParOf" srcId="{2AB66670-3995-439A-9563-8E5DEA7B745C}" destId="{D15835AC-3E42-4428-A634-854F0923A987}" srcOrd="5" destOrd="0" presId="urn:microsoft.com/office/officeart/2005/8/layout/cycle3"/>
+    <dgm:cxn modelId="{C4ED66B0-D2D5-4F83-A5D2-E3378E03A8BC}" type="presParOf" srcId="{2AB66670-3995-439A-9563-8E5DEA7B745C}" destId="{B35738D7-5A9B-4D9E-8BE5-3DC0668324DD}" srcOrd="6" destOrd="0" presId="urn:microsoft.com/office/officeart/2005/8/layout/cycle3"/>
+    <dgm:cxn modelId="{BF9165DC-215D-4F5A-B033-2E4AABA79C05}" type="presParOf" srcId="{2AB66670-3995-439A-9563-8E5DEA7B745C}" destId="{F33C6FAF-4DE0-4E6E-BEB9-7630EE76E62F}" srcOrd="7" destOrd="0" presId="urn:microsoft.com/office/officeart/2005/8/layout/cycle3"/>
+    <dgm:cxn modelId="{E88BEAED-B367-4B58-8B4F-5430EA4973BC}" type="presParOf" srcId="{2AB66670-3995-439A-9563-8E5DEA7B745C}" destId="{49EE4A7D-CCB2-42D2-A98C-5BF497610880}" srcOrd="8" destOrd="0" presId="urn:microsoft.com/office/officeart/2005/8/layout/cycle3"/>
+    <dgm:cxn modelId="{B52FFAFE-9981-4E9F-94BD-37C2A960B764}" type="presParOf" srcId="{2AB66670-3995-439A-9563-8E5DEA7B745C}" destId="{DCF67E6F-CF1B-4F84-85D1-09AB44F808F2}" srcOrd="9" destOrd="0" presId="urn:microsoft.com/office/officeart/2005/8/layout/cycle3"/>
+    <dgm:cxn modelId="{CEC38555-DDEE-4A5D-B3F6-1F70A02C684E}" type="presParOf" srcId="{2AB66670-3995-439A-9563-8E5DEA7B745C}" destId="{8D171C0A-C2C0-421B-BD77-F79243E72206}" srcOrd="10" destOrd="0" presId="urn:microsoft.com/office/officeart/2005/8/layout/cycle3"/>
+    <dgm:cxn modelId="{CAC19553-AE56-43CC-8DA6-CAD49CDEF34A}" type="presParOf" srcId="{2AB66670-3995-439A-9563-8E5DEA7B745C}" destId="{762CDA6D-602D-432A-B00C-96E0F4487BAB}" srcOrd="11" destOrd="0" presId="urn:microsoft.com/office/officeart/2005/8/layout/cycle3"/>
+  </dgm:cxnLst>
+  <dgm:bg/>
+  <dgm:whole/>
+  <dgm:extLst>
+    <a:ext uri="http://schemas.microsoft.com/office/drawing/2008/diagram">
+      <dsp:dataModelExt xmlns:dsp="http://schemas.microsoft.com/office/drawing/2008/diagram" relId="rId6" minVer="http://schemas.openxmlformats.org/drawingml/2006/diagram"/>
+    </a:ext>
+  </dgm:extLst>
+</dgm:dataModel>
+</file>
+
+<file path=ppt/diagrams/drawing1.xml><?xml version="1.0" encoding="utf-8"?>
+<dsp:drawing xmlns:dgm="http://schemas.openxmlformats.org/drawingml/2006/diagram" xmlns:dsp="http://schemas.microsoft.com/office/drawing/2008/diagram" xmlns:a="http://schemas.openxmlformats.org/drawingml/2006/main">
+  <dsp:spTree>
+    <dsp:nvGrpSpPr>
+      <dsp:cNvPr id="0" name=""/>
+      <dsp:cNvGrpSpPr/>
+    </dsp:nvGrpSpPr>
+    <dsp:grpSpPr/>
+    <dsp:sp modelId="{67771D30-8AF2-4198-B3A7-D531D84FB6A1}">
+      <dsp:nvSpPr>
+        <dsp:cNvPr id="0" name=""/>
+        <dsp:cNvSpPr/>
+      </dsp:nvSpPr>
+      <dsp:spPr>
+        <a:xfrm>
+          <a:off x="1041817" y="-99022"/>
+          <a:ext cx="6448803" cy="6448803"/>
+        </a:xfrm>
+        <a:prstGeom prst="circularArrow">
+          <a:avLst>
+            <a:gd name="adj1" fmla="val 5544"/>
+            <a:gd name="adj2" fmla="val 330680"/>
+            <a:gd name="adj3" fmla="val 14935245"/>
+            <a:gd name="adj4" fmla="val 16713420"/>
+            <a:gd name="adj5" fmla="val 5757"/>
+          </a:avLst>
+        </a:prstGeom>
+        <a:solidFill>
+          <a:schemeClr val="accent1">
+            <a:tint val="40000"/>
+            <a:hueOff val="0"/>
+            <a:satOff val="0"/>
+            <a:lumOff val="0"/>
+            <a:alphaOff val="0"/>
+          </a:schemeClr>
+        </a:solidFill>
+        <a:ln>
+          <a:noFill/>
+        </a:ln>
+        <a:effectLst/>
+        <a:sp3d z="-161800" extrusionH="600" contourW="3000">
+          <a:bevelT w="48600" h="18600" prst="relaxedInset"/>
+          <a:bevelB w="48600" h="8600" prst="relaxedInset"/>
+        </a:sp3d>
+      </dsp:spPr>
+      <dsp:style>
+        <a:lnRef idx="0">
+          <a:scrgbClr r="0" g="0" b="0"/>
+        </a:lnRef>
+        <a:fillRef idx="1">
+          <a:scrgbClr r="0" g="0" b="0"/>
+        </a:fillRef>
+        <a:effectRef idx="0">
+          <a:scrgbClr r="0" g="0" b="0"/>
+        </a:effectRef>
+        <a:fontRef idx="minor"/>
+      </dsp:style>
+    </dsp:sp>
+    <dsp:sp modelId="{CACCD25A-E674-46A0-B4AB-F78A81ADEBE9}">
+      <dsp:nvSpPr>
+        <dsp:cNvPr id="0" name=""/>
+        <dsp:cNvSpPr/>
+      </dsp:nvSpPr>
+      <dsp:spPr>
+        <a:xfrm>
+          <a:off x="3566292" y="2359"/>
+          <a:ext cx="1399853" cy="699926"/>
+        </a:xfrm>
+        <a:prstGeom prst="roundRect">
+          <a:avLst/>
+        </a:prstGeom>
+        <a:solidFill>
+          <a:schemeClr val="accent1">
+            <a:hueOff val="0"/>
+            <a:satOff val="0"/>
+            <a:lumOff val="0"/>
+            <a:alphaOff val="0"/>
+          </a:schemeClr>
+        </a:solidFill>
+        <a:ln>
+          <a:noFill/>
+        </a:ln>
+        <a:effectLst/>
+        <a:sp3d extrusionH="50600" prstMaterial="metal">
+          <a:bevelT w="101600" h="80600" prst="relaxedInset"/>
+          <a:bevelB w="80600" h="80600" prst="relaxedInset"/>
+        </a:sp3d>
+      </dsp:spPr>
+      <dsp:style>
+        <a:lnRef idx="0">
+          <a:scrgbClr r="0" g="0" b="0"/>
+        </a:lnRef>
+        <a:fillRef idx="1">
+          <a:scrgbClr r="0" g="0" b="0"/>
+        </a:fillRef>
+        <a:effectRef idx="1">
+          <a:scrgbClr r="0" g="0" b="0"/>
+        </a:effectRef>
+        <a:fontRef idx="minor">
+          <a:schemeClr val="dk1"/>
+        </a:fontRef>
+      </dsp:style>
+      <dsp:txBody>
+        <a:bodyPr spcFirstLastPara="0" vert="horz" wrap="square" lIns="38100" tIns="38100" rIns="38100" bIns="38100" numCol="1" spcCol="1270" anchor="ctr" anchorCtr="0">
+          <a:noAutofit/>
+        </a:bodyPr>
+        <a:lstStyle/>
+        <a:p>
+          <a:pPr marL="0" lvl="0" indent="0" algn="ctr" defTabSz="444500">
+            <a:lnSpc>
+              <a:spcPct val="90000"/>
+            </a:lnSpc>
+            <a:spcBef>
+              <a:spcPct val="0"/>
+            </a:spcBef>
+            <a:spcAft>
+              <a:spcPct val="35000"/>
+            </a:spcAft>
+            <a:buNone/>
+          </a:pPr>
+          <a:r>
+            <a:rPr lang="en-US" sz="1000" kern="1200" dirty="0"/>
+            <a:t>Identify stakeholders and concerns</a:t>
+          </a:r>
+        </a:p>
+      </dsp:txBody>
+      <dsp:txXfrm>
+        <a:off x="3600460" y="36527"/>
+        <a:ext cx="1331517" cy="631590"/>
+      </dsp:txXfrm>
+    </dsp:sp>
+    <dsp:sp modelId="{5E7B9A59-B3E4-4AB1-A313-536B192BD3CD}">
+      <dsp:nvSpPr>
+        <dsp:cNvPr id="0" name=""/>
+        <dsp:cNvSpPr/>
+      </dsp:nvSpPr>
+      <dsp:spPr>
+        <a:xfrm>
+          <a:off x="5053067" y="438916"/>
+          <a:ext cx="1399853" cy="699926"/>
+        </a:xfrm>
+        <a:prstGeom prst="roundRect">
+          <a:avLst/>
+        </a:prstGeom>
+        <a:solidFill>
+          <a:schemeClr val="accent1">
+            <a:hueOff val="0"/>
+            <a:satOff val="0"/>
+            <a:lumOff val="0"/>
+            <a:alphaOff val="0"/>
+          </a:schemeClr>
+        </a:solidFill>
+        <a:ln>
+          <a:noFill/>
+        </a:ln>
+        <a:effectLst/>
+        <a:sp3d extrusionH="50600" prstMaterial="metal">
+          <a:bevelT w="101600" h="80600" prst="relaxedInset"/>
+          <a:bevelB w="80600" h="80600" prst="relaxedInset"/>
+        </a:sp3d>
+      </dsp:spPr>
+      <dsp:style>
+        <a:lnRef idx="0">
+          <a:scrgbClr r="0" g="0" b="0"/>
+        </a:lnRef>
+        <a:fillRef idx="1">
+          <a:scrgbClr r="0" g="0" b="0"/>
+        </a:fillRef>
+        <a:effectRef idx="1">
+          <a:scrgbClr r="0" g="0" b="0"/>
+        </a:effectRef>
+        <a:fontRef idx="minor">
+          <a:schemeClr val="dk1"/>
+        </a:fontRef>
+      </dsp:style>
+      <dsp:txBody>
+        <a:bodyPr spcFirstLastPara="0" vert="horz" wrap="square" lIns="38100" tIns="38100" rIns="38100" bIns="38100" numCol="1" spcCol="1270" anchor="ctr" anchorCtr="0">
+          <a:noAutofit/>
+        </a:bodyPr>
+        <a:lstStyle/>
+        <a:p>
+          <a:pPr marL="0" lvl="0" indent="0" algn="ctr" defTabSz="444500">
+            <a:lnSpc>
+              <a:spcPct val="90000"/>
+            </a:lnSpc>
+            <a:spcBef>
+              <a:spcPct val="0"/>
+            </a:spcBef>
+            <a:spcAft>
+              <a:spcPct val="35000"/>
+            </a:spcAft>
+            <a:buNone/>
+          </a:pPr>
+          <a:r>
+            <a:rPr lang="en-US" sz="1000" kern="1200" dirty="0"/>
+            <a:t>Prioritize delivery</a:t>
+          </a:r>
+        </a:p>
+      </dsp:txBody>
+      <dsp:txXfrm>
+        <a:off x="5087235" y="473084"/>
+        <a:ext cx="1331517" cy="631590"/>
+      </dsp:txXfrm>
+    </dsp:sp>
+    <dsp:sp modelId="{ED388618-C2E2-434B-B7E9-29818E267126}">
+      <dsp:nvSpPr>
+        <dsp:cNvPr id="0" name=""/>
+        <dsp:cNvSpPr/>
+      </dsp:nvSpPr>
+      <dsp:spPr>
+        <a:xfrm>
+          <a:off x="6067801" y="1609981"/>
+          <a:ext cx="1399853" cy="699926"/>
+        </a:xfrm>
+        <a:prstGeom prst="roundRect">
+          <a:avLst/>
+        </a:prstGeom>
+        <a:solidFill>
+          <a:schemeClr val="accent1">
+            <a:hueOff val="0"/>
+            <a:satOff val="0"/>
+            <a:lumOff val="0"/>
+            <a:alphaOff val="0"/>
+          </a:schemeClr>
+        </a:solidFill>
+        <a:ln>
+          <a:noFill/>
+        </a:ln>
+        <a:effectLst/>
+        <a:sp3d extrusionH="50600" prstMaterial="metal">
+          <a:bevelT w="101600" h="80600" prst="relaxedInset"/>
+          <a:bevelB w="80600" h="80600" prst="relaxedInset"/>
+        </a:sp3d>
+      </dsp:spPr>
+      <dsp:style>
+        <a:lnRef idx="0">
+          <a:scrgbClr r="0" g="0" b="0"/>
+        </a:lnRef>
+        <a:fillRef idx="1">
+          <a:scrgbClr r="0" g="0" b="0"/>
+        </a:fillRef>
+        <a:effectRef idx="1">
+          <a:scrgbClr r="0" g="0" b="0"/>
+        </a:effectRef>
+        <a:fontRef idx="minor">
+          <a:schemeClr val="dk1"/>
+        </a:fontRef>
+      </dsp:style>
+      <dsp:txBody>
+        <a:bodyPr spcFirstLastPara="0" vert="horz" wrap="square" lIns="38100" tIns="38100" rIns="38100" bIns="38100" numCol="1" spcCol="1270" anchor="ctr" anchorCtr="0">
+          <a:noAutofit/>
+        </a:bodyPr>
+        <a:lstStyle/>
+        <a:p>
+          <a:pPr marL="0" lvl="0" indent="0" algn="ctr" defTabSz="444500">
+            <a:lnSpc>
+              <a:spcPct val="90000"/>
+            </a:lnSpc>
+            <a:spcBef>
+              <a:spcPct val="0"/>
+            </a:spcBef>
+            <a:spcAft>
+              <a:spcPct val="35000"/>
+            </a:spcAft>
+            <a:buNone/>
+          </a:pPr>
+          <a:r>
+            <a:rPr lang="en-US" sz="1000" kern="1200" dirty="0"/>
+            <a:t>Identify/define the views that will support delivery</a:t>
+          </a:r>
+        </a:p>
+      </dsp:txBody>
+      <dsp:txXfrm>
+        <a:off x="6101969" y="1644149"/>
+        <a:ext cx="1331517" cy="631590"/>
+      </dsp:txXfrm>
+    </dsp:sp>
+    <dsp:sp modelId="{6B4C8015-FEE9-4B5A-B5E2-EBD6982CE88C}">
+      <dsp:nvSpPr>
+        <dsp:cNvPr id="0" name=""/>
+        <dsp:cNvSpPr/>
+      </dsp:nvSpPr>
+      <dsp:spPr>
+        <a:xfrm>
+          <a:off x="6288324" y="3143751"/>
+          <a:ext cx="1399853" cy="699926"/>
+        </a:xfrm>
+        <a:prstGeom prst="roundRect">
+          <a:avLst/>
+        </a:prstGeom>
+        <a:solidFill>
+          <a:schemeClr val="accent1">
+            <a:hueOff val="0"/>
+            <a:satOff val="0"/>
+            <a:lumOff val="0"/>
+            <a:alphaOff val="0"/>
+          </a:schemeClr>
+        </a:solidFill>
+        <a:ln>
+          <a:noFill/>
+        </a:ln>
+        <a:effectLst/>
+        <a:sp3d extrusionH="50600" prstMaterial="metal">
+          <a:bevelT w="101600" h="80600" prst="relaxedInset"/>
+          <a:bevelB w="80600" h="80600" prst="relaxedInset"/>
+        </a:sp3d>
+      </dsp:spPr>
+      <dsp:style>
+        <a:lnRef idx="0">
+          <a:scrgbClr r="0" g="0" b="0"/>
+        </a:lnRef>
+        <a:fillRef idx="1">
+          <a:scrgbClr r="0" g="0" b="0"/>
+        </a:fillRef>
+        <a:effectRef idx="1">
+          <a:scrgbClr r="0" g="0" b="0"/>
+        </a:effectRef>
+        <a:fontRef idx="minor">
+          <a:schemeClr val="dk1"/>
+        </a:fontRef>
+      </dsp:style>
+      <dsp:txBody>
+        <a:bodyPr spcFirstLastPara="0" vert="horz" wrap="square" lIns="38100" tIns="38100" rIns="38100" bIns="38100" numCol="1" spcCol="1270" anchor="ctr" anchorCtr="0">
+          <a:noAutofit/>
+        </a:bodyPr>
+        <a:lstStyle/>
+        <a:p>
+          <a:pPr marL="0" lvl="0" indent="0" algn="ctr" defTabSz="444500">
+            <a:lnSpc>
+              <a:spcPct val="90000"/>
+            </a:lnSpc>
+            <a:spcBef>
+              <a:spcPct val="0"/>
+            </a:spcBef>
+            <a:spcAft>
+              <a:spcPct val="35000"/>
+            </a:spcAft>
+            <a:buNone/>
+          </a:pPr>
+          <a:r>
+            <a:rPr lang="en-US" sz="1000" kern="1200" dirty="0"/>
+            <a:t>(Optional) Identify any meta-model extensions required and the impact on views</a:t>
+          </a:r>
+        </a:p>
+      </dsp:txBody>
+      <dsp:txXfrm>
+        <a:off x="6322492" y="3177919"/>
+        <a:ext cx="1331517" cy="631590"/>
+      </dsp:txXfrm>
+    </dsp:sp>
+    <dsp:sp modelId="{D15835AC-3E42-4428-A634-854F0923A987}">
+      <dsp:nvSpPr>
+        <dsp:cNvPr id="0" name=""/>
+        <dsp:cNvSpPr/>
+      </dsp:nvSpPr>
+      <dsp:spPr>
+        <a:xfrm>
+          <a:off x="5644621" y="4553264"/>
+          <a:ext cx="1399853" cy="699926"/>
+        </a:xfrm>
+        <a:prstGeom prst="roundRect">
+          <a:avLst/>
+        </a:prstGeom>
+        <a:solidFill>
+          <a:schemeClr val="accent1">
+            <a:hueOff val="0"/>
+            <a:satOff val="0"/>
+            <a:lumOff val="0"/>
+            <a:alphaOff val="0"/>
+          </a:schemeClr>
+        </a:solidFill>
+        <a:ln>
+          <a:noFill/>
+        </a:ln>
+        <a:effectLst/>
+        <a:sp3d extrusionH="50600" prstMaterial="metal">
+          <a:bevelT w="101600" h="80600" prst="relaxedInset"/>
+          <a:bevelB w="80600" h="80600" prst="relaxedInset"/>
+        </a:sp3d>
+      </dsp:spPr>
+      <dsp:style>
+        <a:lnRef idx="0">
+          <a:scrgbClr r="0" g="0" b="0"/>
+        </a:lnRef>
+        <a:fillRef idx="1">
+          <a:scrgbClr r="0" g="0" b="0"/>
+        </a:fillRef>
+        <a:effectRef idx="1">
+          <a:scrgbClr r="0" g="0" b="0"/>
+        </a:effectRef>
+        <a:fontRef idx="minor">
+          <a:schemeClr val="dk1"/>
+        </a:fontRef>
+      </dsp:style>
+      <dsp:txBody>
+        <a:bodyPr spcFirstLastPara="0" vert="horz" wrap="square" lIns="38100" tIns="38100" rIns="38100" bIns="38100" numCol="1" spcCol="1270" anchor="ctr" anchorCtr="0">
+          <a:noAutofit/>
+        </a:bodyPr>
+        <a:lstStyle/>
+        <a:p>
+          <a:pPr marL="0" lvl="0" indent="0" algn="ctr" defTabSz="444500">
+            <a:lnSpc>
+              <a:spcPct val="90000"/>
+            </a:lnSpc>
+            <a:spcBef>
+              <a:spcPct val="0"/>
+            </a:spcBef>
+            <a:spcAft>
+              <a:spcPct val="35000"/>
+            </a:spcAft>
+            <a:buNone/>
+          </a:pPr>
+          <a:r>
+            <a:rPr lang="en-US" sz="1000" kern="1200" dirty="0"/>
+            <a:t>Identify the data required, data sources and population method</a:t>
+          </a:r>
+        </a:p>
+      </dsp:txBody>
+      <dsp:txXfrm>
+        <a:off x="5678789" y="4587432"/>
+        <a:ext cx="1331517" cy="631590"/>
+      </dsp:txXfrm>
+    </dsp:sp>
+    <dsp:sp modelId="{B35738D7-5A9B-4D9E-8BE5-3DC0668324DD}">
+      <dsp:nvSpPr>
+        <dsp:cNvPr id="0" name=""/>
+        <dsp:cNvSpPr/>
+      </dsp:nvSpPr>
+      <dsp:spPr>
+        <a:xfrm>
+          <a:off x="4341063" y="5391009"/>
+          <a:ext cx="1399853" cy="699926"/>
+        </a:xfrm>
+        <a:prstGeom prst="roundRect">
+          <a:avLst/>
+        </a:prstGeom>
+        <a:solidFill>
+          <a:schemeClr val="accent1">
+            <a:hueOff val="0"/>
+            <a:satOff val="0"/>
+            <a:lumOff val="0"/>
+            <a:alphaOff val="0"/>
+          </a:schemeClr>
+        </a:solidFill>
+        <a:ln>
+          <a:noFill/>
+        </a:ln>
+        <a:effectLst/>
+        <a:sp3d extrusionH="50600" prstMaterial="metal">
+          <a:bevelT w="101600" h="80600" prst="relaxedInset"/>
+          <a:bevelB w="80600" h="80600" prst="relaxedInset"/>
+        </a:sp3d>
+      </dsp:spPr>
+      <dsp:style>
+        <a:lnRef idx="0">
+          <a:scrgbClr r="0" g="0" b="0"/>
+        </a:lnRef>
+        <a:fillRef idx="1">
+          <a:scrgbClr r="0" g="0" b="0"/>
+        </a:fillRef>
+        <a:effectRef idx="1">
+          <a:scrgbClr r="0" g="0" b="0"/>
+        </a:effectRef>
+        <a:fontRef idx="minor">
+          <a:schemeClr val="dk1"/>
+        </a:fontRef>
+      </dsp:style>
+      <dsp:txBody>
+        <a:bodyPr spcFirstLastPara="0" vert="horz" wrap="square" lIns="38100" tIns="38100" rIns="38100" bIns="38100" numCol="1" spcCol="1270" anchor="ctr" anchorCtr="0">
+          <a:noAutofit/>
+        </a:bodyPr>
+        <a:lstStyle/>
+        <a:p>
+          <a:pPr marL="0" lvl="0" indent="0" algn="ctr" defTabSz="444500">
+            <a:lnSpc>
+              <a:spcPct val="90000"/>
+            </a:lnSpc>
+            <a:spcBef>
+              <a:spcPct val="0"/>
+            </a:spcBef>
+            <a:spcAft>
+              <a:spcPct val="35000"/>
+            </a:spcAft>
+            <a:buNone/>
+          </a:pPr>
+          <a:r>
+            <a:rPr lang="en-US" sz="1000" kern="1200" dirty="0"/>
+            <a:t>Plan Training / Consultancy</a:t>
+          </a:r>
+        </a:p>
+      </dsp:txBody>
+      <dsp:txXfrm>
+        <a:off x="4375231" y="5425177"/>
+        <a:ext cx="1331517" cy="631590"/>
+      </dsp:txXfrm>
+    </dsp:sp>
+    <dsp:sp modelId="{F33C6FAF-4DE0-4E6E-BEB9-7630EE76E62F}">
+      <dsp:nvSpPr>
+        <dsp:cNvPr id="0" name=""/>
+        <dsp:cNvSpPr/>
+      </dsp:nvSpPr>
+      <dsp:spPr>
+        <a:xfrm>
+          <a:off x="2791521" y="5391009"/>
+          <a:ext cx="1399853" cy="699926"/>
+        </a:xfrm>
+        <a:prstGeom prst="roundRect">
+          <a:avLst/>
+        </a:prstGeom>
+        <a:solidFill>
+          <a:schemeClr val="accent1">
+            <a:hueOff val="0"/>
+            <a:satOff val="0"/>
+            <a:lumOff val="0"/>
+            <a:alphaOff val="0"/>
+          </a:schemeClr>
+        </a:solidFill>
+        <a:ln>
+          <a:noFill/>
+        </a:ln>
+        <a:effectLst/>
+        <a:sp3d extrusionH="50600" prstMaterial="metal">
+          <a:bevelT w="101600" h="80600" prst="relaxedInset"/>
+          <a:bevelB w="80600" h="80600" prst="relaxedInset"/>
+        </a:sp3d>
+      </dsp:spPr>
+      <dsp:style>
+        <a:lnRef idx="0">
+          <a:scrgbClr r="0" g="0" b="0"/>
+        </a:lnRef>
+        <a:fillRef idx="1">
+          <a:scrgbClr r="0" g="0" b="0"/>
+        </a:fillRef>
+        <a:effectRef idx="1">
+          <a:scrgbClr r="0" g="0" b="0"/>
+        </a:effectRef>
+        <a:fontRef idx="minor">
+          <a:schemeClr val="dk1"/>
+        </a:fontRef>
+      </dsp:style>
+      <dsp:txBody>
+        <a:bodyPr spcFirstLastPara="0" vert="horz" wrap="square" lIns="38100" tIns="38100" rIns="38100" bIns="38100" numCol="1" spcCol="1270" anchor="ctr" anchorCtr="0">
+          <a:noAutofit/>
+        </a:bodyPr>
+        <a:lstStyle/>
+        <a:p>
+          <a:pPr marL="0" lvl="0" indent="0" algn="ctr" defTabSz="444500">
+            <a:lnSpc>
+              <a:spcPct val="90000"/>
+            </a:lnSpc>
+            <a:spcBef>
+              <a:spcPct val="0"/>
+            </a:spcBef>
+            <a:spcAft>
+              <a:spcPct val="35000"/>
+            </a:spcAft>
+            <a:buNone/>
+          </a:pPr>
+          <a:r>
+            <a:rPr lang="en-US" sz="1000" kern="1200" dirty="0"/>
+            <a:t>(Optional) Extend launchpad and build integrations and views as required</a:t>
+          </a:r>
+        </a:p>
+      </dsp:txBody>
+      <dsp:txXfrm>
+        <a:off x="2825689" y="5425177"/>
+        <a:ext cx="1331517" cy="631590"/>
+      </dsp:txXfrm>
+    </dsp:sp>
+    <dsp:sp modelId="{49EE4A7D-CCB2-42D2-A98C-5BF497610880}">
+      <dsp:nvSpPr>
+        <dsp:cNvPr id="0" name=""/>
+        <dsp:cNvSpPr/>
+      </dsp:nvSpPr>
+      <dsp:spPr>
+        <a:xfrm>
+          <a:off x="1487964" y="4553264"/>
+          <a:ext cx="1399853" cy="699926"/>
+        </a:xfrm>
+        <a:prstGeom prst="roundRect">
+          <a:avLst/>
+        </a:prstGeom>
+        <a:solidFill>
+          <a:schemeClr val="accent1">
+            <a:hueOff val="0"/>
+            <a:satOff val="0"/>
+            <a:lumOff val="0"/>
+            <a:alphaOff val="0"/>
+          </a:schemeClr>
+        </a:solidFill>
+        <a:ln>
+          <a:noFill/>
+        </a:ln>
+        <a:effectLst/>
+        <a:sp3d extrusionH="50600" prstMaterial="metal">
+          <a:bevelT w="101600" h="80600" prst="relaxedInset"/>
+          <a:bevelB w="80600" h="80600" prst="relaxedInset"/>
+        </a:sp3d>
+      </dsp:spPr>
+      <dsp:style>
+        <a:lnRef idx="0">
+          <a:scrgbClr r="0" g="0" b="0"/>
+        </a:lnRef>
+        <a:fillRef idx="1">
+          <a:scrgbClr r="0" g="0" b="0"/>
+        </a:fillRef>
+        <a:effectRef idx="1">
+          <a:scrgbClr r="0" g="0" b="0"/>
+        </a:effectRef>
+        <a:fontRef idx="minor">
+          <a:schemeClr val="dk1"/>
+        </a:fontRef>
+      </dsp:style>
+      <dsp:txBody>
+        <a:bodyPr spcFirstLastPara="0" vert="horz" wrap="square" lIns="38100" tIns="38100" rIns="38100" bIns="38100" numCol="1" spcCol="1270" anchor="ctr" anchorCtr="0">
+          <a:noAutofit/>
+        </a:bodyPr>
+        <a:lstStyle/>
+        <a:p>
+          <a:pPr marL="0" lvl="0" indent="0" algn="ctr" defTabSz="444500">
+            <a:lnSpc>
+              <a:spcPct val="90000"/>
+            </a:lnSpc>
+            <a:spcBef>
+              <a:spcPct val="0"/>
+            </a:spcBef>
+            <a:spcAft>
+              <a:spcPct val="35000"/>
+            </a:spcAft>
+            <a:buNone/>
+          </a:pPr>
+          <a:r>
+            <a:rPr lang="en-US" sz="1000" kern="1200" dirty="0"/>
+            <a:t>Complete Portal and Repository set-up</a:t>
+          </a:r>
+        </a:p>
+      </dsp:txBody>
+      <dsp:txXfrm>
+        <a:off x="1522132" y="4587432"/>
+        <a:ext cx="1331517" cy="631590"/>
+      </dsp:txXfrm>
+    </dsp:sp>
+    <dsp:sp modelId="{DCF67E6F-CF1B-4F84-85D1-09AB44F808F2}">
+      <dsp:nvSpPr>
+        <dsp:cNvPr id="0" name=""/>
+        <dsp:cNvSpPr/>
+      </dsp:nvSpPr>
+      <dsp:spPr>
+        <a:xfrm>
+          <a:off x="844261" y="3143751"/>
+          <a:ext cx="1399853" cy="699926"/>
+        </a:xfrm>
+        <a:prstGeom prst="roundRect">
+          <a:avLst/>
+        </a:prstGeom>
+        <a:solidFill>
+          <a:schemeClr val="accent1">
+            <a:hueOff val="0"/>
+            <a:satOff val="0"/>
+            <a:lumOff val="0"/>
+            <a:alphaOff val="0"/>
+          </a:schemeClr>
+        </a:solidFill>
+        <a:ln>
+          <a:noFill/>
+        </a:ln>
+        <a:effectLst/>
+        <a:sp3d extrusionH="50600" prstMaterial="metal">
+          <a:bevelT w="101600" h="80600" prst="relaxedInset"/>
+          <a:bevelB w="80600" h="80600" prst="relaxedInset"/>
+        </a:sp3d>
+      </dsp:spPr>
+      <dsp:style>
+        <a:lnRef idx="0">
+          <a:scrgbClr r="0" g="0" b="0"/>
+        </a:lnRef>
+        <a:fillRef idx="1">
+          <a:scrgbClr r="0" g="0" b="0"/>
+        </a:fillRef>
+        <a:effectRef idx="1">
+          <a:scrgbClr r="0" g="0" b="0"/>
+        </a:effectRef>
+        <a:fontRef idx="minor">
+          <a:schemeClr val="dk1"/>
+        </a:fontRef>
+      </dsp:style>
+      <dsp:txBody>
+        <a:bodyPr spcFirstLastPara="0" vert="horz" wrap="square" lIns="38100" tIns="38100" rIns="38100" bIns="38100" numCol="1" spcCol="1270" anchor="ctr" anchorCtr="0">
+          <a:noAutofit/>
+        </a:bodyPr>
+        <a:lstStyle/>
+        <a:p>
+          <a:pPr marL="0" lvl="0" indent="0" algn="ctr" defTabSz="444500">
+            <a:lnSpc>
+              <a:spcPct val="90000"/>
+            </a:lnSpc>
+            <a:spcBef>
+              <a:spcPct val="0"/>
+            </a:spcBef>
+            <a:spcAft>
+              <a:spcPct val="35000"/>
+            </a:spcAft>
+            <a:buNone/>
+          </a:pPr>
+          <a:r>
+            <a:rPr lang="en-US" sz="1000" kern="1200" dirty="0"/>
+            <a:t>Capture Data</a:t>
+          </a:r>
+        </a:p>
+      </dsp:txBody>
+      <dsp:txXfrm>
+        <a:off x="878429" y="3177919"/>
+        <a:ext cx="1331517" cy="631590"/>
+      </dsp:txXfrm>
+    </dsp:sp>
+    <dsp:sp modelId="{8D171C0A-C2C0-421B-BD77-F79243E72206}">
+      <dsp:nvSpPr>
+        <dsp:cNvPr id="0" name=""/>
+        <dsp:cNvSpPr/>
+      </dsp:nvSpPr>
+      <dsp:spPr>
+        <a:xfrm>
+          <a:off x="1064784" y="1609981"/>
+          <a:ext cx="1399853" cy="699926"/>
+        </a:xfrm>
+        <a:prstGeom prst="roundRect">
+          <a:avLst/>
+        </a:prstGeom>
+        <a:solidFill>
+          <a:schemeClr val="accent1">
+            <a:hueOff val="0"/>
+            <a:satOff val="0"/>
+            <a:lumOff val="0"/>
+            <a:alphaOff val="0"/>
+          </a:schemeClr>
+        </a:solidFill>
+        <a:ln>
+          <a:noFill/>
+        </a:ln>
+        <a:effectLst/>
+        <a:sp3d extrusionH="50600" prstMaterial="metal">
+          <a:bevelT w="101600" h="80600" prst="relaxedInset"/>
+          <a:bevelB w="80600" h="80600" prst="relaxedInset"/>
+        </a:sp3d>
+      </dsp:spPr>
+      <dsp:style>
+        <a:lnRef idx="0">
+          <a:scrgbClr r="0" g="0" b="0"/>
+        </a:lnRef>
+        <a:fillRef idx="1">
+          <a:scrgbClr r="0" g="0" b="0"/>
+        </a:fillRef>
+        <a:effectRef idx="1">
+          <a:scrgbClr r="0" g="0" b="0"/>
+        </a:effectRef>
+        <a:fontRef idx="minor">
+          <a:schemeClr val="dk1"/>
+        </a:fontRef>
+      </dsp:style>
+      <dsp:txBody>
+        <a:bodyPr spcFirstLastPara="0" vert="horz" wrap="square" lIns="38100" tIns="38100" rIns="38100" bIns="38100" numCol="1" spcCol="1270" anchor="ctr" anchorCtr="0">
+          <a:noAutofit/>
+        </a:bodyPr>
+        <a:lstStyle/>
+        <a:p>
+          <a:pPr marL="0" lvl="0" indent="0" algn="ctr" defTabSz="444500">
+            <a:lnSpc>
+              <a:spcPct val="90000"/>
+            </a:lnSpc>
+            <a:spcBef>
+              <a:spcPct val="0"/>
+            </a:spcBef>
+            <a:spcAft>
+              <a:spcPct val="35000"/>
+            </a:spcAft>
+            <a:buNone/>
+          </a:pPr>
+          <a:r>
+            <a:rPr lang="en-US" sz="1000" kern="1200" dirty="0"/>
+            <a:t>Embed EA data management process to ensure data is maintained</a:t>
+          </a:r>
+        </a:p>
+      </dsp:txBody>
+      <dsp:txXfrm>
+        <a:off x="1098952" y="1644149"/>
+        <a:ext cx="1331517" cy="631590"/>
+      </dsp:txXfrm>
+    </dsp:sp>
+    <dsp:sp modelId="{762CDA6D-602D-432A-B00C-96E0F4487BAB}">
+      <dsp:nvSpPr>
+        <dsp:cNvPr id="0" name=""/>
+        <dsp:cNvSpPr/>
+      </dsp:nvSpPr>
+      <dsp:spPr>
+        <a:xfrm>
+          <a:off x="2079518" y="438916"/>
+          <a:ext cx="1399853" cy="699926"/>
+        </a:xfrm>
+        <a:prstGeom prst="roundRect">
+          <a:avLst/>
+        </a:prstGeom>
+        <a:solidFill>
+          <a:schemeClr val="accent1">
+            <a:hueOff val="0"/>
+            <a:satOff val="0"/>
+            <a:lumOff val="0"/>
+            <a:alphaOff val="0"/>
+          </a:schemeClr>
+        </a:solidFill>
+        <a:ln>
+          <a:noFill/>
+        </a:ln>
+        <a:effectLst/>
+        <a:sp3d extrusionH="50600" prstMaterial="metal">
+          <a:bevelT w="101600" h="80600" prst="relaxedInset"/>
+          <a:bevelB w="80600" h="80600" prst="relaxedInset"/>
+        </a:sp3d>
+      </dsp:spPr>
+      <dsp:style>
+        <a:lnRef idx="0">
+          <a:scrgbClr r="0" g="0" b="0"/>
+        </a:lnRef>
+        <a:fillRef idx="1">
+          <a:scrgbClr r="0" g="0" b="0"/>
+        </a:fillRef>
+        <a:effectRef idx="1">
+          <a:scrgbClr r="0" g="0" b="0"/>
+        </a:effectRef>
+        <a:fontRef idx="minor">
+          <a:schemeClr val="dk1"/>
+        </a:fontRef>
+      </dsp:style>
+      <dsp:txBody>
+        <a:bodyPr spcFirstLastPara="0" vert="horz" wrap="square" lIns="38100" tIns="38100" rIns="38100" bIns="38100" numCol="1" spcCol="1270" anchor="ctr" anchorCtr="0">
+          <a:noAutofit/>
+        </a:bodyPr>
+        <a:lstStyle/>
+        <a:p>
+          <a:pPr marL="0" lvl="0" indent="0" algn="ctr" defTabSz="444500">
+            <a:lnSpc>
+              <a:spcPct val="90000"/>
+            </a:lnSpc>
+            <a:spcBef>
+              <a:spcPct val="0"/>
+            </a:spcBef>
+            <a:spcAft>
+              <a:spcPct val="35000"/>
+            </a:spcAft>
+            <a:buNone/>
+          </a:pPr>
+          <a:r>
+            <a:rPr lang="en-US" sz="1000" kern="1200" dirty="0"/>
+            <a:t>Measure value</a:t>
+          </a:r>
+        </a:p>
+      </dsp:txBody>
+      <dsp:txXfrm>
+        <a:off x="2113686" y="473084"/>
+        <a:ext cx="1331517" cy="631590"/>
+      </dsp:txXfrm>
+    </dsp:sp>
+  </dsp:spTree>
+</dsp:drawing>
+</file>
+
+<file path=ppt/diagrams/layout1.xml><?xml version="1.0" encoding="utf-8"?>
+<dgm:layoutDef xmlns:dgm="http://schemas.openxmlformats.org/drawingml/2006/diagram" xmlns:a="http://schemas.openxmlformats.org/drawingml/2006/main" uniqueId="urn:microsoft.com/office/officeart/2005/8/layout/cycle3">
+  <dgm:title val=""/>
+  <dgm:desc val=""/>
+  <dgm:catLst>
+    <dgm:cat type="cycle" pri="5000"/>
+  </dgm:catLst>
+  <dgm:sampData>
+    <dgm:dataModel>
+      <dgm:ptLst>
+        <dgm:pt modelId="0" type="doc"/>
+        <dgm:pt modelId="1">
+          <dgm:prSet phldr="1"/>
+        </dgm:pt>
+        <dgm:pt modelId="2">
+          <dgm:prSet phldr="1"/>
+        </dgm:pt>
+        <dgm:pt modelId="3">
+          <dgm:prSet phldr="1"/>
+        </dgm:pt>
+        <dgm:pt modelId="4">
+          <dgm:prSet phldr="1"/>
+        </dgm:pt>
+        <dgm:pt modelId="5">
+          <dgm:prSet phldr="1"/>
+        </dgm:pt>
+      </dgm:ptLst>
+      <dgm:cxnLst>
+        <dgm:cxn modelId="6" srcId="0" destId="1" srcOrd="0" destOrd="0"/>
+        <dgm:cxn modelId="7" srcId="0" destId="2" srcOrd="1" destOrd="0"/>
+        <dgm:cxn modelId="8" srcId="0" destId="3" srcOrd="2" destOrd="0"/>
+        <dgm:cxn modelId="9" srcId="0" destId="4" srcOrd="3" destOrd="0"/>
+        <dgm:cxn modelId="10" srcId="0" destId="5" srcOrd="4" destOrd="0"/>
+      </dgm:cxnLst>
+      <dgm:bg/>
+      <dgm:whole/>
+    </dgm:dataModel>
+  </dgm:sampData>
+  <dgm:styleData>
+    <dgm:dataModel>
+      <dgm:ptLst>
+        <dgm:pt modelId="0" type="doc"/>
+        <dgm:pt modelId="1"/>
+        <dgm:pt modelId="2"/>
+        <dgm:pt modelId="3"/>
+      </dgm:ptLst>
+      <dgm:cxnLst>
+        <dgm:cxn modelId="4" srcId="0" destId="1" srcOrd="0" destOrd="0"/>
+        <dgm:cxn modelId="5" srcId="0" destId="2" srcOrd="1" destOrd="0"/>
+        <dgm:cxn modelId="6" srcId="0" destId="3" srcOrd="2" destOrd="0"/>
+      </dgm:cxnLst>
+      <dgm:bg/>
+      <dgm:whole/>
+    </dgm:dataModel>
+  </dgm:styleData>
+  <dgm:clrData>
+    <dgm:dataModel>
+      <dgm:ptLst>
+        <dgm:pt modelId="0" type="doc"/>
+        <dgm:pt modelId="1"/>
+        <dgm:pt modelId="2"/>
+        <dgm:pt modelId="3"/>
+        <dgm:pt modelId="4"/>
+        <dgm:pt modelId="5"/>
+        <dgm:pt modelId="6"/>
+      </dgm:ptLst>
+      <dgm:cxnLst>
+        <dgm:cxn modelId="7" srcId="0" destId="1" srcOrd="0" destOrd="0"/>
+        <dgm:cxn modelId="8" srcId="0" destId="2" srcOrd="1" destOrd="0"/>
+        <dgm:cxn modelId="9" srcId="0" destId="3" srcOrd="2" destOrd="0"/>
+        <dgm:cxn modelId="10" srcId="0" destId="4" srcOrd="3" destOrd="0"/>
+        <dgm:cxn modelId="11" srcId="0" destId="5" srcOrd="4" destOrd="0"/>
+        <dgm:cxn modelId="12" srcId="0" destId="6" srcOrd="5" destOrd="0"/>
+      </dgm:cxnLst>
+      <dgm:bg/>
+      <dgm:whole/>
+    </dgm:dataModel>
+  </dgm:clrData>
+  <dgm:layoutNode name="Name0">
+    <dgm:varLst>
+      <dgm:dir/>
+      <dgm:resizeHandles val="exact"/>
+    </dgm:varLst>
+    <dgm:choose name="Name1">
+      <dgm:if name="Name2" axis="ch" ptType="node" func="cnt" op="equ" val="2">
+        <dgm:alg type="composite">
+          <dgm:param type="ar" val="0.9"/>
+        </dgm:alg>
+        <dgm:shape xmlns:r="http://schemas.openxmlformats.org/officeDocument/2006/relationships" r:blip="">
+          <dgm:adjLst/>
+        </dgm:shape>
+        <dgm:presOf/>
+        <dgm:constrLst>
+          <dgm:constr type="primFontSz" for="ch" ptType="node" op="equ" val="65"/>
+          <dgm:constr type="ctrX" for="ch" forName="node1" refType="w" fact="0.5"/>
+          <dgm:constr type="t" for="ch" forName="node1"/>
+          <dgm:constr type="w" for="ch" forName="node1" refType="w" fact="0.8"/>
+          <dgm:constr type="h" for="ch" forName="node1" refType="w" refFor="ch" refForName="node1" fact="0.5"/>
+          <dgm:constr type="ctrX" for="ch" forName="sibTrans" refType="w" fact="0.5"/>
+          <dgm:constr type="t" for="ch" forName="sibTrans"/>
+          <dgm:constr type="w" for="ch" forName="sibTrans" refType="w" fact="0.8"/>
+          <dgm:constr type="h" for="ch" forName="sibTrans" refType="w" refFor="ch" refForName="node1" fact="0.5"/>
+          <dgm:constr type="userA" for="ch" forName="sibTrans" refType="w" fact="1.07"/>
+          <dgm:constr type="ctrX" for="ch" forName="node2" refType="w" fact="0.5"/>
+          <dgm:constr type="b" for="ch" forName="node2" refType="h"/>
+          <dgm:constr type="w" for="ch" forName="node2" refType="w" fact="0.8"/>
+          <dgm:constr type="h" for="ch" forName="node2" refType="w" refFor="ch" refForName="node1" fact="0.5"/>
+          <dgm:constr type="l" for="ch" forName="sp1"/>
+          <dgm:constr type="t" for="ch" forName="sp1" refType="h" fact="0.5"/>
+          <dgm:constr type="w" for="ch" forName="sp1" val="1"/>
+          <dgm:constr type="h" for="ch" forName="sp1" val="1"/>
+          <dgm:constr type="r" for="ch" forName="sp2" refType="w"/>
+          <dgm:constr type="t" for="ch" forName="sp2" refType="h" fact="0.5"/>
+          <dgm:constr type="w" for="ch" forName="sp2" val="1"/>
+          <dgm:constr type="h" for="ch" forName="sp2" val="1"/>
+        </dgm:constrLst>
+        <dgm:ruleLst/>
+      </dgm:if>
+      <dgm:else name="Name3">
+        <dgm:alg type="composite"/>
+        <dgm:shape xmlns:r="http://schemas.openxmlformats.org/officeDocument/2006/relationships" r:blip="">
+          <dgm:adjLst/>
+        </dgm:shape>
+        <dgm:presOf/>
+        <dgm:constrLst>
+          <dgm:constr type="primFontSz" for="ch" ptType="node" op="equ" val="65"/>
+        </dgm:constrLst>
+        <dgm:ruleLst/>
+      </dgm:else>
+    </dgm:choose>
+    <dgm:choose name="Name4">
+      <dgm:if name="Name5" axis="ch" ptType="node" func="cnt" op="equ" val="2">
+        <dgm:layoutNode name="node1">
+          <dgm:varLst>
+            <dgm:bulletEnabled val="1"/>
+          </dgm:varLst>
+          <dgm:alg type="tx"/>
+          <dgm:shape xmlns:r="http://schemas.openxmlformats.org/officeDocument/2006/relationships" type="roundRect" r:blip="">
+            <dgm:adjLst/>
+          </dgm:shape>
+          <dgm:presOf axis="ch desOrSelf" ptType="node node" st="1 1" cnt="1 0"/>
+          <dgm:constrLst>
+            <dgm:constr type="tMarg" refType="primFontSz" fact="0.3"/>
+            <dgm:constr type="bMarg" refType="primFontSz" fact="0.3"/>
+            <dgm:constr type="lMarg" refType="primFontSz" fact="0.3"/>
+            <dgm:constr type="rMarg" refType="primFontSz" fact="0.3"/>
+          </dgm:constrLst>
+          <dgm:ruleLst>
+            <dgm:rule type="primFontSz" val="5" fact="NaN" max="NaN"/>
+          </dgm:ruleLst>
+        </dgm:layoutNode>
+        <dgm:layoutNode name="sibTrans" styleLbl="bgShp">
+          <dgm:choose name="Name6">
+            <dgm:if name="Name7" func="var" arg="dir" op="equ" val="norm">
+              <dgm:alg type="conn">
+                <dgm:param type="connRout" val="longCurve"/>
+                <dgm:param type="begPts" val="midR"/>
+                <dgm:param type="endPts" val="midL"/>
+                <dgm:param type="dstNode" val="node1"/>
+              </dgm:alg>
+              <dgm:shape xmlns:r="http://schemas.openxmlformats.org/officeDocument/2006/relationships" type="conn" r:blip="" zOrderOff="-2">
+                <dgm:adjLst/>
+              </dgm:shape>
+              <dgm:presOf axis="ch" ptType="sibTrans"/>
+              <dgm:constrLst>
+                <dgm:constr type="userA"/>
+                <dgm:constr type="diam" refType="userA" fact="-1"/>
+                <dgm:constr type="wArH" refType="userA" fact="0.05"/>
+                <dgm:constr type="hArH" refType="userA" fact="0.1"/>
+                <dgm:constr type="stemThick" refType="userA" fact="0.06"/>
+                <dgm:constr type="begPad" refType="connDist" fact="-0.2"/>
+                <dgm:constr type="endPad" refType="connDist" fact="0.05"/>
+              </dgm:constrLst>
+            </dgm:if>
+            <dgm:else name="Name8">
+              <dgm:alg type="conn">
+                <dgm:param type="connRout" val="longCurve"/>
+                <dgm:param type="begPts" val="midL"/>
+                <dgm:param type="endPts" val="midR"/>
+                <dgm:param type="dstNode" val="node1"/>
+              </dgm:alg>
+              <dgm:shape xmlns:r="http://schemas.openxmlformats.org/officeDocument/2006/relationships" type="conn" r:blip="" zOrderOff="-2">
+                <dgm:adjLst/>
+              </dgm:shape>
+              <dgm:presOf axis="ch" ptType="sibTrans"/>
+              <dgm:constrLst>
+                <dgm:constr type="userA"/>
+                <dgm:constr type="diam" refType="userA"/>
+                <dgm:constr type="wArH" refType="userA" fact="0.05"/>
+                <dgm:constr type="hArH" refType="userA" fact="0.1"/>
+                <dgm:constr type="stemThick" refType="userA" fact="0.06"/>
+                <dgm:constr type="begPad" refType="connDist" fact="-0.2"/>
+                <dgm:constr type="endPad" refType="connDist" fact="0.05"/>
+              </dgm:constrLst>
+            </dgm:else>
+          </dgm:choose>
+          <dgm:ruleLst/>
+        </dgm:layoutNode>
+        <dgm:layoutNode name="node2">
+          <dgm:varLst>
+            <dgm:bulletEnabled val="1"/>
+          </dgm:varLst>
+          <dgm:alg type="tx"/>
+          <dgm:shape xmlns:r="http://schemas.openxmlformats.org/officeDocument/2006/relationships" type="roundRect" r:blip="">
+            <dgm:adjLst/>
+          </dgm:shape>
+          <dgm:presOf axis="ch desOrSelf" ptType="node node" st="2 1" cnt="1 0"/>
+          <dgm:constrLst>
+            <dgm:constr type="tMarg" refType="primFontSz" fact="0.3"/>
+            <dgm:constr type="bMarg" refType="primFontSz" fact="0.3"/>
+            <dgm:constr type="lMarg" refType="primFontSz" fact="0.3"/>
+            <dgm:constr type="rMarg" refType="primFontSz" fact="0.3"/>
+          </dgm:constrLst>
+          <dgm:ruleLst>
+            <dgm:rule type="primFontSz" val="5" fact="NaN" max="NaN"/>
+          </dgm:ruleLst>
+        </dgm:layoutNode>
+        <dgm:layoutNode name="sp1">
+          <dgm:alg type="sp"/>
+          <dgm:shape xmlns:r="http://schemas.openxmlformats.org/officeDocument/2006/relationships" r:blip="">
+            <dgm:adjLst/>
+          </dgm:shape>
+          <dgm:presOf/>
+          <dgm:constrLst/>
+          <dgm:ruleLst/>
+        </dgm:layoutNode>
+        <dgm:layoutNode name="sp2">
+          <dgm:alg type="sp"/>
+          <dgm:shape xmlns:r="http://schemas.openxmlformats.org/officeDocument/2006/relationships" r:blip="">
+            <dgm:adjLst/>
+          </dgm:shape>
+          <dgm:presOf/>
+          <dgm:constrLst/>
+          <dgm:ruleLst/>
+        </dgm:layoutNode>
+      </dgm:if>
+      <dgm:else name="Name9">
+        <dgm:layoutNode name="cycle">
+          <dgm:choose name="Name10">
+            <dgm:if name="Name11" func="var" arg="dir" op="equ" val="norm">
+              <dgm:alg type="cycle">
+                <dgm:param type="stAng" val="0"/>
+                <dgm:param type="spanAng" val="360"/>
+              </dgm:alg>
+              <dgm:shape xmlns:r="http://schemas.openxmlformats.org/officeDocument/2006/relationships" r:blip="">
+                <dgm:adjLst/>
+              </dgm:shape>
+              <dgm:presOf/>
+              <dgm:constrLst>
+                <dgm:constr type="diam" refType="w"/>
+                <dgm:constr type="w" for="ch" ptType="node" refType="w"/>
+                <dgm:constr type="sibSp" val="15"/>
+                <dgm:constr type="userA" for="ch" ptType="sibTrans" refType="diam" op="equ" fact="-1"/>
+                <dgm:constr type="wArH" for="ch" ptType="sibTrans" refType="diam" op="equ" fact="0.05"/>
+                <dgm:constr type="hArH" for="ch" ptType="sibTrans" refType="diam" op="equ" fact="0.1"/>
+                <dgm:constr type="stemThick" for="ch" ptType="sibTrans" refType="diam" op="equ" fact="0.065"/>
+                <dgm:constr type="primFontSz" for="ch" ptType="node" op="equ"/>
+              </dgm:constrLst>
+            </dgm:if>
+            <dgm:else name="Name12">
+              <dgm:alg type="cycle">
+                <dgm:param type="stAng" val="0"/>
+                <dgm:param type="spanAng" val="-360"/>
+              </dgm:alg>
+              <dgm:shape xmlns:r="http://schemas.openxmlformats.org/officeDocument/2006/relationships" r:blip="">
+                <dgm:adjLst/>
+              </dgm:shape>
+              <dgm:presOf/>
+              <dgm:constrLst>
+                <dgm:constr type="diam" refType="w"/>
+                <dgm:constr type="w" for="ch" ptType="node" refType="w"/>
+                <dgm:constr type="sibSp" val="15"/>
+                <dgm:constr type="userA" for="ch" ptType="sibTrans" refType="diam" op="equ"/>
+                <dgm:constr type="wArH" for="ch" ptType="sibTrans" refType="diam" op="equ" fact="0.05"/>
+                <dgm:constr type="hArH" for="ch" ptType="sibTrans" refType="diam" op="equ" fact="0.1"/>
+                <dgm:constr type="stemThick" for="ch" ptType="sibTrans" refType="diam" op="equ" fact="0.065"/>
+                <dgm:constr type="primFontSz" for="ch" ptType="node" op="equ"/>
+              </dgm:constrLst>
+            </dgm:else>
+          </dgm:choose>
+          <dgm:ruleLst/>
+          <dgm:forEach name="nodesFirstNodeForEach" axis="ch" ptType="node" cnt="1">
+            <dgm:layoutNode name="nodeFirstNode">
+              <dgm:varLst>
+                <dgm:bulletEnabled val="1"/>
+              </dgm:varLst>
+              <dgm:alg type="tx"/>
+              <dgm:shape xmlns:r="http://schemas.openxmlformats.org/officeDocument/2006/relationships" type="roundRect" r:blip="">
+                <dgm:adjLst/>
+              </dgm:shape>
+              <dgm:presOf axis="desOrSelf" ptType="node"/>
+              <dgm:constrLst>
+                <dgm:constr type="h" refType="w" fact="0.5"/>
+                <dgm:constr type="primFontSz" val="65"/>
+                <dgm:constr type="tMarg" refType="primFontSz" fact="0.3"/>
+                <dgm:constr type="bMarg" refType="primFontSz" fact="0.3"/>
+                <dgm:constr type="lMarg" refType="primFontSz" fact="0.3"/>
+                <dgm:constr type="rMarg" refType="primFontSz" fact="0.3"/>
+              </dgm:constrLst>
+              <dgm:ruleLst>
+                <dgm:rule type="primFontSz" val="5" fact="NaN" max="NaN"/>
+              </dgm:ruleLst>
+            </dgm:layoutNode>
+            <dgm:forEach name="sibTransForEach" axis="followSib" ptType="sibTrans" cnt="1">
+              <dgm:layoutNode name="sibTransFirstNode" styleLbl="bgShp">
+                <dgm:choose name="Name13">
+                  <dgm:if name="Name14" func="var" arg="dir" op="equ" val="norm">
+                    <dgm:alg type="conn">
+                      <dgm:param type="connRout" val="longCurve"/>
+                      <dgm:param type="begPts" val="midR"/>
+                      <dgm:param type="endPts" val="midL"/>
+                      <dgm:param type="dstNode" val="nodeFirstNode"/>
+                    </dgm:alg>
+                  </dgm:if>
+                  <dgm:else name="Name15">
+                    <dgm:alg type="conn">
+                      <dgm:param type="connRout" val="longCurve"/>
+                      <dgm:param type="begPts" val="midL"/>
+                      <dgm:param type="endPts" val="midR"/>
+                      <dgm:param type="dstNode" val="nodeFirstNode"/>
+                    </dgm:alg>
+                  </dgm:else>
+                </dgm:choose>
+                <dgm:shape xmlns:r="http://schemas.openxmlformats.org/officeDocument/2006/relationships" type="conn" r:blip="" zOrderOff="-2">
+                  <dgm:adjLst/>
+                </dgm:shape>
+                <dgm:presOf axis="self"/>
+                <dgm:choose name="Name16">
+                  <dgm:if name="Name17" axis="par ch" ptType="doc node" func="cnt" op="equ" val="3">
+                    <dgm:constrLst>
+                      <dgm:constr type="userA"/>
+                      <dgm:constr type="diam" refType="userA" fact="1.01"/>
+                      <dgm:constr type="begPad" refType="connDist" fact="-0.2"/>
+                      <dgm:constr type="endPad" refType="connDist" fact="0.05"/>
+                    </dgm:constrLst>
+                  </dgm:if>
+                  <dgm:if name="Name18" axis="par ch" ptType="doc node" func="cnt" op="equ" val="4">
+                    <dgm:constrLst>
+                      <dgm:constr type="userA"/>
+                      <dgm:constr type="diam" refType="userA" fact="1.26"/>
+                      <dgm:constr type="begPad" refType="connDist" fact="-0.2"/>
+                      <dgm:constr type="endPad" refType="connDist" fact="0.05"/>
+                    </dgm:constrLst>
+                  </dgm:if>
+                  <dgm:if name="Name19" axis="par ch" ptType="doc node" func="cnt" op="equ" val="5">
+                    <dgm:constrLst>
+                      <dgm:constr type="userA"/>
+                      <dgm:constr type="diam" refType="userA" fact="1.04"/>
+                      <dgm:constr type="begPad" refType="connDist" fact="-0.2"/>
+                      <dgm:constr type="endPad" refType="connDist" fact="0.05"/>
+                    </dgm:constrLst>
+                  </dgm:if>
+                  <dgm:if name="Name20" axis="par ch" ptType="doc node" func="cnt" op="equ" val="6">
+                    <dgm:constrLst>
+                      <dgm:constr type="userA"/>
+                      <dgm:constr type="diam" refType="userA" fact="1.1"/>
+                      <dgm:constr type="begPad" refType="connDist" fact="-0.2"/>
+                      <dgm:constr type="endPad" refType="connDist" fact="0.05"/>
+                    </dgm:constrLst>
+                  </dgm:if>
+                  <dgm:else name="Name21">
+                    <dgm:constrLst>
+                      <dgm:constr type="userA"/>
+                      <dgm:constr type="diam" refType="userA" fact="1.04"/>
+                      <dgm:constr type="begPad" refType="connDist" fact="-0.2"/>
+                      <dgm:constr type="endPad" refType="connDist" fact="0.05"/>
+                    </dgm:constrLst>
+                  </dgm:else>
+                </dgm:choose>
+                <dgm:ruleLst/>
+              </dgm:layoutNode>
+            </dgm:forEach>
+          </dgm:forEach>
+          <dgm:forEach name="followingNodesForEach" axis="ch" ptType="node" st="2">
+            <dgm:layoutNode name="nodeFollowingNodes">
+              <dgm:varLst>
+                <dgm:bulletEnabled val="1"/>
+              </dgm:varLst>
+              <dgm:alg type="tx"/>
+              <dgm:shape xmlns:r="http://schemas.openxmlformats.org/officeDocument/2006/relationships" type="roundRect" r:blip="">
+                <dgm:adjLst/>
+              </dgm:shape>
+              <dgm:presOf axis="desOrSelf" ptType="node"/>
+              <dgm:constrLst>
+                <dgm:constr type="h" refType="w" fact="0.5"/>
+                <dgm:constr type="primFontSz" val="65"/>
+                <dgm:constr type="tMarg" refType="primFontSz" fact="0.3"/>
+                <dgm:constr type="bMarg" refType="primFontSz" fact="0.3"/>
+                <dgm:constr type="lMarg" refType="primFontSz" fact="0.3"/>
+                <dgm:constr type="rMarg" refType="primFontSz" fact="0.3"/>
+              </dgm:constrLst>
+              <dgm:ruleLst>
+                <dgm:rule type="primFontSz" val="5" fact="NaN" max="NaN"/>
+              </dgm:ruleLst>
+            </dgm:layoutNode>
+          </dgm:forEach>
+        </dgm:layoutNode>
+      </dgm:else>
+    </dgm:choose>
+  </dgm:layoutNode>
+</dgm:layoutDef>
+</file>
+
+<file path=ppt/diagrams/quickStyle1.xml><?xml version="1.0" encoding="utf-8"?>
+<dgm:styleDef xmlns:dgm="http://schemas.openxmlformats.org/drawingml/2006/diagram" xmlns:a="http://schemas.openxmlformats.org/drawingml/2006/main" uniqueId="urn:microsoft.com/office/officeart/2005/8/quickstyle/3d7">
+  <dgm:title val=""/>
+  <dgm:desc val=""/>
+  <dgm:catLst>
+    <dgm:cat type="3D" pri="11700"/>
+  </dgm:catLst>
+  <dgm:scene3d>
+    <a:camera prst="perspectiveLeft" zoom="91000"/>
+    <a:lightRig rig="threePt" dir="t">
+      <a:rot lat="0" lon="0" rev="20640000"/>
+    </a:lightRig>
+  </dgm:scene3d>
+  <dgm:styleLbl name="node0">
+    <dgm:scene3d>
+      <a:camera prst="orthographicFront"/>
+      <a:lightRig rig="threePt" dir="t"/>
+    </dgm:scene3d>
+    <dgm:sp3d extrusionH="50600" prstMaterial="plastic">
+      <a:bevelT w="101600" h="80600" prst="relaxedInset"/>
+      <a:bevelB w="80600" h="80600" prst="relaxedInset"/>
+    </dgm:sp3d>
+    <dgm:txPr/>
+    <dgm:style>
+      <a:lnRef idx="0">
+        <a:scrgbClr r="0" g="0" b="0"/>
+      </a:lnRef>
+      <a:fillRef idx="1">
+        <a:scrgbClr r="0" g="0" b="0"/>
+      </a:fillRef>
+      <a:effectRef idx="1">
+        <a:scrgbClr r="0" g="0" b="0"/>
+      </a:effectRef>
+      <a:fontRef idx="minor">
+        <a:schemeClr val="dk1"/>
+      </a:fontRef>
+    </dgm:style>
+  </dgm:styleLbl>
+  <dgm:styleLbl name="lnNode1">
+    <dgm:scene3d>
+      <a:camera prst="orthographicFront"/>
+      <a:lightRig rig="threePt" dir="t"/>
+    </dgm:scene3d>
+    <dgm:sp3d extrusionH="50600" prstMaterial="plastic">
+      <a:bevelT w="101600" h="80600" prst="relaxedInset"/>
+      <a:bevelB w="80600" h="80600" prst="relaxedInset"/>
+    </dgm:sp3d>
+    <dgm:txPr/>
+    <dgm:style>
+      <a:lnRef idx="0">
+        <a:scrgbClr r="0" g="0" b="0"/>
+      </a:lnRef>
+      <a:fillRef idx="1">
+        <a:scrgbClr r="0" g="0" b="0"/>
+      </a:fillRef>
+      <a:effectRef idx="1">
+        <a:scrgbClr r="0" g="0" b="0"/>
+      </a:effectRef>
+      <a:fontRef idx="minor">
+        <a:schemeClr val="dk1"/>
+      </a:fontRef>
+    </dgm:style>
+  </dgm:styleLbl>
+  <dgm:styleLbl name="vennNode1">
+    <dgm:scene3d>
+      <a:camera prst="orthographicFront"/>
+      <a:lightRig rig="threePt" dir="t"/>
+    </dgm:scene3d>
+    <dgm:sp3d extrusionH="50600" prstMaterial="clear">
+      <a:bevelT w="101600" h="80600" prst="relaxedInset"/>
+      <a:bevelB w="80600" h="80600" prst="relaxedInset"/>
+    </dgm:sp3d>
+    <dgm:txPr/>
+    <dgm:style>
+      <a:lnRef idx="0">
+        <a:scrgbClr r="0" g="0" b="0"/>
+      </a:lnRef>
+      <a:fillRef idx="1">
+        <a:scrgbClr r="0" g="0" b="0"/>
+      </a:fillRef>
+      <a:effectRef idx="0">
+        <a:scrgbClr r="0" g="0" b="0"/>
+      </a:effectRef>
+      <a:fontRef idx="minor">
+        <a:schemeClr val="tx1"/>
+      </a:fontRef>
+    </dgm:style>
+  </dgm:styleLbl>
+  <dgm:styleLbl name="alignNode1">
+    <dgm:scene3d>
+      <a:camera prst="orthographicFront"/>
+      <a:lightRig rig="threePt" dir="t"/>
+    </dgm:scene3d>
+    <dgm:sp3d extrusionH="50600" prstMaterial="metal">
+      <a:bevelT w="101600" h="80600" prst="relaxedInset"/>
+      <a:bevelB w="80600" h="80600" prst="relaxedInset"/>
+    </dgm:sp3d>
+    <dgm:txPr/>
+    <dgm:style>
+      <a:lnRef idx="1">
+        <a:scrgbClr r="0" g="0" b="0"/>
+      </a:lnRef>
+      <a:fillRef idx="1">
+        <a:scrgbClr r="0" g="0" b="0"/>
+      </a:fillRef>
+      <a:effectRef idx="1">
+        <a:scrgbClr r="0" g="0" b="0"/>
+      </a:effectRef>
+      <a:fontRef idx="minor">
+        <a:schemeClr val="dk1"/>
+      </a:fontRef>
+    </dgm:style>
+  </dgm:styleLbl>
+  <dgm:styleLbl name="node1">
+    <dgm:scene3d>
+      <a:camera prst="orthographicFront"/>
+      <a:lightRig rig="threePt" dir="t"/>
+    </dgm:scene3d>
+    <dgm:sp3d extrusionH="50600" prstMaterial="metal">
+      <a:bevelT w="101600" h="80600" prst="relaxedInset"/>
+      <a:bevelB w="80600" h="80600" prst="relaxedInset"/>
+    </dgm:sp3d>
+    <dgm:txPr/>
+    <dgm:style>
+      <a:lnRef idx="0">
+        <a:scrgbClr r="0" g="0" b="0"/>
+      </a:lnRef>
+      <a:fillRef idx="1">
+        <a:scrgbClr r="0" g="0" b="0"/>
+      </a:fillRef>
+      <a:effectRef idx="1">
+        <a:scrgbClr r="0" g="0" b="0"/>
+      </a:effectRef>
+      <a:fontRef idx="minor">
+        <a:schemeClr val="dk1"/>
+      </a:fontRef>
+    </dgm:style>
+  </dgm:styleLbl>
+  <dgm:styleLbl name="node2">
+    <dgm:scene3d>
+      <a:camera prst="orthographicFront"/>
+      <a:lightRig rig="threePt" dir="t"/>
+    </dgm:scene3d>
+    <dgm:sp3d extrusionH="50600" prstMaterial="plastic">
+      <a:bevelT w="101600" h="80600" prst="relaxedInset"/>
+      <a:bevelB w="80600" h="80600" prst="relaxedInset"/>
+    </dgm:sp3d>
+    <dgm:txPr/>
+    <dgm:style>
+      <a:lnRef idx="0">
+        <a:scrgbClr r="0" g="0" b="0"/>
+      </a:lnRef>
+      <a:fillRef idx="1">
+        <a:scrgbClr r="0" g="0" b="0"/>
+      </a:fillRef>
+      <a:effectRef idx="1">
+        <a:scrgbClr r="0" g="0" b="0"/>
+      </a:effectRef>
+      <a:fontRef idx="minor">
+        <a:schemeClr val="dk1"/>
+      </a:fontRef>
+    </dgm:style>
+  </dgm:styleLbl>
+  <dgm:styleLbl name="node3">
+    <dgm:scene3d>
+      <a:camera prst="orthographicFront"/>
+      <a:lightRig rig="threePt" dir="t"/>
+    </dgm:scene3d>
+    <dgm:sp3d extrusionH="50600" prstMaterial="plastic">
+      <a:bevelT w="101600" h="80600" prst="relaxedInset"/>
+      <a:bevelB w="80600" h="80600" prst="relaxedInset"/>
+    </dgm:sp3d>
+    <dgm:txPr/>
+    <dgm:style>
+      <a:lnRef idx="0">
+        <a:scrgbClr r="0" g="0" b="0"/>
+      </a:lnRef>
+      <a:fillRef idx="1">
+        <a:scrgbClr r="0" g="0" b="0"/>
+      </a:fillRef>
+      <a:effectRef idx="1">
+        <a:scrgbClr r="0" g="0" b="0"/>
+      </a:effectRef>
+      <a:fontRef idx="minor">
+        <a:schemeClr val="dk1"/>
+      </a:fontRef>
+    </dgm:style>
+  </dgm:styleLbl>
+  <dgm:styleLbl name="node4">
+    <dgm:scene3d>
+      <a:camera prst="orthographicFront"/>
+      <a:lightRig rig="threePt" dir="t"/>
+    </dgm:scene3d>
+    <dgm:sp3d extrusionH="50600" prstMaterial="plastic">
+      <a:bevelT w="101600" h="80600" prst="relaxedInset"/>
+      <a:bevelB w="80600" h="80600" prst="relaxedInset"/>
+    </dgm:sp3d>
+    <dgm:txPr/>
+    <dgm:style>
+      <a:lnRef idx="0">
+        <a:scrgbClr r="0" g="0" b="0"/>
+      </a:lnRef>
+      <a:fillRef idx="1">
+        <a:scrgbClr r="0" g="0" b="0"/>
+      </a:fillRef>
+      <a:effectRef idx="1">
+        <a:scrgbClr r="0" g="0" b="0"/>
+      </a:effectRef>
+      <a:fontRef idx="minor">
+        <a:schemeClr val="dk1"/>
+      </a:fontRef>
+    </dgm:style>
+  </dgm:styleLbl>
+  <dgm:styleLbl name="fgImgPlace1">
+    <dgm:scene3d>
+      <a:camera prst="orthographicFront"/>
+      <a:lightRig rig="threePt" dir="t"/>
+    </dgm:scene3d>
+    <dgm:sp3d z="57200" extrusionH="10600" prstMaterial="plastic">
+      <a:bevelT w="101600" h="8600" prst="relaxedInset"/>
+      <a:bevelB w="8600" h="8600" prst="relaxedInset"/>
+    </dgm:sp3d>
+    <dgm:txPr/>
+    <dgm:style>
+      <a:lnRef idx="0">
+        <a:scrgbClr r="0" g="0" b="0"/>
+      </a:lnRef>
+      <a:fillRef idx="1">
+        <a:scrgbClr r="0" g="0" b="0"/>
+      </a:fillRef>
+      <a:effectRef idx="1">
+        <a:scrgbClr r="0" g="0" b="0"/>
+      </a:effectRef>
+      <a:fontRef idx="minor"/>
+    </dgm:style>
+  </dgm:styleLbl>
+  <dgm:styleLbl name="alignImgPlace1">
+    <dgm:scene3d>
+      <a:camera prst="orthographicFront"/>
+      <a:lightRig rig="threePt" dir="t"/>
+    </dgm:scene3d>
+    <dgm:sp3d extrusionH="50600" prstMaterial="plastic">
+      <a:bevelT w="101600" h="80600" prst="relaxedInset"/>
+      <a:bevelB w="80600" h="80600" prst="relaxedInset"/>
+    </dgm:sp3d>
+    <dgm:txPr/>
+    <dgm:style>
+      <a:lnRef idx="0">
+        <a:scrgbClr r="0" g="0" b="0"/>
+      </a:lnRef>
+      <a:fillRef idx="1">
+        <a:scrgbClr r="0" g="0" b="0"/>
+      </a:fillRef>
+      <a:effectRef idx="1">
+        <a:scrgbClr r="0" g="0" b="0"/>
+      </a:effectRef>
+      <a:fontRef idx="minor"/>
+    </dgm:style>
+  </dgm:styleLbl>
+  <dgm:styleLbl name="bgImgPlace1">
+    <dgm:scene3d>
+      <a:camera prst="orthographicFront"/>
+      <a:lightRig rig="threePt" dir="t"/>
+    </dgm:scene3d>
+    <dgm:sp3d z="-211800" extrusionH="10600" prstMaterial="plastic">
+      <a:bevelT w="101600" h="8600" prst="relaxedInset"/>
+      <a:bevelB w="8600" h="8600" prst="relaxedInset"/>
+    </dgm:sp3d>
+    <dgm:txPr/>
+    <dgm:style>
+      <a:lnRef idx="0">
+        <a:scrgbClr r="0" g="0" b="0"/>
+      </a:lnRef>
+      <a:fillRef idx="1">
+        <a:scrgbClr r="0" g="0" b="0"/>
+      </a:fillRef>
+      <a:effectRef idx="1">
+        <a:scrgbClr r="0" g="0" b="0"/>
+      </a:effectRef>
+      <a:fontRef idx="minor"/>
+    </dgm:style>
+  </dgm:styleLbl>
+  <dgm:styleLbl name="sibTrans2D1">
+    <dgm:scene3d>
+      <a:camera prst="orthographicFront"/>
+      <a:lightRig rig="threePt" dir="t"/>
+    </dgm:scene3d>
+    <dgm:sp3d z="-110000">
+      <a:bevelT w="40600" h="20600" prst="relaxedInset"/>
+    </dgm:sp3d>
+    <dgm:txPr/>
+    <dgm:style>
+      <a:lnRef idx="0">
+        <a:scrgbClr r="0" g="0" b="0"/>
+      </a:lnRef>
+      <a:fillRef idx="1">
+        <a:scrgbClr r="0" g="0" b="0"/>
+      </a:fillRef>
+      <a:effectRef idx="2">
+        <a:scrgbClr r="0" g="0" b="0"/>
+      </a:effectRef>
+      <a:fontRef idx="minor"/>
+    </dgm:style>
+  </dgm:styleLbl>
+  <dgm:styleLbl name="fgSibTrans2D1">
+    <dgm:scene3d>
+      <a:camera prst="orthographicFront"/>
+      <a:lightRig rig="threePt" dir="t"/>
+    </dgm:scene3d>
+    <dgm:sp3d z="10600">
+      <a:bevelT w="40600" h="20600" prst="relaxedInset"/>
+    </dgm:sp3d>
+    <dgm:txPr/>
+    <dgm:style>
+      <a:lnRef idx="0">
+        <a:scrgbClr r="0" g="0" b="0"/>
+      </a:lnRef>
+      <a:fillRef idx="1">
+        <a:scrgbClr r="0" g="0" b="0"/>
+      </a:fillRef>
+      <a:effectRef idx="2">
+        <a:scrgbClr r="0" g="0" b="0"/>
+      </a:effectRef>
+      <a:fontRef idx="minor"/>
+    </dgm:style>
+  </dgm:styleLbl>
+  <dgm:styleLbl name="bgSibTrans2D1">
+    <dgm:scene3d>
+      <a:camera prst="orthographicFront"/>
+      <a:lightRig rig="threePt" dir="t"/>
+    </dgm:scene3d>
+    <dgm:sp3d z="-211800">
+      <a:bevelT w="40600" h="20600" prst="relaxedInset"/>
+    </dgm:sp3d>
+    <dgm:txPr/>
+    <dgm:style>
+      <a:lnRef idx="0">
+        <a:scrgbClr r="0" g="0" b="0"/>
+      </a:lnRef>
+      <a:fillRef idx="1">
+        <a:scrgbClr r="0" g="0" b="0"/>
+      </a:fillRef>
+      <a:effectRef idx="2">
+        <a:scrgbClr r="0" g="0" b="0"/>
+      </a:effectRef>
+      <a:fontRef idx="minor"/>
+    </dgm:style>
+  </dgm:styleLbl>
+  <dgm:styleLbl name="sibTrans1D1">
+    <dgm:scene3d>
+      <a:camera prst="orthographicFront"/>
+      <a:lightRig rig="threePt" dir="t"/>
+    </dgm:scene3d>
+    <dgm:sp3d z="-110000"/>
+    <dgm:txPr/>
+    <dgm:style>
+      <a:lnRef idx="1">
+        <a:scrgbClr r="0" g="0" b="0"/>
+      </a:lnRef>
+      <a:fillRef idx="0">
+        <a:scrgbClr r="0" g="0" b="0"/>
+      </a:fillRef>
+      <a:effectRef idx="0">
+        <a:scrgbClr r="0" g="0" b="0"/>
+      </a:effectRef>
+      <a:fontRef idx="minor"/>
+    </dgm:style>
+  </dgm:styleLbl>
+  <dgm:styleLbl name="callout">
+    <dgm:scene3d>
+      <a:camera prst="orthographicFront"/>
+      <a:lightRig rig="threePt" dir="t"/>
+    </dgm:scene3d>
+    <dgm:sp3d z="10000"/>
+    <dgm:txPr/>
+    <dgm:style>
+      <a:lnRef idx="1">
+        <a:scrgbClr r="0" g="0" b="0"/>
+      </a:lnRef>
+      <a:fillRef idx="1">
+        <a:scrgbClr r="0" g="0" b="0"/>
+      </a:fillRef>
+      <a:effectRef idx="0">
+        <a:scrgbClr r="0" g="0" b="0"/>
+      </a:effectRef>
+      <a:fontRef idx="minor"/>
+    </dgm:style>
+  </dgm:styleLbl>
+  <dgm:styleLbl name="asst0">
+    <dgm:scene3d>
+      <a:camera prst="orthographicFront"/>
+      <a:lightRig rig="threePt" dir="t"/>
+    </dgm:scene3d>
+    <dgm:sp3d extrusionH="50600" prstMaterial="plastic">
+      <a:bevelT w="101600" h="80600" prst="relaxedInset"/>
+      <a:bevelB w="80600" h="80600" prst="relaxedInset"/>
+    </dgm:sp3d>
+    <dgm:txPr/>
+    <dgm:style>
+      <a:lnRef idx="0">
+        <a:scrgbClr r="0" g="0" b="0"/>
+      </a:lnRef>
+      <a:fillRef idx="1">
+        <a:scrgbClr r="0" g="0" b="0"/>
+      </a:fillRef>
+      <a:effectRef idx="1">
+        <a:scrgbClr r="0" g="0" b="0"/>
+      </a:effectRef>
+      <a:fontRef idx="minor">
+        <a:schemeClr val="dk1"/>
+      </a:fontRef>
+    </dgm:style>
+  </dgm:styleLbl>
+  <dgm:styleLbl name="asst1">
+    <dgm:scene3d>
+      <a:camera prst="orthographicFront"/>
+      <a:lightRig rig="threePt" dir="t"/>
+    </dgm:scene3d>
+    <dgm:sp3d extrusionH="50600" prstMaterial="plastic">
+      <a:bevelT w="101600" h="80600" prst="relaxedInset"/>
+      <a:bevelB w="80600" h="80600" prst="relaxedInset"/>
+    </dgm:sp3d>
+    <dgm:txPr/>
+    <dgm:style>
+      <a:lnRef idx="0">
+        <a:scrgbClr r="0" g="0" b="0"/>
+      </a:lnRef>
+      <a:fillRef idx="1">
+        <a:scrgbClr r="0" g="0" b="0"/>
+      </a:fillRef>
+      <a:effectRef idx="1">
+        <a:scrgbClr r="0" g="0" b="0"/>
+      </a:effectRef>
+      <a:fontRef idx="minor">
+        <a:schemeClr val="dk1"/>
+      </a:fontRef>
+    </dgm:style>
+  </dgm:styleLbl>
+  <dgm:styleLbl name="asst2">
+    <dgm:scene3d>
+      <a:camera prst="orthographicFront"/>
+      <a:lightRig rig="threePt" dir="t"/>
+    </dgm:scene3d>
+    <dgm:sp3d extrusionH="50600" prstMaterial="plastic">
+      <a:bevelT w="101600" h="80600" prst="relaxedInset"/>
+      <a:bevelB w="80600" h="80600" prst="relaxedInset"/>
+    </dgm:sp3d>
+    <dgm:txPr/>
+    <dgm:style>
+      <a:lnRef idx="0">
+        <a:scrgbClr r="0" g="0" b="0"/>
+      </a:lnRef>
+      <a:fillRef idx="1">
+        <a:scrgbClr r="0" g="0" b="0"/>
+      </a:fillRef>
+      <a:effectRef idx="1">
+        <a:scrgbClr r="0" g="0" b="0"/>
+      </a:effectRef>
+      <a:fontRef idx="minor">
+        <a:schemeClr val="dk1"/>
+      </a:fontRef>
+    </dgm:style>
+  </dgm:styleLbl>
+  <dgm:styleLbl name="asst3">
+    <dgm:scene3d>
+      <a:camera prst="orthographicFront"/>
+      <a:lightRig rig="threePt" dir="t"/>
+    </dgm:scene3d>
+    <dgm:sp3d extrusionH="50600" prstMaterial="plastic">
+      <a:bevelT w="101600" h="80600" prst="relaxedInset"/>
+      <a:bevelB w="80600" h="80600" prst="relaxedInset"/>
+    </dgm:sp3d>
+    <dgm:txPr/>
+    <dgm:style>
+      <a:lnRef idx="0">
+        <a:scrgbClr r="0" g="0" b="0"/>
+      </a:lnRef>
+      <a:fillRef idx="1">
+        <a:scrgbClr r="0" g="0" b="0"/>
+      </a:fillRef>
+      <a:effectRef idx="1">
+        <a:scrgbClr r="0" g="0" b="0"/>
+      </a:effectRef>
+      <a:fontRef idx="minor">
+        <a:schemeClr val="dk1"/>
+      </a:fontRef>
+    </dgm:style>
+  </dgm:styleLbl>
+  <dgm:styleLbl name="asst4">
+    <dgm:scene3d>
+      <a:camera prst="orthographicFront"/>
+      <a:lightRig rig="threePt" dir="t"/>
+    </dgm:scene3d>
+    <dgm:sp3d extrusionH="50600" prstMaterial="plastic">
+      <a:bevelT w="101600" h="80600" prst="relaxedInset"/>
+      <a:bevelB w="80600" h="80600" prst="relaxedInset"/>
+    </dgm:sp3d>
+    <dgm:txPr/>
+    <dgm:style>
+      <a:lnRef idx="0">
+        <a:scrgbClr r="0" g="0" b="0"/>
+      </a:lnRef>
+      <a:fillRef idx="1">
+        <a:scrgbClr r="0" g="0" b="0"/>
+      </a:fillRef>
+      <a:effectRef idx="1">
+        <a:scrgbClr r="0" g="0" b="0"/>
+      </a:effectRef>
+      <a:fontRef idx="minor">
+        <a:schemeClr val="dk1"/>
+      </a:fontRef>
+    </dgm:style>
+  </dgm:styleLbl>
+  <dgm:styleLbl name="parChTrans2D1">
+    <dgm:scene3d>
+      <a:camera prst="orthographicFront"/>
+      <a:lightRig rig="threePt" dir="t"/>
+    </dgm:scene3d>
+    <dgm:sp3d z="-110000">
+      <a:bevelT w="40600" h="20600" prst="relaxedInset"/>
+    </dgm:sp3d>
+    <dgm:txPr/>
+    <dgm:style>
+      <a:lnRef idx="0">
+        <a:scrgbClr r="0" g="0" b="0"/>
+      </a:lnRef>
+      <a:fillRef idx="1">
+        <a:scrgbClr r="0" g="0" b="0"/>
+      </a:fillRef>
+      <a:effectRef idx="0">
+        <a:scrgbClr r="0" g="0" b="0"/>
+      </a:effectRef>
+      <a:fontRef idx="minor"/>
+    </dgm:style>
+  </dgm:styleLbl>
+  <dgm:styleLbl name="parChTrans2D2">
+    <dgm:scene3d>
+      <a:camera prst="orthographicFront"/>
+      <a:lightRig rig="threePt" dir="t"/>
+    </dgm:scene3d>
+    <dgm:sp3d z="-110000">
+      <a:bevelT w="40600" h="20600" prst="relaxedInset"/>
+    </dgm:sp3d>
+    <dgm:txPr/>
+    <dgm:style>
+      <a:lnRef idx="0">
+        <a:scrgbClr r="0" g="0" b="0"/>
+      </a:lnRef>
+      <a:fillRef idx="1">
+        <a:scrgbClr r="0" g="0" b="0"/>
+      </a:fillRef>
+      <a:effectRef idx="0">
+        <a:scrgbClr r="0" g="0" b="0"/>
+      </a:effectRef>
+      <a:fontRef idx="minor"/>
+    </dgm:style>
+  </dgm:styleLbl>
+  <dgm:styleLbl name="parChTrans2D3">
+    <dgm:scene3d>
+      <a:camera prst="orthographicFront"/>
+      <a:lightRig rig="threePt" dir="t"/>
+    </dgm:scene3d>
+    <dgm:sp3d z="-110000"/>
+    <dgm:txPr/>
+    <dgm:style>
+      <a:lnRef idx="0">
+        <a:scrgbClr r="0" g="0" b="0"/>
+      </a:lnRef>
+      <a:fillRef idx="1">
+        <a:scrgbClr r="0" g="0" b="0"/>
+      </a:fillRef>
+      <a:effectRef idx="0">
+        <a:scrgbClr r="0" g="0" b="0"/>
+      </a:effectRef>
+      <a:fontRef idx="minor"/>
+    </dgm:style>
+  </dgm:styleLbl>
+  <dgm:styleLbl name="parChTrans2D4">
+    <dgm:scene3d>
+      <a:camera prst="orthographicFront"/>
+      <a:lightRig rig="threePt" dir="t"/>
+    </dgm:scene3d>
+    <dgm:sp3d z="-110000"/>
+    <dgm:txPr/>
+    <dgm:style>
+      <a:lnRef idx="0">
+        <a:scrgbClr r="0" g="0" b="0"/>
+      </a:lnRef>
+      <a:fillRef idx="1">
+        <a:scrgbClr r="0" g="0" b="0"/>
+      </a:fillRef>
+      <a:effectRef idx="0">
+        <a:scrgbClr r="0" g="0" b="0"/>
+      </a:effectRef>
+      <a:fontRef idx="minor"/>
+    </dgm:style>
+  </dgm:styleLbl>
+  <dgm:styleLbl name="parChTrans1D1">
+    <dgm:scene3d>
+      <a:camera prst="orthographicFront"/>
+      <a:lightRig rig="threePt" dir="t"/>
+    </dgm:scene3d>
+    <dgm:sp3d z="-110000"/>
+    <dgm:txPr/>
+    <dgm:style>
+      <a:lnRef idx="2">
+        <a:scrgbClr r="0" g="0" b="0"/>
+      </a:lnRef>
+      <a:fillRef idx="0">
+        <a:scrgbClr r="0" g="0" b="0"/>
+      </a:fillRef>
+      <a:effectRef idx="0">
+        <a:scrgbClr r="0" g="0" b="0"/>
+      </a:effectRef>
+      <a:fontRef idx="minor"/>
+    </dgm:style>
+  </dgm:styleLbl>
+  <dgm:styleLbl name="parChTrans1D2">
+    <dgm:scene3d>
+      <a:camera prst="orthographicFront"/>
+      <a:lightRig rig="threePt" dir="t"/>
+    </dgm:scene3d>
+    <dgm:sp3d z="-110000"/>
+    <dgm:txPr/>
+    <dgm:style>
+      <a:lnRef idx="2">
+        <a:scrgbClr r="0" g="0" b="0"/>
+      </a:lnRef>
+      <a:fillRef idx="0">
+        <a:scrgbClr r="0" g="0" b="0"/>
+      </a:fillRef>
+      <a:effectRef idx="0">
+        <a:scrgbClr r="0" g="0" b="0"/>
+      </a:effectRef>
+      <a:fontRef idx="minor"/>
+    </dgm:style>
+  </dgm:styleLbl>
+  <dgm:styleLbl name="parChTrans1D3">
+    <dgm:scene3d>
+      <a:camera prst="orthographicFront"/>
+      <a:lightRig rig="threePt" dir="t"/>
+    </dgm:scene3d>
+    <dgm:sp3d z="-110000"/>
+    <dgm:txPr/>
+    <dgm:style>
+      <a:lnRef idx="2">
+        <a:scrgbClr r="0" g="0" b="0"/>
+      </a:lnRef>
+      <a:fillRef idx="0">
+        <a:scrgbClr r="0" g="0" b="0"/>
+      </a:fillRef>
+      <a:effectRef idx="0">
+        <a:scrgbClr r="0" g="0" b="0"/>
+      </a:effectRef>
+      <a:fontRef idx="minor"/>
+    </dgm:style>
+  </dgm:styleLbl>
+  <dgm:styleLbl name="parChTrans1D4">
+    <dgm:scene3d>
+      <a:camera prst="orthographicFront"/>
+      <a:lightRig rig="threePt" dir="t"/>
+    </dgm:scene3d>
+    <dgm:sp3d z="-110000"/>
+    <dgm:txPr/>
+    <dgm:style>
+      <a:lnRef idx="2">
+        <a:scrgbClr r="0" g="0" b="0"/>
+      </a:lnRef>
+      <a:fillRef idx="0">
+        <a:scrgbClr r="0" g="0" b="0"/>
+      </a:fillRef>
+      <a:effectRef idx="0">
+        <a:scrgbClr r="0" g="0" b="0"/>
+      </a:effectRef>
+      <a:fontRef idx="minor"/>
+    </dgm:style>
+  </dgm:styleLbl>
+  <dgm:styleLbl name="fgAcc1">
+    <dgm:scene3d>
+      <a:camera prst="orthographicFront"/>
+      <a:lightRig rig="threePt" dir="t"/>
+    </dgm:scene3d>
+    <dgm:sp3d z="57200" extrusionH="600" contourW="3000">
+      <a:bevelT w="48600" h="18600" prst="relaxedInset"/>
+      <a:bevelB w="48600" h="8600" prst="relaxedInset"/>
+    </dgm:sp3d>
+    <dgm:txPr/>
+    <dgm:style>
+      <a:lnRef idx="1">
+        <a:scrgbClr r="0" g="0" b="0"/>
+      </a:lnRef>
+      <a:fillRef idx="1">
+        <a:scrgbClr r="0" g="0" b="0"/>
+      </a:fillRef>
+      <a:effectRef idx="0">
+        <a:scrgbClr r="0" g="0" b="0"/>
+      </a:effectRef>
+      <a:fontRef idx="minor"/>
+    </dgm:style>
+  </dgm:styleLbl>
+  <dgm:styleLbl name="conFgAcc1">
+    <dgm:scene3d>
+      <a:camera prst="orthographicFront"/>
+      <a:lightRig rig="threePt" dir="t"/>
+    </dgm:scene3d>
+    <dgm:sp3d z="-161800" extrusionH="10600" prstMaterial="matte">
+      <a:bevelT w="90600" h="18600" prst="softRound"/>
+      <a:bevelB w="48600" h="8600" prst="relaxedInset"/>
+    </dgm:sp3d>
+    <dgm:txPr/>
+    <dgm:style>
+      <a:lnRef idx="1">
+        <a:scrgbClr r="0" g="0" b="0"/>
+      </a:lnRef>
+      <a:fillRef idx="1">
+        <a:scrgbClr r="0" g="0" b="0"/>
+      </a:fillRef>
+      <a:effectRef idx="0">
+        <a:scrgbClr r="0" g="0" b="0"/>
+      </a:effectRef>
+      <a:fontRef idx="minor"/>
+    </dgm:style>
+  </dgm:styleLbl>
+  <dgm:styleLbl name="alignAcc1">
+    <dgm:scene3d>
+      <a:camera prst="orthographicFront"/>
+      <a:lightRig rig="threePt" dir="t"/>
+    </dgm:scene3d>
+    <dgm:sp3d extrusionH="50600">
+      <a:bevelT w="101600" h="80600"/>
+      <a:bevelB w="80600" h="80600"/>
+    </dgm:sp3d>
+    <dgm:txPr/>
+    <dgm:style>
+      <a:lnRef idx="1">
+        <a:scrgbClr r="0" g="0" b="0"/>
+      </a:lnRef>
+      <a:fillRef idx="1">
+        <a:scrgbClr r="0" g="0" b="0"/>
+      </a:fillRef>
+      <a:effectRef idx="0">
+        <a:scrgbClr r="0" g="0" b="0"/>
+      </a:effectRef>
+      <a:fontRef idx="minor"/>
+    </dgm:style>
+  </dgm:styleLbl>
+  <dgm:styleLbl name="trAlignAcc1">
+    <dgm:scene3d>
+      <a:camera prst="orthographicFront"/>
+      <a:lightRig rig="threePt" dir="t"/>
+    </dgm:scene3d>
+    <dgm:sp3d extrusionH="50600">
+      <a:bevelT w="101600" h="80600"/>
+    </dgm:sp3d>
+    <dgm:txPr/>
+    <dgm:style>
+      <a:lnRef idx="1">
+        <a:scrgbClr r="0" g="0" b="0"/>
+      </a:lnRef>
+      <a:fillRef idx="1">
+        <a:scrgbClr r="0" g="0" b="0"/>
+      </a:fillRef>
+      <a:effectRef idx="0">
+        <a:scrgbClr r="0" g="0" b="0"/>
+      </a:effectRef>
+      <a:fontRef idx="minor"/>
+    </dgm:style>
+  </dgm:styleLbl>
+  <dgm:styleLbl name="bgAcc1">
+    <dgm:scene3d>
+      <a:camera prst="orthographicFront"/>
+      <a:lightRig rig="threePt" dir="t"/>
+    </dgm:scene3d>
+    <dgm:sp3d z="-161800" extrusionH="10600" prstMaterial="matte">
+      <a:bevelT w="90600" h="18600" prst="softRound"/>
+      <a:bevelB w="48600" h="8600" prst="relaxedInset"/>
+    </dgm:sp3d>
+    <dgm:txPr/>
+    <dgm:style>
+      <a:lnRef idx="1">
+        <a:scrgbClr r="0" g="0" b="0"/>
+      </a:lnRef>
+      <a:fillRef idx="1">
+        <a:scrgbClr r="0" g="0" b="0"/>
+      </a:fillRef>
+      <a:effectRef idx="0">
+        <a:scrgbClr r="0" g="0" b="0"/>
+      </a:effectRef>
+      <a:fontRef idx="minor"/>
+    </dgm:style>
+  </dgm:styleLbl>
+  <dgm:styleLbl name="solidFgAcc1">
+    <dgm:scene3d>
+      <a:camera prst="orthographicFront"/>
+      <a:lightRig rig="threePt" dir="t"/>
+    </dgm:scene3d>
+    <dgm:sp3d z="57200" extrusionH="600" contourW="3000">
+      <a:bevelT w="48600" h="18600" prst="relaxedInset"/>
+      <a:bevelB w="48600" h="8600" prst="relaxedInset"/>
+    </dgm:sp3d>
+    <dgm:txPr/>
+    <dgm:style>
+      <a:lnRef idx="0">
+        <a:scrgbClr r="0" g="0" b="0"/>
+      </a:lnRef>
+      <a:fillRef idx="1">
+        <a:scrgbClr r="0" g="0" b="0"/>
+      </a:fillRef>
+      <a:effectRef idx="0">
+        <a:scrgbClr r="0" g="0" b="0"/>
+      </a:effectRef>
+      <a:fontRef idx="minor"/>
+    </dgm:style>
+  </dgm:styleLbl>
+  <dgm:styleLbl name="solidAlignAcc1">
+    <dgm:scene3d>
+      <a:camera prst="orthographicFront"/>
+      <a:lightRig rig="threePt" dir="t"/>
+    </dgm:scene3d>
+    <dgm:sp3d extrusionH="50600" contourW="3000">
+      <a:bevelT w="101600" h="80600" prst="relaxedInset"/>
+      <a:bevelB w="80600" h="80600" prst="relaxedInset"/>
+    </dgm:sp3d>
+    <dgm:txPr/>
+    <dgm:style>
+      <a:lnRef idx="0">
+        <a:scrgbClr r="0" g="0" b="0"/>
+      </a:lnRef>
+      <a:fillRef idx="1">
+        <a:scrgbClr r="0" g="0" b="0"/>
+      </a:fillRef>
+      <a:effectRef idx="0">
+        <a:scrgbClr r="0" g="0" b="0"/>
+      </a:effectRef>
+      <a:fontRef idx="minor"/>
+    </dgm:style>
+  </dgm:styleLbl>
+  <dgm:styleLbl name="solidBgAcc1">
+    <dgm:scene3d>
+      <a:camera prst="orthographicFront"/>
+      <a:lightRig rig="threePt" dir="t"/>
+    </dgm:scene3d>
+    <dgm:sp3d z="-161800" extrusionH="10600" contourW="3000">
+      <a:bevelT w="48600" h="8600" prst="softRound"/>
+      <a:bevelB w="48600" h="8600" prst="relaxedInset"/>
+    </dgm:sp3d>
+    <dgm:txPr/>
+    <dgm:style>
+      <a:lnRef idx="0">
+        <a:scrgbClr r="0" g="0" b="0"/>
+      </a:lnRef>
+      <a:fillRef idx="1">
+        <a:scrgbClr r="0" g="0" b="0"/>
+      </a:fillRef>
+      <a:effectRef idx="0">
+        <a:scrgbClr r="0" g="0" b="0"/>
+      </a:effectRef>
+      <a:fontRef idx="minor"/>
+    </dgm:style>
+  </dgm:styleLbl>
+  <dgm:styleLbl name="fgAccFollowNode1">
+    <dgm:scene3d>
+      <a:camera prst="orthographicFront"/>
+      <a:lightRig rig="threePt" dir="t"/>
+    </dgm:scene3d>
+    <dgm:sp3d z="57200" extrusionH="600" contourW="3000">
+      <a:bevelT w="48600" h="18600" prst="relaxedInset"/>
+      <a:bevelB w="48600" h="8600" prst="relaxedInset"/>
+    </dgm:sp3d>
+    <dgm:txPr/>
+    <dgm:style>
+      <a:lnRef idx="0">
+        <a:scrgbClr r="0" g="0" b="0"/>
+      </a:lnRef>
+      <a:fillRef idx="1">
+        <a:scrgbClr r="0" g="0" b="0"/>
+      </a:fillRef>
+      <a:effectRef idx="0">
+        <a:scrgbClr r="0" g="0" b="0"/>
+      </a:effectRef>
+      <a:fontRef idx="minor"/>
+    </dgm:style>
+  </dgm:styleLbl>
+  <dgm:styleLbl name="alignAccFollowNode1">
+    <dgm:scene3d>
+      <a:camera prst="orthographicFront"/>
+      <a:lightRig rig="threePt" dir="t"/>
+    </dgm:scene3d>
+    <dgm:sp3d extrusionH="50600" contourW="3000">
+      <a:bevelT w="101600" h="80600" prst="relaxedInset"/>
+      <a:bevelB w="80600" h="80600" prst="relaxedInset"/>
+    </dgm:sp3d>
+    <dgm:txPr/>
+    <dgm:style>
+      <a:lnRef idx="0">
+        <a:scrgbClr r="0" g="0" b="0"/>
+      </a:lnRef>
+      <a:fillRef idx="1">
+        <a:scrgbClr r="0" g="0" b="0"/>
+      </a:fillRef>
+      <a:effectRef idx="0">
+        <a:scrgbClr r="0" g="0" b="0"/>
+      </a:effectRef>
+      <a:fontRef idx="minor"/>
+    </dgm:style>
+  </dgm:styleLbl>
+  <dgm:styleLbl name="bgAccFollowNode1">
+    <dgm:scene3d>
+      <a:camera prst="orthographicFront"/>
+      <a:lightRig rig="threePt" dir="t"/>
+    </dgm:scene3d>
+    <dgm:sp3d z="-161800" extrusionH="10600" contourW="3000">
+      <a:bevelT w="48600" h="8600" prst="relaxedInset"/>
+      <a:bevelB w="48600" h="8600" prst="relaxedInset"/>
+    </dgm:sp3d>
+    <dgm:txPr/>
+    <dgm:style>
+      <a:lnRef idx="0">
+        <a:scrgbClr r="0" g="0" b="0"/>
+      </a:lnRef>
+      <a:fillRef idx="1">
+        <a:scrgbClr r="0" g="0" b="0"/>
+      </a:fillRef>
+      <a:effectRef idx="0">
+        <a:scrgbClr r="0" g="0" b="0"/>
+      </a:effectRef>
+      <a:fontRef idx="minor"/>
+    </dgm:style>
+  </dgm:styleLbl>
+  <dgm:styleLbl name="fgAcc0">
+    <dgm:scene3d>
+      <a:camera prst="orthographicFront"/>
+      <a:lightRig rig="threePt" dir="t"/>
+    </dgm:scene3d>
+    <dgm:sp3d z="57200" extrusionH="600" contourW="3000">
+      <a:bevelT w="48600" h="18600" prst="relaxedInset"/>
+      <a:bevelB w="48600" h="8600" prst="relaxedInset"/>
+    </dgm:sp3d>
+    <dgm:txPr/>
+    <dgm:style>
+      <a:lnRef idx="1">
+        <a:scrgbClr r="0" g="0" b="0"/>
+      </a:lnRef>
+      <a:fillRef idx="1">
+        <a:scrgbClr r="0" g="0" b="0"/>
+      </a:fillRef>
+      <a:effectRef idx="0">
+        <a:scrgbClr r="0" g="0" b="0"/>
+      </a:effectRef>
+      <a:fontRef idx="minor"/>
+    </dgm:style>
+  </dgm:styleLbl>
+  <dgm:styleLbl name="fgAcc2">
+    <dgm:scene3d>
+      <a:camera prst="orthographicFront"/>
+      <a:lightRig rig="threePt" dir="t"/>
+    </dgm:scene3d>
+    <dgm:sp3d z="57200" extrusionH="600" contourW="3000">
+      <a:bevelT w="48600" h="18600" prst="relaxedInset"/>
+      <a:bevelB w="48600" h="8600" prst="relaxedInset"/>
+    </dgm:sp3d>
+    <dgm:txPr/>
+    <dgm:style>
+      <a:lnRef idx="1">
+        <a:scrgbClr r="0" g="0" b="0"/>
+      </a:lnRef>
+      <a:fillRef idx="1">
+        <a:scrgbClr r="0" g="0" b="0"/>
+      </a:fillRef>
+      <a:effectRef idx="0">
+        <a:scrgbClr r="0" g="0" b="0"/>
+      </a:effectRef>
+      <a:fontRef idx="minor"/>
+    </dgm:style>
+  </dgm:styleLbl>
+  <dgm:styleLbl name="fgAcc3">
+    <dgm:scene3d>
+      <a:camera prst="orthographicFront"/>
+      <a:lightRig rig="threePt" dir="t"/>
+    </dgm:scene3d>
+    <dgm:sp3d z="57200" extrusionH="600" contourW="3000">
+      <a:bevelT w="48600" h="18600" prst="relaxedInset"/>
+      <a:bevelB w="48600" h="8600" prst="relaxedInset"/>
+    </dgm:sp3d>
+    <dgm:txPr/>
+    <dgm:style>
+      <a:lnRef idx="1">
+        <a:scrgbClr r="0" g="0" b="0"/>
+      </a:lnRef>
+      <a:fillRef idx="1">
+        <a:scrgbClr r="0" g="0" b="0"/>
+      </a:fillRef>
+      <a:effectRef idx="0">
+        <a:scrgbClr r="0" g="0" b="0"/>
+      </a:effectRef>
+      <a:fontRef idx="minor"/>
+    </dgm:style>
+  </dgm:styleLbl>
+  <dgm:styleLbl name="fgAcc4">
+    <dgm:scene3d>
+      <a:camera prst="orthographicFront"/>
+      <a:lightRig rig="threePt" dir="t"/>
+    </dgm:scene3d>
+    <dgm:sp3d z="57200" extrusionH="600" contourW="3000">
+      <a:bevelT w="48600" h="18600" prst="relaxedInset"/>
+      <a:bevelB w="48600" h="8600" prst="relaxedInset"/>
+    </dgm:sp3d>
+    <dgm:txPr/>
+    <dgm:style>
+      <a:lnRef idx="1">
+        <a:scrgbClr r="0" g="0" b="0"/>
+      </a:lnRef>
+      <a:fillRef idx="1">
+        <a:scrgbClr r="0" g="0" b="0"/>
+      </a:fillRef>
+      <a:effectRef idx="0">
+        <a:scrgbClr r="0" g="0" b="0"/>
+      </a:effectRef>
+      <a:fontRef idx="minor"/>
+    </dgm:style>
+  </dgm:styleLbl>
+  <dgm:styleLbl name="bgShp">
+    <dgm:scene3d>
+      <a:camera prst="orthographicFront"/>
+      <a:lightRig rig="threePt" dir="t"/>
+    </dgm:scene3d>
+    <dgm:sp3d z="-161800" extrusionH="600" contourW="3000">
+      <a:bevelT w="48600" h="18600" prst="relaxedInset"/>
+      <a:bevelB w="48600" h="8600" prst="relaxedInset"/>
+    </dgm:sp3d>
+    <dgm:txPr/>
+    <dgm:style>
+      <a:lnRef idx="0">
+        <a:scrgbClr r="0" g="0" b="0"/>
+      </a:lnRef>
+      <a:fillRef idx="1">
+        <a:scrgbClr r="0" g="0" b="0"/>
+      </a:fillRef>
+      <a:effectRef idx="0">
+        <a:scrgbClr r="0" g="0" b="0"/>
+      </a:effectRef>
+      <a:fontRef idx="minor"/>
+    </dgm:style>
+  </dgm:styleLbl>
+  <dgm:styleLbl name="dkBgShp">
+    <dgm:scene3d>
+      <a:camera prst="orthographicFront"/>
+      <a:lightRig rig="threePt" dir="t"/>
+    </dgm:scene3d>
+    <dgm:sp3d extrusionH="50600">
+      <a:bevelT w="80600" h="80600" prst="relaxedInset"/>
+      <a:bevelB w="80600" h="80600" prst="relaxedInset"/>
+    </dgm:sp3d>
+    <dgm:txPr/>
+    <dgm:style>
+      <a:lnRef idx="0">
+        <a:scrgbClr r="0" g="0" b="0"/>
+      </a:lnRef>
+      <a:fillRef idx="1">
+        <a:scrgbClr r="0" g="0" b="0"/>
+      </a:fillRef>
+      <a:effectRef idx="0">
+        <a:scrgbClr r="0" g="0" b="0"/>
+      </a:effectRef>
+      <a:fontRef idx="minor"/>
+    </dgm:style>
+  </dgm:styleLbl>
+  <dgm:styleLbl name="trBgShp">
+    <dgm:scene3d>
+      <a:camera prst="orthographicFront"/>
+      <a:lightRig rig="threePt" dir="t"/>
+    </dgm:scene3d>
+    <dgm:sp3d z="-152400" prstMaterial="matte"/>
+    <dgm:txPr/>
+    <dgm:style>
+      <a:lnRef idx="0">
+        <a:scrgbClr r="0" g="0" b="0"/>
+      </a:lnRef>
+      <a:fillRef idx="1">
+        <a:scrgbClr r="0" g="0" b="0"/>
+      </a:fillRef>
+      <a:effectRef idx="0">
+        <a:scrgbClr r="0" g="0" b="0"/>
+      </a:effectRef>
+      <a:fontRef idx="minor"/>
+    </dgm:style>
+  </dgm:styleLbl>
+  <dgm:styleLbl name="fgShp">
+    <dgm:scene3d>
+      <a:camera prst="orthographicFront"/>
+      <a:lightRig rig="threePt" dir="t"/>
+    </dgm:scene3d>
+    <dgm:sp3d z="57200" extrusionH="600" contourW="3000" prstMaterial="plastic">
+      <a:bevelT w="80600" h="18600" prst="relaxedInset"/>
+      <a:bevelB w="80600" h="8600" prst="relaxedInset"/>
+    </dgm:sp3d>
+    <dgm:txPr/>
+    <dgm:style>
+      <a:lnRef idx="0">
+        <a:scrgbClr r="0" g="0" b="0"/>
+      </a:lnRef>
+      <a:fillRef idx="1">
+        <a:scrgbClr r="0" g="0" b="0"/>
+      </a:fillRef>
+      <a:effectRef idx="0">
+        <a:scrgbClr r="0" g="0" b="0"/>
+      </a:effectRef>
+      <a:fontRef idx="minor"/>
+    </dgm:style>
+  </dgm:styleLbl>
+  <dgm:styleLbl name="revTx">
+    <dgm:scene3d>
+      <a:camera prst="orthographicFront"/>
+      <a:lightRig rig="threePt" dir="t"/>
+    </dgm:scene3d>
+    <dgm:sp3d/>
+    <dgm:txPr/>
+    <dgm:style>
+      <a:lnRef idx="0">
+        <a:scrgbClr r="0" g="0" b="0"/>
+      </a:lnRef>
+      <a:fillRef idx="0">
+        <a:scrgbClr r="0" g="0" b="0"/>
+      </a:fillRef>
+      <a:effectRef idx="0">
+        <a:scrgbClr r="0" g="0" b="0"/>
+      </a:effectRef>
+      <a:fontRef idx="minor"/>
+    </dgm:style>
+  </dgm:styleLbl>
+</dgm:styleDef>
 </file>
 
 <file path=ppt/handoutMasters/handoutMaster1.xml><?xml version="1.0" encoding="utf-8"?>
@@ -4430,6 +8147,601 @@
     <p:extLst>
       <p:ext uri="{BB962C8B-B14F-4D97-AF65-F5344CB8AC3E}">
         <p14:creationId xmlns:p14="http://schemas.microsoft.com/office/powerpoint/2010/main" val="463351251"/>
+      </p:ext>
+    </p:extLst>
+  </p:cSld>
+  <p:clrMapOvr>
+    <a:masterClrMapping/>
+  </p:clrMapOvr>
+  <mc:AlternateContent xmlns:mc="http://schemas.openxmlformats.org/markup-compatibility/2006" xmlns:p14="http://schemas.microsoft.com/office/powerpoint/2010/main">
+    <mc:Choice Requires="p14">
+      <p:transition spd="med" p14:dur="700">
+        <p:fade/>
+      </p:transition>
+    </mc:Choice>
+    <mc:Fallback xmlns="">
+      <p:transition spd="med">
+        <p:fade/>
+      </p:transition>
+    </mc:Fallback>
+  </mc:AlternateContent>
+</p:sld>
+</file>
+
+<file path=ppt/slides/slide4.xml><?xml version="1.0" encoding="utf-8"?>
+<p:sld xmlns:a="http://schemas.openxmlformats.org/drawingml/2006/main" xmlns:r="http://schemas.openxmlformats.org/officeDocument/2006/relationships" xmlns:p="http://schemas.openxmlformats.org/presentationml/2006/main">
+  <p:cSld>
+    <p:spTree>
+      <p:nvGrpSpPr>
+        <p:cNvPr id="1" name=""/>
+        <p:cNvGrpSpPr/>
+        <p:nvPr/>
+      </p:nvGrpSpPr>
+      <p:grpSpPr>
+        <a:xfrm>
+          <a:off x="0" y="0"/>
+          <a:ext cx="0" cy="0"/>
+          <a:chOff x="0" y="0"/>
+          <a:chExt cx="0" cy="0"/>
+        </a:xfrm>
+      </p:grpSpPr>
+      <p:sp>
+        <p:nvSpPr>
+          <p:cNvPr id="5" name="Title 4">
+            <a:extLst>
+              <a:ext uri="{FF2B5EF4-FFF2-40B4-BE49-F238E27FC236}">
+                <a16:creationId xmlns:a16="http://schemas.microsoft.com/office/drawing/2014/main" id="{DF5E2C21-BD5B-5531-A5DC-4B02AEBFA3B2}"/>
+              </a:ext>
+            </a:extLst>
+          </p:cNvPr>
+          <p:cNvSpPr>
+            <a:spLocks noGrp="1"/>
+          </p:cNvSpPr>
+          <p:nvPr>
+            <p:ph type="ctrTitle"/>
+          </p:nvPr>
+        </p:nvSpPr>
+        <p:spPr>
+          <a:xfrm>
+            <a:off x="1065214" y="1412776"/>
+            <a:ext cx="8701606" cy="2615555"/>
+          </a:xfrm>
+        </p:spPr>
+        <p:txBody>
+          <a:bodyPr>
+            <a:normAutofit/>
+          </a:bodyPr>
+          <a:lstStyle/>
+          <a:p>
+            <a:r>
+              <a:rPr lang="en-US" dirty="0"/>
+              <a:t>Essential EA Tool (Open-Source) Overview</a:t>
+            </a:r>
+          </a:p>
+        </p:txBody>
+      </p:sp>
+      <p:sp>
+        <p:nvSpPr>
+          <p:cNvPr id="6" name="Subtitle 5">
+            <a:extLst>
+              <a:ext uri="{FF2B5EF4-FFF2-40B4-BE49-F238E27FC236}">
+                <a16:creationId xmlns:a16="http://schemas.microsoft.com/office/drawing/2014/main" id="{B350C1A0-00B0-9ADD-1DCD-B3FB66BD32B4}"/>
+              </a:ext>
+            </a:extLst>
+          </p:cNvPr>
+          <p:cNvSpPr>
+            <a:spLocks noGrp="1"/>
+          </p:cNvSpPr>
+          <p:nvPr>
+            <p:ph type="subTitle" idx="1"/>
+          </p:nvPr>
+        </p:nvSpPr>
+        <p:spPr>
+          <a:xfrm>
+            <a:off x="1065213" y="4800600"/>
+            <a:ext cx="4669159" cy="1219200"/>
+          </a:xfrm>
+        </p:spPr>
+        <p:txBody>
+          <a:bodyPr>
+            <a:normAutofit fontScale="85000" lnSpcReduction="10000"/>
+          </a:bodyPr>
+          <a:lstStyle/>
+          <a:p>
+            <a:pPr>
+              <a:lnSpc>
+                <a:spcPct val="120000"/>
+              </a:lnSpc>
+            </a:pPr>
+            <a:r>
+              <a:rPr lang="en-US" dirty="0">
+                <a:hlinkClick r:id="rId2"/>
+              </a:rPr>
+              <a:t>https://enterprise-architecture.org/products/essential-open-source/essential-os-download/</a:t>
+            </a:r>
+            <a:endParaRPr lang="en-US" dirty="0"/>
+          </a:p>
+        </p:txBody>
+      </p:sp>
+      <p:sp>
+        <p:nvSpPr>
+          <p:cNvPr id="4" name="TextBox 3">
+            <a:extLst>
+              <a:ext uri="{FF2B5EF4-FFF2-40B4-BE49-F238E27FC236}">
+                <a16:creationId xmlns:a16="http://schemas.microsoft.com/office/drawing/2014/main" id="{9FC838CE-870E-50F7-BB55-400826529519}"/>
+              </a:ext>
+            </a:extLst>
+          </p:cNvPr>
+          <p:cNvSpPr txBox="1"/>
+          <p:nvPr/>
+        </p:nvSpPr>
+        <p:spPr>
+          <a:xfrm>
+            <a:off x="375744" y="484257"/>
+            <a:ext cx="1540806" cy="1015663"/>
+          </a:xfrm>
+          <a:prstGeom prst="rect">
+            <a:avLst/>
+          </a:prstGeom>
+          <a:noFill/>
+        </p:spPr>
+        <p:txBody>
+          <a:bodyPr wrap="none" rtlCol="0">
+            <a:spAutoFit/>
+          </a:bodyPr>
+          <a:lstStyle/>
+          <a:p>
+            <a:pPr algn="ctr"/>
+            <a:r>
+              <a:rPr lang="en-US" sz="6000" b="1" dirty="0">
+                <a:effectLst>
+                  <a:outerShdw blurRad="38100" dist="38100" dir="2700000" algn="tl">
+                    <a:srgbClr val="000000">
+                      <a:alpha val="43137"/>
+                    </a:srgbClr>
+                  </a:outerShdw>
+                </a:effectLst>
+                <a:latin typeface="ADLaM Display" panose="02010000000000000000" pitchFamily="2" charset="0"/>
+                <a:ea typeface="ADLaM Display" panose="02010000000000000000" pitchFamily="2" charset="0"/>
+                <a:cs typeface="ADLaM Display" panose="02010000000000000000" pitchFamily="2" charset="0"/>
+              </a:rPr>
+              <a:t>003</a:t>
+            </a:r>
+          </a:p>
+        </p:txBody>
+      </p:sp>
+      <p:pic>
+        <p:nvPicPr>
+          <p:cNvPr id="3" name="Picture 2">
+            <a:extLst>
+              <a:ext uri="{FF2B5EF4-FFF2-40B4-BE49-F238E27FC236}">
+                <a16:creationId xmlns:a16="http://schemas.microsoft.com/office/drawing/2014/main" id="{19F59C48-DD1F-64BD-D1D9-9D2F179F8136}"/>
+              </a:ext>
+            </a:extLst>
+          </p:cNvPr>
+          <p:cNvPicPr>
+            <a:picLocks noChangeAspect="1"/>
+          </p:cNvPicPr>
+          <p:nvPr/>
+        </p:nvPicPr>
+        <p:blipFill>
+          <a:blip r:embed="rId3"/>
+          <a:stretch>
+            <a:fillRect/>
+          </a:stretch>
+        </p:blipFill>
+        <p:spPr>
+          <a:xfrm>
+            <a:off x="6025370" y="3492822"/>
+            <a:ext cx="5901690" cy="2615555"/>
+          </a:xfrm>
+          <a:prstGeom prst="rect">
+            <a:avLst/>
+          </a:prstGeom>
+          <a:ln>
+            <a:noFill/>
+          </a:ln>
+          <a:effectLst>
+            <a:outerShdw blurRad="292100" dist="139700" dir="2700000" algn="tl" rotWithShape="0">
+              <a:srgbClr val="333333">
+                <a:alpha val="65000"/>
+              </a:srgbClr>
+            </a:outerShdw>
+          </a:effectLst>
+        </p:spPr>
+      </p:pic>
+    </p:spTree>
+    <p:extLst>
+      <p:ext uri="{BB962C8B-B14F-4D97-AF65-F5344CB8AC3E}">
+        <p14:creationId xmlns:p14="http://schemas.microsoft.com/office/powerpoint/2010/main" val="1274945019"/>
+      </p:ext>
+    </p:extLst>
+  </p:cSld>
+  <p:clrMapOvr>
+    <a:masterClrMapping/>
+  </p:clrMapOvr>
+  <mc:AlternateContent xmlns:mc="http://schemas.openxmlformats.org/markup-compatibility/2006" xmlns:p14="http://schemas.microsoft.com/office/powerpoint/2010/main">
+    <mc:Choice Requires="p14">
+      <p:transition spd="med" p14:dur="700">
+        <p:fade/>
+      </p:transition>
+    </mc:Choice>
+    <mc:Fallback xmlns="">
+      <p:transition spd="med">
+        <p:fade/>
+      </p:transition>
+    </mc:Fallback>
+  </mc:AlternateContent>
+</p:sld>
+</file>
+
+<file path=ppt/slides/slide5.xml><?xml version="1.0" encoding="utf-8"?>
+<p:sld xmlns:a="http://schemas.openxmlformats.org/drawingml/2006/main" xmlns:r="http://schemas.openxmlformats.org/officeDocument/2006/relationships" xmlns:p="http://schemas.openxmlformats.org/presentationml/2006/main">
+  <p:cSld>
+    <p:spTree>
+      <p:nvGrpSpPr>
+        <p:cNvPr id="1" name=""/>
+        <p:cNvGrpSpPr/>
+        <p:nvPr/>
+      </p:nvGrpSpPr>
+      <p:grpSpPr>
+        <a:xfrm>
+          <a:off x="0" y="0"/>
+          <a:ext cx="0" cy="0"/>
+          <a:chOff x="0" y="0"/>
+          <a:chExt cx="0" cy="0"/>
+        </a:xfrm>
+      </p:grpSpPr>
+      <p:sp>
+        <p:nvSpPr>
+          <p:cNvPr id="2" name="Title 1">
+            <a:extLst>
+              <a:ext uri="{FF2B5EF4-FFF2-40B4-BE49-F238E27FC236}">
+                <a16:creationId xmlns:a16="http://schemas.microsoft.com/office/drawing/2014/main" id="{8555A247-5A74-5EA3-F8F8-F65A84E447DA}"/>
+              </a:ext>
+            </a:extLst>
+          </p:cNvPr>
+          <p:cNvSpPr>
+            <a:spLocks noGrp="1"/>
+          </p:cNvSpPr>
+          <p:nvPr>
+            <p:ph type="title"/>
+          </p:nvPr>
+        </p:nvSpPr>
+        <p:spPr/>
+        <p:txBody>
+          <a:bodyPr/>
+          <a:lstStyle/>
+          <a:p>
+            <a:r>
+              <a:rPr lang="en-US" dirty="0"/>
+              <a:t>Essential Information Eco System</a:t>
+            </a:r>
+          </a:p>
+        </p:txBody>
+      </p:sp>
+      <p:pic>
+        <p:nvPicPr>
+          <p:cNvPr id="5" name="Content Placeholder 4">
+            <a:extLst>
+              <a:ext uri="{FF2B5EF4-FFF2-40B4-BE49-F238E27FC236}">
+                <a16:creationId xmlns:a16="http://schemas.microsoft.com/office/drawing/2014/main" id="{B56EE639-3B1D-3EDE-3B45-B37DC8792768}"/>
+              </a:ext>
+            </a:extLst>
+          </p:cNvPr>
+          <p:cNvPicPr>
+            <a:picLocks noGrp="1" noChangeAspect="1"/>
+          </p:cNvPicPr>
+          <p:nvPr>
+            <p:ph idx="1"/>
+          </p:nvPr>
+        </p:nvPicPr>
+        <p:blipFill>
+          <a:blip r:embed="rId2"/>
+          <a:stretch>
+            <a:fillRect/>
+          </a:stretch>
+        </p:blipFill>
+        <p:spPr>
+          <a:xfrm>
+            <a:off x="2205980" y="1752054"/>
+            <a:ext cx="7498609" cy="4267746"/>
+          </a:xfrm>
+        </p:spPr>
+      </p:pic>
+    </p:spTree>
+    <p:extLst>
+      <p:ext uri="{BB962C8B-B14F-4D97-AF65-F5344CB8AC3E}">
+        <p14:creationId xmlns:p14="http://schemas.microsoft.com/office/powerpoint/2010/main" val="2289413684"/>
+      </p:ext>
+    </p:extLst>
+  </p:cSld>
+  <p:clrMapOvr>
+    <a:masterClrMapping/>
+  </p:clrMapOvr>
+  <mc:AlternateContent xmlns:mc="http://schemas.openxmlformats.org/markup-compatibility/2006" xmlns:p14="http://schemas.microsoft.com/office/powerpoint/2010/main">
+    <mc:Choice Requires="p14">
+      <p:transition spd="med" p14:dur="700">
+        <p:fade/>
+      </p:transition>
+    </mc:Choice>
+    <mc:Fallback xmlns="">
+      <p:transition spd="med">
+        <p:fade/>
+      </p:transition>
+    </mc:Fallback>
+  </mc:AlternateContent>
+</p:sld>
+</file>
+
+<file path=ppt/slides/slide6.xml><?xml version="1.0" encoding="utf-8"?>
+<p:sld xmlns:a="http://schemas.openxmlformats.org/drawingml/2006/main" xmlns:r="http://schemas.openxmlformats.org/officeDocument/2006/relationships" xmlns:p="http://schemas.openxmlformats.org/presentationml/2006/main">
+  <p:cSld>
+    <p:spTree>
+      <p:nvGrpSpPr>
+        <p:cNvPr id="1" name=""/>
+        <p:cNvGrpSpPr/>
+        <p:nvPr/>
+      </p:nvGrpSpPr>
+      <p:grpSpPr>
+        <a:xfrm>
+          <a:off x="0" y="0"/>
+          <a:ext cx="0" cy="0"/>
+          <a:chOff x="0" y="0"/>
+          <a:chExt cx="0" cy="0"/>
+        </a:xfrm>
+      </p:grpSpPr>
+      <p:sp>
+        <p:nvSpPr>
+          <p:cNvPr id="2" name="Title 1">
+            <a:extLst>
+              <a:ext uri="{FF2B5EF4-FFF2-40B4-BE49-F238E27FC236}">
+                <a16:creationId xmlns:a16="http://schemas.microsoft.com/office/drawing/2014/main" id="{A738E15B-15B5-6540-4D62-12379BDA0B44}"/>
+              </a:ext>
+            </a:extLst>
+          </p:cNvPr>
+          <p:cNvSpPr>
+            <a:spLocks noGrp="1"/>
+          </p:cNvSpPr>
+          <p:nvPr>
+            <p:ph type="title"/>
+          </p:nvPr>
+        </p:nvSpPr>
+        <p:spPr/>
+        <p:txBody>
+          <a:bodyPr/>
+          <a:lstStyle/>
+          <a:p>
+            <a:r>
+              <a:rPr lang="en-US" dirty="0"/>
+              <a:t>Essential Meta-Model</a:t>
+            </a:r>
+          </a:p>
+        </p:txBody>
+      </p:sp>
+      <p:pic>
+        <p:nvPicPr>
+          <p:cNvPr id="7" name="Content Placeholder 6">
+            <a:extLst>
+              <a:ext uri="{FF2B5EF4-FFF2-40B4-BE49-F238E27FC236}">
+                <a16:creationId xmlns:a16="http://schemas.microsoft.com/office/drawing/2014/main" id="{857CE9CD-14D2-9BEA-84B6-4334895A720B}"/>
+              </a:ext>
+            </a:extLst>
+          </p:cNvPr>
+          <p:cNvPicPr>
+            <a:picLocks noGrp="1" noChangeAspect="1"/>
+          </p:cNvPicPr>
+          <p:nvPr>
+            <p:ph sz="half" idx="1"/>
+          </p:nvPr>
+        </p:nvPicPr>
+        <p:blipFill>
+          <a:blip r:embed="rId2"/>
+          <a:stretch>
+            <a:fillRect/>
+          </a:stretch>
+        </p:blipFill>
+        <p:spPr>
+          <a:xfrm>
+            <a:off x="1917046" y="1905000"/>
+            <a:ext cx="3595407" cy="4114800"/>
+          </a:xfrm>
+        </p:spPr>
+      </p:pic>
+      <p:sp>
+        <p:nvSpPr>
+          <p:cNvPr id="8" name="Content Placeholder 7">
+            <a:extLst>
+              <a:ext uri="{FF2B5EF4-FFF2-40B4-BE49-F238E27FC236}">
+                <a16:creationId xmlns:a16="http://schemas.microsoft.com/office/drawing/2014/main" id="{B8394F97-F276-A8A6-0401-399CEBF95F2C}"/>
+              </a:ext>
+            </a:extLst>
+          </p:cNvPr>
+          <p:cNvSpPr>
+            <a:spLocks noGrp="1"/>
+          </p:cNvSpPr>
+          <p:nvPr>
+            <p:ph sz="half" idx="2"/>
+          </p:nvPr>
+        </p:nvSpPr>
+        <p:spPr/>
+        <p:txBody>
+          <a:bodyPr/>
+          <a:lstStyle/>
+          <a:p>
+            <a:r>
+              <a:rPr lang="en-US" dirty="0"/>
+              <a:t>4 Layers</a:t>
+            </a:r>
+          </a:p>
+          <a:p>
+            <a:pPr lvl="1"/>
+            <a:r>
+              <a:rPr lang="en-US" dirty="0"/>
+              <a:t>Business / Application / Information / Technology</a:t>
+            </a:r>
+          </a:p>
+          <a:p>
+            <a:r>
+              <a:rPr lang="en-US" dirty="0"/>
+              <a:t>3 Views</a:t>
+            </a:r>
+          </a:p>
+          <a:p>
+            <a:pPr lvl="1"/>
+            <a:r>
+              <a:rPr lang="en-US" dirty="0"/>
+              <a:t>Conceptual / Logical / Physical</a:t>
+            </a:r>
+          </a:p>
+          <a:p>
+            <a:r>
+              <a:rPr lang="en-US" dirty="0"/>
+              <a:t>More Supporting areas</a:t>
+            </a:r>
+          </a:p>
+        </p:txBody>
+      </p:sp>
+      <p:pic>
+        <p:nvPicPr>
+          <p:cNvPr id="5" name="Picture 4">
+            <a:extLst>
+              <a:ext uri="{FF2B5EF4-FFF2-40B4-BE49-F238E27FC236}">
+                <a16:creationId xmlns:a16="http://schemas.microsoft.com/office/drawing/2014/main" id="{55812C39-B4A9-48A5-A5F7-ADDBB4909749}"/>
+              </a:ext>
+            </a:extLst>
+          </p:cNvPr>
+          <p:cNvPicPr>
+            <a:picLocks noChangeAspect="1"/>
+          </p:cNvPicPr>
+          <p:nvPr/>
+        </p:nvPicPr>
+        <p:blipFill>
+          <a:blip r:embed="rId3"/>
+          <a:stretch>
+            <a:fillRect/>
+          </a:stretch>
+        </p:blipFill>
+        <p:spPr>
+          <a:xfrm>
+            <a:off x="8974732" y="259977"/>
+            <a:ext cx="2695575" cy="1143000"/>
+          </a:xfrm>
+          <a:prstGeom prst="rect">
+            <a:avLst/>
+          </a:prstGeom>
+        </p:spPr>
+      </p:pic>
+    </p:spTree>
+    <p:extLst>
+      <p:ext uri="{BB962C8B-B14F-4D97-AF65-F5344CB8AC3E}">
+        <p14:creationId xmlns:p14="http://schemas.microsoft.com/office/powerpoint/2010/main" val="484596390"/>
+      </p:ext>
+    </p:extLst>
+  </p:cSld>
+  <p:clrMapOvr>
+    <a:masterClrMapping/>
+  </p:clrMapOvr>
+  <mc:AlternateContent xmlns:mc="http://schemas.openxmlformats.org/markup-compatibility/2006" xmlns:p14="http://schemas.microsoft.com/office/powerpoint/2010/main">
+    <mc:Choice Requires="p14">
+      <p:transition spd="med" p14:dur="700">
+        <p:fade/>
+      </p:transition>
+    </mc:Choice>
+    <mc:Fallback xmlns="">
+      <p:transition spd="med">
+        <p:fade/>
+      </p:transition>
+    </mc:Fallback>
+  </mc:AlternateContent>
+</p:sld>
+</file>
+
+<file path=ppt/slides/slide7.xml><?xml version="1.0" encoding="utf-8"?>
+<p:sld xmlns:a="http://schemas.openxmlformats.org/drawingml/2006/main" xmlns:r="http://schemas.openxmlformats.org/officeDocument/2006/relationships" xmlns:p="http://schemas.openxmlformats.org/presentationml/2006/main">
+  <p:cSld>
+    <p:spTree>
+      <p:nvGrpSpPr>
+        <p:cNvPr id="1" name=""/>
+        <p:cNvGrpSpPr/>
+        <p:nvPr/>
+      </p:nvGrpSpPr>
+      <p:grpSpPr>
+        <a:xfrm>
+          <a:off x="0" y="0"/>
+          <a:ext cx="0" cy="0"/>
+          <a:chOff x="0" y="0"/>
+          <a:chExt cx="0" cy="0"/>
+        </a:xfrm>
+      </p:grpSpPr>
+      <p:sp>
+        <p:nvSpPr>
+          <p:cNvPr id="2" name="Title 1">
+            <a:extLst>
+              <a:ext uri="{FF2B5EF4-FFF2-40B4-BE49-F238E27FC236}">
+                <a16:creationId xmlns:a16="http://schemas.microsoft.com/office/drawing/2014/main" id="{F76E87D1-7FBC-D1D4-F340-54017CD72DEB}"/>
+              </a:ext>
+            </a:extLst>
+          </p:cNvPr>
+          <p:cNvSpPr>
+            <a:spLocks noGrp="1"/>
+          </p:cNvSpPr>
+          <p:nvPr>
+            <p:ph type="title"/>
+          </p:nvPr>
+        </p:nvSpPr>
+        <p:spPr>
+          <a:xfrm>
+            <a:off x="1522413" y="381000"/>
+            <a:ext cx="9144001" cy="671736"/>
+          </a:xfrm>
+        </p:spPr>
+        <p:txBody>
+          <a:bodyPr/>
+          <a:lstStyle/>
+          <a:p>
+            <a:r>
+              <a:rPr lang="en-US" dirty="0"/>
+              <a:t>Essential Delivery Cycle</a:t>
+            </a:r>
+          </a:p>
+        </p:txBody>
+      </p:sp>
+      <p:graphicFrame>
+        <p:nvGraphicFramePr>
+          <p:cNvPr id="6" name="Content Placeholder 5">
+            <a:extLst>
+              <a:ext uri="{FF2B5EF4-FFF2-40B4-BE49-F238E27FC236}">
+                <a16:creationId xmlns:a16="http://schemas.microsoft.com/office/drawing/2014/main" id="{F652754F-AA61-07EB-B45D-DE4676FBF70F}"/>
+              </a:ext>
+            </a:extLst>
+          </p:cNvPr>
+          <p:cNvGraphicFramePr>
+            <a:graphicFrameLocks noGrp="1"/>
+          </p:cNvGraphicFramePr>
+          <p:nvPr>
+            <p:ph idx="1"/>
+            <p:extLst>
+              <p:ext uri="{D42A27DB-BD31-4B8C-83A1-F6EECF244321}">
+                <p14:modId xmlns:p14="http://schemas.microsoft.com/office/powerpoint/2010/main" val="108327575"/>
+              </p:ext>
+            </p:extLst>
+          </p:nvPr>
+        </p:nvGraphicFramePr>
+        <p:xfrm>
+          <a:off x="1522413" y="764704"/>
+          <a:ext cx="8532439" cy="6093296"/>
+        </p:xfrm>
+        <a:graphic>
+          <a:graphicData uri="http://schemas.openxmlformats.org/drawingml/2006/diagram">
+            <dgm:relIds xmlns:dgm="http://schemas.openxmlformats.org/drawingml/2006/diagram" xmlns:r="http://schemas.openxmlformats.org/officeDocument/2006/relationships" r:dm="rId2" r:lo="rId3" r:qs="rId4" r:cs="rId5"/>
+          </a:graphicData>
+        </a:graphic>
+      </p:graphicFrame>
+    </p:spTree>
+    <p:extLst>
+      <p:ext uri="{BB962C8B-B14F-4D97-AF65-F5344CB8AC3E}">
+        <p14:creationId xmlns:p14="http://schemas.microsoft.com/office/powerpoint/2010/main" val="229013351"/>
       </p:ext>
     </p:extLst>
   </p:cSld>
